--- a/lab02/lab02.pptx
+++ b/lab02/lab02.pptx
@@ -4,9 +4,19 @@
   <p:sldMasterIdLst>
     <p:sldMasterId id="2147483660" r:id="rId1"/>
   </p:sldMasterIdLst>
+  <p:notesMasterIdLst>
+    <p:notesMasterId r:id="rId11"/>
+  </p:notesMasterIdLst>
   <p:sldIdLst>
     <p:sldId id="256" r:id="rId2"/>
     <p:sldId id="257" r:id="rId3"/>
+    <p:sldId id="258" r:id="rId4"/>
+    <p:sldId id="260" r:id="rId5"/>
+    <p:sldId id="259" r:id="rId6"/>
+    <p:sldId id="261" r:id="rId7"/>
+    <p:sldId id="262" r:id="rId8"/>
+    <p:sldId id="263" r:id="rId9"/>
+    <p:sldId id="264" r:id="rId10"/>
   </p:sldIdLst>
   <p:sldSz cx="12192000" cy="6858000"/>
   <p:notesSz cx="6858000" cy="9144000"/>
@@ -105,7 +115,1034 @@
       </a:defRPr>
     </a:lvl9pPr>
   </p:defaultTextStyle>
+  <p:extLst>
+    <p:ext uri="{EFAFB233-063F-42B5-8137-9DF3F51BA10A}">
+      <p15:sldGuideLst xmlns:p15="http://schemas.microsoft.com/office/powerpoint/2012/main"/>
+    </p:ext>
+  </p:extLst>
 </p:presentation>
+</file>
+
+<file path=ppt/notesMasters/notesMaster1.xml><?xml version="1.0" encoding="utf-8"?>
+<p:notesMaster xmlns:a="http://schemas.openxmlformats.org/drawingml/2006/main" xmlns:r="http://schemas.openxmlformats.org/officeDocument/2006/relationships" xmlns:p="http://schemas.openxmlformats.org/presentationml/2006/main">
+  <p:cSld>
+    <p:bg>
+      <p:bgRef idx="1001">
+        <a:schemeClr val="bg1"/>
+      </p:bgRef>
+    </p:bg>
+    <p:spTree>
+      <p:nvGrpSpPr>
+        <p:cNvPr id="1" name=""/>
+        <p:cNvGrpSpPr/>
+        <p:nvPr/>
+      </p:nvGrpSpPr>
+      <p:grpSpPr>
+        <a:xfrm>
+          <a:off x="0" y="0"/>
+          <a:ext cx="0" cy="0"/>
+          <a:chOff x="0" y="0"/>
+          <a:chExt cx="0" cy="0"/>
+        </a:xfrm>
+      </p:grpSpPr>
+      <p:sp>
+        <p:nvSpPr>
+          <p:cNvPr id="2" name="页眉占位符 1"/>
+          <p:cNvSpPr>
+            <a:spLocks noGrp="1"/>
+          </p:cNvSpPr>
+          <p:nvPr>
+            <p:ph type="hdr" sz="quarter"/>
+          </p:nvPr>
+        </p:nvSpPr>
+        <p:spPr>
+          <a:xfrm>
+            <a:off x="0" y="0"/>
+            <a:ext cx="2971800" cy="458788"/>
+          </a:xfrm>
+          <a:prstGeom prst="rect">
+            <a:avLst/>
+          </a:prstGeom>
+        </p:spPr>
+        <p:txBody>
+          <a:bodyPr vert="horz" lIns="91440" tIns="45720" rIns="91440" bIns="45720" rtlCol="0"/>
+          <a:lstStyle>
+            <a:lvl1pPr algn="l">
+              <a:defRPr sz="1200"/>
+            </a:lvl1pPr>
+          </a:lstStyle>
+          <a:p>
+            <a:endParaRPr lang="zh-CN" altLang="en-US"/>
+          </a:p>
+        </p:txBody>
+      </p:sp>
+      <p:sp>
+        <p:nvSpPr>
+          <p:cNvPr id="3" name="日期占位符 2"/>
+          <p:cNvSpPr>
+            <a:spLocks noGrp="1"/>
+          </p:cNvSpPr>
+          <p:nvPr>
+            <p:ph type="dt" idx="1"/>
+          </p:nvPr>
+        </p:nvSpPr>
+        <p:spPr>
+          <a:xfrm>
+            <a:off x="3884613" y="0"/>
+            <a:ext cx="2971800" cy="458788"/>
+          </a:xfrm>
+          <a:prstGeom prst="rect">
+            <a:avLst/>
+          </a:prstGeom>
+        </p:spPr>
+        <p:txBody>
+          <a:bodyPr vert="horz" lIns="91440" tIns="45720" rIns="91440" bIns="45720" rtlCol="0"/>
+          <a:lstStyle>
+            <a:lvl1pPr algn="r">
+              <a:defRPr sz="1200"/>
+            </a:lvl1pPr>
+          </a:lstStyle>
+          <a:p>
+            <a:fld id="{02F36974-5B6D-4114-B703-66D85A065994}" type="datetimeFigureOut">
+              <a:rPr lang="zh-CN" altLang="en-US" smtClean="0"/>
+              <a:t>2018/10/30</a:t>
+            </a:fld>
+            <a:endParaRPr lang="zh-CN" altLang="en-US"/>
+          </a:p>
+        </p:txBody>
+      </p:sp>
+      <p:sp>
+        <p:nvSpPr>
+          <p:cNvPr id="4" name="幻灯片图像占位符 3"/>
+          <p:cNvSpPr>
+            <a:spLocks noGrp="1" noRot="1" noChangeAspect="1"/>
+          </p:cNvSpPr>
+          <p:nvPr>
+            <p:ph type="sldImg" idx="2"/>
+          </p:nvPr>
+        </p:nvSpPr>
+        <p:spPr>
+          <a:xfrm>
+            <a:off x="685800" y="1143000"/>
+            <a:ext cx="5486400" cy="3086100"/>
+          </a:xfrm>
+          <a:prstGeom prst="rect">
+            <a:avLst/>
+          </a:prstGeom>
+          <a:noFill/>
+          <a:ln w="12700">
+            <a:solidFill>
+              <a:prstClr val="black"/>
+            </a:solidFill>
+          </a:ln>
+        </p:spPr>
+        <p:txBody>
+          <a:bodyPr vert="horz" lIns="91440" tIns="45720" rIns="91440" bIns="45720" rtlCol="0" anchor="ctr"/>
+          <a:lstStyle/>
+          <a:p>
+            <a:endParaRPr lang="zh-CN" altLang="en-US"/>
+          </a:p>
+        </p:txBody>
+      </p:sp>
+      <p:sp>
+        <p:nvSpPr>
+          <p:cNvPr id="5" name="备注占位符 4"/>
+          <p:cNvSpPr>
+            <a:spLocks noGrp="1"/>
+          </p:cNvSpPr>
+          <p:nvPr>
+            <p:ph type="body" sz="quarter" idx="3"/>
+          </p:nvPr>
+        </p:nvSpPr>
+        <p:spPr>
+          <a:xfrm>
+            <a:off x="685800" y="4400550"/>
+            <a:ext cx="5486400" cy="3600450"/>
+          </a:xfrm>
+          <a:prstGeom prst="rect">
+            <a:avLst/>
+          </a:prstGeom>
+        </p:spPr>
+        <p:txBody>
+          <a:bodyPr vert="horz" lIns="91440" tIns="45720" rIns="91440" bIns="45720" rtlCol="0"/>
+          <a:lstStyle/>
+          <a:p>
+            <a:pPr lvl="0"/>
+            <a:r>
+              <a:rPr lang="zh-CN" altLang="en-US" smtClean="0"/>
+              <a:t>编辑母版文本样式</a:t>
+            </a:r>
+          </a:p>
+          <a:p>
+            <a:pPr lvl="1"/>
+            <a:r>
+              <a:rPr lang="zh-CN" altLang="en-US" smtClean="0"/>
+              <a:t>第二级</a:t>
+            </a:r>
+          </a:p>
+          <a:p>
+            <a:pPr lvl="2"/>
+            <a:r>
+              <a:rPr lang="zh-CN" altLang="en-US" smtClean="0"/>
+              <a:t>第三级</a:t>
+            </a:r>
+          </a:p>
+          <a:p>
+            <a:pPr lvl="3"/>
+            <a:r>
+              <a:rPr lang="zh-CN" altLang="en-US" smtClean="0"/>
+              <a:t>第四级</a:t>
+            </a:r>
+          </a:p>
+          <a:p>
+            <a:pPr lvl="4"/>
+            <a:r>
+              <a:rPr lang="zh-CN" altLang="en-US" smtClean="0"/>
+              <a:t>第五级</a:t>
+            </a:r>
+            <a:endParaRPr lang="zh-CN" altLang="en-US"/>
+          </a:p>
+        </p:txBody>
+      </p:sp>
+      <p:sp>
+        <p:nvSpPr>
+          <p:cNvPr id="6" name="页脚占位符 5"/>
+          <p:cNvSpPr>
+            <a:spLocks noGrp="1"/>
+          </p:cNvSpPr>
+          <p:nvPr>
+            <p:ph type="ftr" sz="quarter" idx="4"/>
+          </p:nvPr>
+        </p:nvSpPr>
+        <p:spPr>
+          <a:xfrm>
+            <a:off x="0" y="8685213"/>
+            <a:ext cx="2971800" cy="458787"/>
+          </a:xfrm>
+          <a:prstGeom prst="rect">
+            <a:avLst/>
+          </a:prstGeom>
+        </p:spPr>
+        <p:txBody>
+          <a:bodyPr vert="horz" lIns="91440" tIns="45720" rIns="91440" bIns="45720" rtlCol="0" anchor="b"/>
+          <a:lstStyle>
+            <a:lvl1pPr algn="l">
+              <a:defRPr sz="1200"/>
+            </a:lvl1pPr>
+          </a:lstStyle>
+          <a:p>
+            <a:endParaRPr lang="zh-CN" altLang="en-US"/>
+          </a:p>
+        </p:txBody>
+      </p:sp>
+      <p:sp>
+        <p:nvSpPr>
+          <p:cNvPr id="7" name="灯片编号占位符 6"/>
+          <p:cNvSpPr>
+            <a:spLocks noGrp="1"/>
+          </p:cNvSpPr>
+          <p:nvPr>
+            <p:ph type="sldNum" sz="quarter" idx="5"/>
+          </p:nvPr>
+        </p:nvSpPr>
+        <p:spPr>
+          <a:xfrm>
+            <a:off x="3884613" y="8685213"/>
+            <a:ext cx="2971800" cy="458787"/>
+          </a:xfrm>
+          <a:prstGeom prst="rect">
+            <a:avLst/>
+          </a:prstGeom>
+        </p:spPr>
+        <p:txBody>
+          <a:bodyPr vert="horz" lIns="91440" tIns="45720" rIns="91440" bIns="45720" rtlCol="0" anchor="b"/>
+          <a:lstStyle>
+            <a:lvl1pPr algn="r">
+              <a:defRPr sz="1200"/>
+            </a:lvl1pPr>
+          </a:lstStyle>
+          <a:p>
+            <a:fld id="{5481CFF1-CAA3-457A-B594-B1B0FDAE43C5}" type="slidenum">
+              <a:rPr lang="zh-CN" altLang="en-US" smtClean="0"/>
+              <a:t>‹#›</a:t>
+            </a:fld>
+            <a:endParaRPr lang="zh-CN" altLang="en-US"/>
+          </a:p>
+        </p:txBody>
+      </p:sp>
+    </p:spTree>
+    <p:extLst>
+      <p:ext uri="{BB962C8B-B14F-4D97-AF65-F5344CB8AC3E}">
+        <p14:creationId xmlns:p14="http://schemas.microsoft.com/office/powerpoint/2010/main" val="3368809848"/>
+      </p:ext>
+    </p:extLst>
+  </p:cSld>
+  <p:clrMap bg1="lt1" tx1="dk1" bg2="lt2" tx2="dk2" accent1="accent1" accent2="accent2" accent3="accent3" accent4="accent4" accent5="accent5" accent6="accent6" hlink="hlink" folHlink="folHlink"/>
+  <p:notesStyle>
+    <a:lvl1pPr marL="0" algn="l" defTabSz="914400" rtl="0" eaLnBrk="1" latinLnBrk="0" hangingPunct="1">
+      <a:defRPr sz="1200" kern="1200">
+        <a:solidFill>
+          <a:schemeClr val="tx1"/>
+        </a:solidFill>
+        <a:latin typeface="+mn-lt"/>
+        <a:ea typeface="+mn-ea"/>
+        <a:cs typeface="+mn-cs"/>
+      </a:defRPr>
+    </a:lvl1pPr>
+    <a:lvl2pPr marL="457200" algn="l" defTabSz="914400" rtl="0" eaLnBrk="1" latinLnBrk="0" hangingPunct="1">
+      <a:defRPr sz="1200" kern="1200">
+        <a:solidFill>
+          <a:schemeClr val="tx1"/>
+        </a:solidFill>
+        <a:latin typeface="+mn-lt"/>
+        <a:ea typeface="+mn-ea"/>
+        <a:cs typeface="+mn-cs"/>
+      </a:defRPr>
+    </a:lvl2pPr>
+    <a:lvl3pPr marL="914400" algn="l" defTabSz="914400" rtl="0" eaLnBrk="1" latinLnBrk="0" hangingPunct="1">
+      <a:defRPr sz="1200" kern="1200">
+        <a:solidFill>
+          <a:schemeClr val="tx1"/>
+        </a:solidFill>
+        <a:latin typeface="+mn-lt"/>
+        <a:ea typeface="+mn-ea"/>
+        <a:cs typeface="+mn-cs"/>
+      </a:defRPr>
+    </a:lvl3pPr>
+    <a:lvl4pPr marL="1371600" algn="l" defTabSz="914400" rtl="0" eaLnBrk="1" latinLnBrk="0" hangingPunct="1">
+      <a:defRPr sz="1200" kern="1200">
+        <a:solidFill>
+          <a:schemeClr val="tx1"/>
+        </a:solidFill>
+        <a:latin typeface="+mn-lt"/>
+        <a:ea typeface="+mn-ea"/>
+        <a:cs typeface="+mn-cs"/>
+      </a:defRPr>
+    </a:lvl4pPr>
+    <a:lvl5pPr marL="1828800" algn="l" defTabSz="914400" rtl="0" eaLnBrk="1" latinLnBrk="0" hangingPunct="1">
+      <a:defRPr sz="1200" kern="1200">
+        <a:solidFill>
+          <a:schemeClr val="tx1"/>
+        </a:solidFill>
+        <a:latin typeface="+mn-lt"/>
+        <a:ea typeface="+mn-ea"/>
+        <a:cs typeface="+mn-cs"/>
+      </a:defRPr>
+    </a:lvl5pPr>
+    <a:lvl6pPr marL="2286000" algn="l" defTabSz="914400" rtl="0" eaLnBrk="1" latinLnBrk="0" hangingPunct="1">
+      <a:defRPr sz="1200" kern="1200">
+        <a:solidFill>
+          <a:schemeClr val="tx1"/>
+        </a:solidFill>
+        <a:latin typeface="+mn-lt"/>
+        <a:ea typeface="+mn-ea"/>
+        <a:cs typeface="+mn-cs"/>
+      </a:defRPr>
+    </a:lvl6pPr>
+    <a:lvl7pPr marL="2743200" algn="l" defTabSz="914400" rtl="0" eaLnBrk="1" latinLnBrk="0" hangingPunct="1">
+      <a:defRPr sz="1200" kern="1200">
+        <a:solidFill>
+          <a:schemeClr val="tx1"/>
+        </a:solidFill>
+        <a:latin typeface="+mn-lt"/>
+        <a:ea typeface="+mn-ea"/>
+        <a:cs typeface="+mn-cs"/>
+      </a:defRPr>
+    </a:lvl7pPr>
+    <a:lvl8pPr marL="3200400" algn="l" defTabSz="914400" rtl="0" eaLnBrk="1" latinLnBrk="0" hangingPunct="1">
+      <a:defRPr sz="1200" kern="1200">
+        <a:solidFill>
+          <a:schemeClr val="tx1"/>
+        </a:solidFill>
+        <a:latin typeface="+mn-lt"/>
+        <a:ea typeface="+mn-ea"/>
+        <a:cs typeface="+mn-cs"/>
+      </a:defRPr>
+    </a:lvl8pPr>
+    <a:lvl9pPr marL="3657600" algn="l" defTabSz="914400" rtl="0" eaLnBrk="1" latinLnBrk="0" hangingPunct="1">
+      <a:defRPr sz="1200" kern="1200">
+        <a:solidFill>
+          <a:schemeClr val="tx1"/>
+        </a:solidFill>
+        <a:latin typeface="+mn-lt"/>
+        <a:ea typeface="+mn-ea"/>
+        <a:cs typeface="+mn-cs"/>
+      </a:defRPr>
+    </a:lvl9pPr>
+  </p:notesStyle>
+</p:notesMaster>
+</file>
+
+<file path=ppt/notesSlides/notesSlide1.xml><?xml version="1.0" encoding="utf-8"?>
+<p:notes xmlns:a="http://schemas.openxmlformats.org/drawingml/2006/main" xmlns:r="http://schemas.openxmlformats.org/officeDocument/2006/relationships" xmlns:p="http://schemas.openxmlformats.org/presentationml/2006/main">
+  <p:cSld>
+    <p:spTree>
+      <p:nvGrpSpPr>
+        <p:cNvPr id="1" name=""/>
+        <p:cNvGrpSpPr/>
+        <p:nvPr/>
+      </p:nvGrpSpPr>
+      <p:grpSpPr>
+        <a:xfrm>
+          <a:off x="0" y="0"/>
+          <a:ext cx="0" cy="0"/>
+          <a:chOff x="0" y="0"/>
+          <a:chExt cx="0" cy="0"/>
+        </a:xfrm>
+      </p:grpSpPr>
+      <p:sp>
+        <p:nvSpPr>
+          <p:cNvPr id="2" name="幻灯片图像占位符 1"/>
+          <p:cNvSpPr>
+            <a:spLocks noGrp="1" noRot="1" noChangeAspect="1"/>
+          </p:cNvSpPr>
+          <p:nvPr>
+            <p:ph type="sldImg"/>
+          </p:nvPr>
+        </p:nvSpPr>
+        <p:spPr/>
+      </p:sp>
+      <p:sp>
+        <p:nvSpPr>
+          <p:cNvPr id="3" name="备注占位符 2"/>
+          <p:cNvSpPr>
+            <a:spLocks noGrp="1"/>
+          </p:cNvSpPr>
+          <p:nvPr>
+            <p:ph type="body" idx="1"/>
+          </p:nvPr>
+        </p:nvSpPr>
+        <p:spPr/>
+        <p:txBody>
+          <a:bodyPr/>
+          <a:lstStyle/>
+          <a:p>
+            <a:endParaRPr lang="zh-CN" altLang="en-US"/>
+          </a:p>
+        </p:txBody>
+      </p:sp>
+      <p:sp>
+        <p:nvSpPr>
+          <p:cNvPr id="4" name="灯片编号占位符 3"/>
+          <p:cNvSpPr>
+            <a:spLocks noGrp="1"/>
+          </p:cNvSpPr>
+          <p:nvPr>
+            <p:ph type="sldNum" sz="quarter" idx="10"/>
+          </p:nvPr>
+        </p:nvSpPr>
+        <p:spPr/>
+        <p:txBody>
+          <a:bodyPr/>
+          <a:lstStyle/>
+          <a:p>
+            <a:fld id="{ABCF3755-8974-418C-8809-96F54FD72C21}" type="slidenum">
+              <a:rPr lang="zh-CN" altLang="en-US" smtClean="0"/>
+              <a:t>2</a:t>
+            </a:fld>
+            <a:endParaRPr lang="zh-CN" altLang="en-US"/>
+          </a:p>
+        </p:txBody>
+      </p:sp>
+    </p:spTree>
+    <p:extLst>
+      <p:ext uri="{BB962C8B-B14F-4D97-AF65-F5344CB8AC3E}">
+        <p14:creationId xmlns:p14="http://schemas.microsoft.com/office/powerpoint/2010/main" val="1449087211"/>
+      </p:ext>
+    </p:extLst>
+  </p:cSld>
+  <p:clrMapOvr>
+    <a:masterClrMapping/>
+  </p:clrMapOvr>
+</p:notes>
+</file>
+
+<file path=ppt/notesSlides/notesSlide2.xml><?xml version="1.0" encoding="utf-8"?>
+<p:notes xmlns:a="http://schemas.openxmlformats.org/drawingml/2006/main" xmlns:r="http://schemas.openxmlformats.org/officeDocument/2006/relationships" xmlns:p="http://schemas.openxmlformats.org/presentationml/2006/main">
+  <p:cSld>
+    <p:spTree>
+      <p:nvGrpSpPr>
+        <p:cNvPr id="1" name=""/>
+        <p:cNvGrpSpPr/>
+        <p:nvPr/>
+      </p:nvGrpSpPr>
+      <p:grpSpPr>
+        <a:xfrm>
+          <a:off x="0" y="0"/>
+          <a:ext cx="0" cy="0"/>
+          <a:chOff x="0" y="0"/>
+          <a:chExt cx="0" cy="0"/>
+        </a:xfrm>
+      </p:grpSpPr>
+      <p:sp>
+        <p:nvSpPr>
+          <p:cNvPr id="2" name="幻灯片图像占位符 1"/>
+          <p:cNvSpPr>
+            <a:spLocks noGrp="1" noRot="1" noChangeAspect="1"/>
+          </p:cNvSpPr>
+          <p:nvPr>
+            <p:ph type="sldImg"/>
+          </p:nvPr>
+        </p:nvSpPr>
+        <p:spPr/>
+      </p:sp>
+      <p:sp>
+        <p:nvSpPr>
+          <p:cNvPr id="3" name="备注占位符 2"/>
+          <p:cNvSpPr>
+            <a:spLocks noGrp="1"/>
+          </p:cNvSpPr>
+          <p:nvPr>
+            <p:ph type="body" idx="1"/>
+          </p:nvPr>
+        </p:nvSpPr>
+        <p:spPr/>
+        <p:txBody>
+          <a:bodyPr/>
+          <a:lstStyle/>
+          <a:p>
+            <a:endParaRPr lang="zh-CN" altLang="en-US"/>
+          </a:p>
+        </p:txBody>
+      </p:sp>
+      <p:sp>
+        <p:nvSpPr>
+          <p:cNvPr id="4" name="灯片编号占位符 3"/>
+          <p:cNvSpPr>
+            <a:spLocks noGrp="1"/>
+          </p:cNvSpPr>
+          <p:nvPr>
+            <p:ph type="sldNum" sz="quarter" idx="10"/>
+          </p:nvPr>
+        </p:nvSpPr>
+        <p:spPr/>
+        <p:txBody>
+          <a:bodyPr/>
+          <a:lstStyle/>
+          <a:p>
+            <a:fld id="{ABCF3755-8974-418C-8809-96F54FD72C21}" type="slidenum">
+              <a:rPr lang="zh-CN" altLang="en-US" smtClean="0"/>
+              <a:t>3</a:t>
+            </a:fld>
+            <a:endParaRPr lang="zh-CN" altLang="en-US"/>
+          </a:p>
+        </p:txBody>
+      </p:sp>
+    </p:spTree>
+    <p:extLst>
+      <p:ext uri="{BB962C8B-B14F-4D97-AF65-F5344CB8AC3E}">
+        <p14:creationId xmlns:p14="http://schemas.microsoft.com/office/powerpoint/2010/main" val="401446834"/>
+      </p:ext>
+    </p:extLst>
+  </p:cSld>
+  <p:clrMapOvr>
+    <a:masterClrMapping/>
+  </p:clrMapOvr>
+</p:notes>
+</file>
+
+<file path=ppt/notesSlides/notesSlide3.xml><?xml version="1.0" encoding="utf-8"?>
+<p:notes xmlns:a="http://schemas.openxmlformats.org/drawingml/2006/main" xmlns:r="http://schemas.openxmlformats.org/officeDocument/2006/relationships" xmlns:p="http://schemas.openxmlformats.org/presentationml/2006/main">
+  <p:cSld>
+    <p:spTree>
+      <p:nvGrpSpPr>
+        <p:cNvPr id="1" name=""/>
+        <p:cNvGrpSpPr/>
+        <p:nvPr/>
+      </p:nvGrpSpPr>
+      <p:grpSpPr>
+        <a:xfrm>
+          <a:off x="0" y="0"/>
+          <a:ext cx="0" cy="0"/>
+          <a:chOff x="0" y="0"/>
+          <a:chExt cx="0" cy="0"/>
+        </a:xfrm>
+      </p:grpSpPr>
+      <p:sp>
+        <p:nvSpPr>
+          <p:cNvPr id="2" name="幻灯片图像占位符 1"/>
+          <p:cNvSpPr>
+            <a:spLocks noGrp="1" noRot="1" noChangeAspect="1"/>
+          </p:cNvSpPr>
+          <p:nvPr>
+            <p:ph type="sldImg"/>
+          </p:nvPr>
+        </p:nvSpPr>
+        <p:spPr/>
+      </p:sp>
+      <p:sp>
+        <p:nvSpPr>
+          <p:cNvPr id="3" name="备注占位符 2"/>
+          <p:cNvSpPr>
+            <a:spLocks noGrp="1"/>
+          </p:cNvSpPr>
+          <p:nvPr>
+            <p:ph type="body" idx="1"/>
+          </p:nvPr>
+        </p:nvSpPr>
+        <p:spPr/>
+        <p:txBody>
+          <a:bodyPr/>
+          <a:lstStyle/>
+          <a:p>
+            <a:endParaRPr lang="zh-CN" altLang="en-US"/>
+          </a:p>
+        </p:txBody>
+      </p:sp>
+      <p:sp>
+        <p:nvSpPr>
+          <p:cNvPr id="4" name="灯片编号占位符 3"/>
+          <p:cNvSpPr>
+            <a:spLocks noGrp="1"/>
+          </p:cNvSpPr>
+          <p:nvPr>
+            <p:ph type="sldNum" sz="quarter" idx="10"/>
+          </p:nvPr>
+        </p:nvSpPr>
+        <p:spPr/>
+        <p:txBody>
+          <a:bodyPr/>
+          <a:lstStyle/>
+          <a:p>
+            <a:fld id="{ABCF3755-8974-418C-8809-96F54FD72C21}" type="slidenum">
+              <a:rPr lang="zh-CN" altLang="en-US" smtClean="0"/>
+              <a:t>4</a:t>
+            </a:fld>
+            <a:endParaRPr lang="zh-CN" altLang="en-US"/>
+          </a:p>
+        </p:txBody>
+      </p:sp>
+    </p:spTree>
+    <p:extLst>
+      <p:ext uri="{BB962C8B-B14F-4D97-AF65-F5344CB8AC3E}">
+        <p14:creationId xmlns:p14="http://schemas.microsoft.com/office/powerpoint/2010/main" val="3807465726"/>
+      </p:ext>
+    </p:extLst>
+  </p:cSld>
+  <p:clrMapOvr>
+    <a:masterClrMapping/>
+  </p:clrMapOvr>
+</p:notes>
+</file>
+
+<file path=ppt/notesSlides/notesSlide4.xml><?xml version="1.0" encoding="utf-8"?>
+<p:notes xmlns:a="http://schemas.openxmlformats.org/drawingml/2006/main" xmlns:r="http://schemas.openxmlformats.org/officeDocument/2006/relationships" xmlns:p="http://schemas.openxmlformats.org/presentationml/2006/main">
+  <p:cSld>
+    <p:spTree>
+      <p:nvGrpSpPr>
+        <p:cNvPr id="1" name=""/>
+        <p:cNvGrpSpPr/>
+        <p:nvPr/>
+      </p:nvGrpSpPr>
+      <p:grpSpPr>
+        <a:xfrm>
+          <a:off x="0" y="0"/>
+          <a:ext cx="0" cy="0"/>
+          <a:chOff x="0" y="0"/>
+          <a:chExt cx="0" cy="0"/>
+        </a:xfrm>
+      </p:grpSpPr>
+      <p:sp>
+        <p:nvSpPr>
+          <p:cNvPr id="2" name="幻灯片图像占位符 1"/>
+          <p:cNvSpPr>
+            <a:spLocks noGrp="1" noRot="1" noChangeAspect="1"/>
+          </p:cNvSpPr>
+          <p:nvPr>
+            <p:ph type="sldImg"/>
+          </p:nvPr>
+        </p:nvSpPr>
+        <p:spPr/>
+      </p:sp>
+      <p:sp>
+        <p:nvSpPr>
+          <p:cNvPr id="3" name="备注占位符 2"/>
+          <p:cNvSpPr>
+            <a:spLocks noGrp="1"/>
+          </p:cNvSpPr>
+          <p:nvPr>
+            <p:ph type="body" idx="1"/>
+          </p:nvPr>
+        </p:nvSpPr>
+        <p:spPr/>
+        <p:txBody>
+          <a:bodyPr/>
+          <a:lstStyle/>
+          <a:p>
+            <a:endParaRPr lang="zh-CN" altLang="en-US"/>
+          </a:p>
+        </p:txBody>
+      </p:sp>
+      <p:sp>
+        <p:nvSpPr>
+          <p:cNvPr id="4" name="灯片编号占位符 3"/>
+          <p:cNvSpPr>
+            <a:spLocks noGrp="1"/>
+          </p:cNvSpPr>
+          <p:nvPr>
+            <p:ph type="sldNum" sz="quarter" idx="10"/>
+          </p:nvPr>
+        </p:nvSpPr>
+        <p:spPr/>
+        <p:txBody>
+          <a:bodyPr/>
+          <a:lstStyle/>
+          <a:p>
+            <a:fld id="{ABCF3755-8974-418C-8809-96F54FD72C21}" type="slidenum">
+              <a:rPr lang="zh-CN" altLang="en-US" smtClean="0"/>
+              <a:t>5</a:t>
+            </a:fld>
+            <a:endParaRPr lang="zh-CN" altLang="en-US"/>
+          </a:p>
+        </p:txBody>
+      </p:sp>
+    </p:spTree>
+    <p:extLst>
+      <p:ext uri="{BB962C8B-B14F-4D97-AF65-F5344CB8AC3E}">
+        <p14:creationId xmlns:p14="http://schemas.microsoft.com/office/powerpoint/2010/main" val="2450825391"/>
+      </p:ext>
+    </p:extLst>
+  </p:cSld>
+  <p:clrMapOvr>
+    <a:masterClrMapping/>
+  </p:clrMapOvr>
+</p:notes>
+</file>
+
+<file path=ppt/notesSlides/notesSlide5.xml><?xml version="1.0" encoding="utf-8"?>
+<p:notes xmlns:a="http://schemas.openxmlformats.org/drawingml/2006/main" xmlns:r="http://schemas.openxmlformats.org/officeDocument/2006/relationships" xmlns:p="http://schemas.openxmlformats.org/presentationml/2006/main">
+  <p:cSld>
+    <p:spTree>
+      <p:nvGrpSpPr>
+        <p:cNvPr id="1" name=""/>
+        <p:cNvGrpSpPr/>
+        <p:nvPr/>
+      </p:nvGrpSpPr>
+      <p:grpSpPr>
+        <a:xfrm>
+          <a:off x="0" y="0"/>
+          <a:ext cx="0" cy="0"/>
+          <a:chOff x="0" y="0"/>
+          <a:chExt cx="0" cy="0"/>
+        </a:xfrm>
+      </p:grpSpPr>
+      <p:sp>
+        <p:nvSpPr>
+          <p:cNvPr id="2" name="幻灯片图像占位符 1"/>
+          <p:cNvSpPr>
+            <a:spLocks noGrp="1" noRot="1" noChangeAspect="1"/>
+          </p:cNvSpPr>
+          <p:nvPr>
+            <p:ph type="sldImg"/>
+          </p:nvPr>
+        </p:nvSpPr>
+        <p:spPr/>
+      </p:sp>
+      <p:sp>
+        <p:nvSpPr>
+          <p:cNvPr id="3" name="备注占位符 2"/>
+          <p:cNvSpPr>
+            <a:spLocks noGrp="1"/>
+          </p:cNvSpPr>
+          <p:nvPr>
+            <p:ph type="body" idx="1"/>
+          </p:nvPr>
+        </p:nvSpPr>
+        <p:spPr/>
+        <p:txBody>
+          <a:bodyPr/>
+          <a:lstStyle/>
+          <a:p>
+            <a:endParaRPr lang="zh-CN" altLang="en-US"/>
+          </a:p>
+        </p:txBody>
+      </p:sp>
+      <p:sp>
+        <p:nvSpPr>
+          <p:cNvPr id="4" name="灯片编号占位符 3"/>
+          <p:cNvSpPr>
+            <a:spLocks noGrp="1"/>
+          </p:cNvSpPr>
+          <p:nvPr>
+            <p:ph type="sldNum" sz="quarter" idx="10"/>
+          </p:nvPr>
+        </p:nvSpPr>
+        <p:spPr/>
+        <p:txBody>
+          <a:bodyPr/>
+          <a:lstStyle/>
+          <a:p>
+            <a:fld id="{ABCF3755-8974-418C-8809-96F54FD72C21}" type="slidenum">
+              <a:rPr lang="zh-CN" altLang="en-US" smtClean="0"/>
+              <a:t>6</a:t>
+            </a:fld>
+            <a:endParaRPr lang="zh-CN" altLang="en-US"/>
+          </a:p>
+        </p:txBody>
+      </p:sp>
+    </p:spTree>
+    <p:extLst>
+      <p:ext uri="{BB962C8B-B14F-4D97-AF65-F5344CB8AC3E}">
+        <p14:creationId xmlns:p14="http://schemas.microsoft.com/office/powerpoint/2010/main" val="2271673080"/>
+      </p:ext>
+    </p:extLst>
+  </p:cSld>
+  <p:clrMapOvr>
+    <a:masterClrMapping/>
+  </p:clrMapOvr>
+</p:notes>
+</file>
+
+<file path=ppt/notesSlides/notesSlide6.xml><?xml version="1.0" encoding="utf-8"?>
+<p:notes xmlns:a="http://schemas.openxmlformats.org/drawingml/2006/main" xmlns:r="http://schemas.openxmlformats.org/officeDocument/2006/relationships" xmlns:p="http://schemas.openxmlformats.org/presentationml/2006/main">
+  <p:cSld>
+    <p:spTree>
+      <p:nvGrpSpPr>
+        <p:cNvPr id="1" name=""/>
+        <p:cNvGrpSpPr/>
+        <p:nvPr/>
+      </p:nvGrpSpPr>
+      <p:grpSpPr>
+        <a:xfrm>
+          <a:off x="0" y="0"/>
+          <a:ext cx="0" cy="0"/>
+          <a:chOff x="0" y="0"/>
+          <a:chExt cx="0" cy="0"/>
+        </a:xfrm>
+      </p:grpSpPr>
+      <p:sp>
+        <p:nvSpPr>
+          <p:cNvPr id="2" name="幻灯片图像占位符 1"/>
+          <p:cNvSpPr>
+            <a:spLocks noGrp="1" noRot="1" noChangeAspect="1"/>
+          </p:cNvSpPr>
+          <p:nvPr>
+            <p:ph type="sldImg"/>
+          </p:nvPr>
+        </p:nvSpPr>
+        <p:spPr/>
+      </p:sp>
+      <p:sp>
+        <p:nvSpPr>
+          <p:cNvPr id="3" name="备注占位符 2"/>
+          <p:cNvSpPr>
+            <a:spLocks noGrp="1"/>
+          </p:cNvSpPr>
+          <p:nvPr>
+            <p:ph type="body" idx="1"/>
+          </p:nvPr>
+        </p:nvSpPr>
+        <p:spPr/>
+        <p:txBody>
+          <a:bodyPr/>
+          <a:lstStyle/>
+          <a:p>
+            <a:endParaRPr lang="zh-CN" altLang="en-US"/>
+          </a:p>
+        </p:txBody>
+      </p:sp>
+      <p:sp>
+        <p:nvSpPr>
+          <p:cNvPr id="4" name="灯片编号占位符 3"/>
+          <p:cNvSpPr>
+            <a:spLocks noGrp="1"/>
+          </p:cNvSpPr>
+          <p:nvPr>
+            <p:ph type="sldNum" sz="quarter" idx="10"/>
+          </p:nvPr>
+        </p:nvSpPr>
+        <p:spPr/>
+        <p:txBody>
+          <a:bodyPr/>
+          <a:lstStyle/>
+          <a:p>
+            <a:fld id="{ABCF3755-8974-418C-8809-96F54FD72C21}" type="slidenum">
+              <a:rPr lang="zh-CN" altLang="en-US" smtClean="0"/>
+              <a:t>7</a:t>
+            </a:fld>
+            <a:endParaRPr lang="zh-CN" altLang="en-US"/>
+          </a:p>
+        </p:txBody>
+      </p:sp>
+    </p:spTree>
+    <p:extLst>
+      <p:ext uri="{BB962C8B-B14F-4D97-AF65-F5344CB8AC3E}">
+        <p14:creationId xmlns:p14="http://schemas.microsoft.com/office/powerpoint/2010/main" val="2357343426"/>
+      </p:ext>
+    </p:extLst>
+  </p:cSld>
+  <p:clrMapOvr>
+    <a:masterClrMapping/>
+  </p:clrMapOvr>
+</p:notes>
+</file>
+
+<file path=ppt/notesSlides/notesSlide7.xml><?xml version="1.0" encoding="utf-8"?>
+<p:notes xmlns:a="http://schemas.openxmlformats.org/drawingml/2006/main" xmlns:r="http://schemas.openxmlformats.org/officeDocument/2006/relationships" xmlns:p="http://schemas.openxmlformats.org/presentationml/2006/main">
+  <p:cSld>
+    <p:spTree>
+      <p:nvGrpSpPr>
+        <p:cNvPr id="1" name=""/>
+        <p:cNvGrpSpPr/>
+        <p:nvPr/>
+      </p:nvGrpSpPr>
+      <p:grpSpPr>
+        <a:xfrm>
+          <a:off x="0" y="0"/>
+          <a:ext cx="0" cy="0"/>
+          <a:chOff x="0" y="0"/>
+          <a:chExt cx="0" cy="0"/>
+        </a:xfrm>
+      </p:grpSpPr>
+      <p:sp>
+        <p:nvSpPr>
+          <p:cNvPr id="2" name="幻灯片图像占位符 1"/>
+          <p:cNvSpPr>
+            <a:spLocks noGrp="1" noRot="1" noChangeAspect="1"/>
+          </p:cNvSpPr>
+          <p:nvPr>
+            <p:ph type="sldImg"/>
+          </p:nvPr>
+        </p:nvSpPr>
+        <p:spPr/>
+      </p:sp>
+      <p:sp>
+        <p:nvSpPr>
+          <p:cNvPr id="3" name="备注占位符 2"/>
+          <p:cNvSpPr>
+            <a:spLocks noGrp="1"/>
+          </p:cNvSpPr>
+          <p:nvPr>
+            <p:ph type="body" idx="1"/>
+          </p:nvPr>
+        </p:nvSpPr>
+        <p:spPr/>
+        <p:txBody>
+          <a:bodyPr/>
+          <a:lstStyle/>
+          <a:p>
+            <a:endParaRPr lang="zh-CN" altLang="en-US"/>
+          </a:p>
+        </p:txBody>
+      </p:sp>
+      <p:sp>
+        <p:nvSpPr>
+          <p:cNvPr id="4" name="灯片编号占位符 3"/>
+          <p:cNvSpPr>
+            <a:spLocks noGrp="1"/>
+          </p:cNvSpPr>
+          <p:nvPr>
+            <p:ph type="sldNum" sz="quarter" idx="10"/>
+          </p:nvPr>
+        </p:nvSpPr>
+        <p:spPr/>
+        <p:txBody>
+          <a:bodyPr/>
+          <a:lstStyle/>
+          <a:p>
+            <a:fld id="{ABCF3755-8974-418C-8809-96F54FD72C21}" type="slidenum">
+              <a:rPr lang="zh-CN" altLang="en-US" smtClean="0"/>
+              <a:t>8</a:t>
+            </a:fld>
+            <a:endParaRPr lang="zh-CN" altLang="en-US"/>
+          </a:p>
+        </p:txBody>
+      </p:sp>
+    </p:spTree>
+    <p:extLst>
+      <p:ext uri="{BB962C8B-B14F-4D97-AF65-F5344CB8AC3E}">
+        <p14:creationId xmlns:p14="http://schemas.microsoft.com/office/powerpoint/2010/main" val="2433277869"/>
+      </p:ext>
+    </p:extLst>
+  </p:cSld>
+  <p:clrMapOvr>
+    <a:masterClrMapping/>
+  </p:clrMapOvr>
+</p:notes>
+</file>
+
+<file path=ppt/notesSlides/notesSlide8.xml><?xml version="1.0" encoding="utf-8"?>
+<p:notes xmlns:a="http://schemas.openxmlformats.org/drawingml/2006/main" xmlns:r="http://schemas.openxmlformats.org/officeDocument/2006/relationships" xmlns:p="http://schemas.openxmlformats.org/presentationml/2006/main">
+  <p:cSld>
+    <p:spTree>
+      <p:nvGrpSpPr>
+        <p:cNvPr id="1" name=""/>
+        <p:cNvGrpSpPr/>
+        <p:nvPr/>
+      </p:nvGrpSpPr>
+      <p:grpSpPr>
+        <a:xfrm>
+          <a:off x="0" y="0"/>
+          <a:ext cx="0" cy="0"/>
+          <a:chOff x="0" y="0"/>
+          <a:chExt cx="0" cy="0"/>
+        </a:xfrm>
+      </p:grpSpPr>
+      <p:sp>
+        <p:nvSpPr>
+          <p:cNvPr id="2" name="幻灯片图像占位符 1"/>
+          <p:cNvSpPr>
+            <a:spLocks noGrp="1" noRot="1" noChangeAspect="1"/>
+          </p:cNvSpPr>
+          <p:nvPr>
+            <p:ph type="sldImg"/>
+          </p:nvPr>
+        </p:nvSpPr>
+        <p:spPr/>
+      </p:sp>
+      <p:sp>
+        <p:nvSpPr>
+          <p:cNvPr id="3" name="备注占位符 2"/>
+          <p:cNvSpPr>
+            <a:spLocks noGrp="1"/>
+          </p:cNvSpPr>
+          <p:nvPr>
+            <p:ph type="body" idx="1"/>
+          </p:nvPr>
+        </p:nvSpPr>
+        <p:spPr/>
+        <p:txBody>
+          <a:bodyPr/>
+          <a:lstStyle/>
+          <a:p>
+            <a:endParaRPr lang="zh-CN" altLang="en-US"/>
+          </a:p>
+        </p:txBody>
+      </p:sp>
+      <p:sp>
+        <p:nvSpPr>
+          <p:cNvPr id="4" name="灯片编号占位符 3"/>
+          <p:cNvSpPr>
+            <a:spLocks noGrp="1"/>
+          </p:cNvSpPr>
+          <p:nvPr>
+            <p:ph type="sldNum" sz="quarter" idx="10"/>
+          </p:nvPr>
+        </p:nvSpPr>
+        <p:spPr/>
+        <p:txBody>
+          <a:bodyPr/>
+          <a:lstStyle/>
+          <a:p>
+            <a:fld id="{ABCF3755-8974-418C-8809-96F54FD72C21}" type="slidenum">
+              <a:rPr lang="zh-CN" altLang="en-US" smtClean="0"/>
+              <a:t>9</a:t>
+            </a:fld>
+            <a:endParaRPr lang="zh-CN" altLang="en-US"/>
+          </a:p>
+        </p:txBody>
+      </p:sp>
+    </p:spTree>
+    <p:extLst>
+      <p:ext uri="{BB962C8B-B14F-4D97-AF65-F5344CB8AC3E}">
+        <p14:creationId xmlns:p14="http://schemas.microsoft.com/office/powerpoint/2010/main" val="1411777264"/>
+      </p:ext>
+    </p:extLst>
+  </p:cSld>
+  <p:clrMapOvr>
+    <a:masterClrMapping/>
+  </p:clrMapOvr>
+</p:notes>
 </file>
 
 <file path=ppt/slideLayouts/slideLayout1.xml><?xml version="1.0" encoding="utf-8"?>
@@ -830,7 +1867,7 @@
           <a:p>
             <a:fld id="{0FA5CD98-ED7E-4929-9785-3D4E131B82C8}" type="datetimeFigureOut">
               <a:rPr lang="zh-CN" altLang="en-US" smtClean="0"/>
-              <a:t>2018/10/28</a:t>
+              <a:t>2018/10/30</a:t>
             </a:fld>
             <a:endParaRPr lang="zh-CN" altLang="en-US"/>
           </a:p>
@@ -1081,7 +2118,7 @@
           <a:p>
             <a:fld id="{0FA5CD98-ED7E-4929-9785-3D4E131B82C8}" type="datetimeFigureOut">
               <a:rPr lang="zh-CN" altLang="en-US" smtClean="0"/>
-              <a:t>2018/10/28</a:t>
+              <a:t>2018/10/30</a:t>
             </a:fld>
             <a:endParaRPr lang="zh-CN" altLang="en-US"/>
           </a:p>
@@ -1395,7 +2432,7 @@
           <a:p>
             <a:fld id="{0FA5CD98-ED7E-4929-9785-3D4E131B82C8}" type="datetimeFigureOut">
               <a:rPr lang="zh-CN" altLang="en-US" smtClean="0"/>
-              <a:t>2018/10/28</a:t>
+              <a:t>2018/10/30</a:t>
             </a:fld>
             <a:endParaRPr lang="zh-CN" altLang="en-US"/>
           </a:p>
@@ -1736,7 +2773,7 @@
           <a:p>
             <a:fld id="{0FA5CD98-ED7E-4929-9785-3D4E131B82C8}" type="datetimeFigureOut">
               <a:rPr lang="zh-CN" altLang="en-US" smtClean="0"/>
-              <a:t>2018/10/28</a:t>
+              <a:t>2018/10/30</a:t>
             </a:fld>
             <a:endParaRPr lang="zh-CN" altLang="en-US"/>
           </a:p>
@@ -2050,7 +3087,7 @@
           <a:p>
             <a:fld id="{0FA5CD98-ED7E-4929-9785-3D4E131B82C8}" type="datetimeFigureOut">
               <a:rPr lang="zh-CN" altLang="en-US" smtClean="0"/>
-              <a:t>2018/10/28</a:t>
+              <a:t>2018/10/30</a:t>
             </a:fld>
             <a:endParaRPr lang="zh-CN" altLang="en-US"/>
           </a:p>
@@ -2443,7 +3480,7 @@
           <a:p>
             <a:fld id="{0FA5CD98-ED7E-4929-9785-3D4E131B82C8}" type="datetimeFigureOut">
               <a:rPr lang="zh-CN" altLang="en-US" smtClean="0"/>
-              <a:t>2018/10/28</a:t>
+              <a:t>2018/10/30</a:t>
             </a:fld>
             <a:endParaRPr lang="zh-CN" altLang="en-US"/>
           </a:p>
@@ -2613,7 +3650,7 @@
           <a:p>
             <a:fld id="{0FA5CD98-ED7E-4929-9785-3D4E131B82C8}" type="datetimeFigureOut">
               <a:rPr lang="zh-CN" altLang="en-US" smtClean="0"/>
-              <a:t>2018/10/28</a:t>
+              <a:t>2018/10/30</a:t>
             </a:fld>
             <a:endParaRPr lang="zh-CN" altLang="en-US"/>
           </a:p>
@@ -2793,7 +3830,7 @@
           <a:p>
             <a:fld id="{0FA5CD98-ED7E-4929-9785-3D4E131B82C8}" type="datetimeFigureOut">
               <a:rPr lang="zh-CN" altLang="en-US" smtClean="0"/>
-              <a:t>2018/10/28</a:t>
+              <a:t>2018/10/30</a:t>
             </a:fld>
             <a:endParaRPr lang="zh-CN" altLang="en-US"/>
           </a:p>
@@ -2969,7 +4006,7 @@
           <a:p>
             <a:fld id="{0FA5CD98-ED7E-4929-9785-3D4E131B82C8}" type="datetimeFigureOut">
               <a:rPr lang="zh-CN" altLang="en-US" smtClean="0"/>
-              <a:t>2018/10/28</a:t>
+              <a:t>2018/10/30</a:t>
             </a:fld>
             <a:endParaRPr lang="zh-CN" altLang="en-US"/>
           </a:p>
@@ -3216,7 +4253,7 @@
           <a:p>
             <a:fld id="{0FA5CD98-ED7E-4929-9785-3D4E131B82C8}" type="datetimeFigureOut">
               <a:rPr lang="zh-CN" altLang="en-US" smtClean="0"/>
-              <a:t>2018/10/28</a:t>
+              <a:t>2018/10/30</a:t>
             </a:fld>
             <a:endParaRPr lang="zh-CN" altLang="en-US"/>
           </a:p>
@@ -3448,7 +4485,7 @@
           <a:p>
             <a:fld id="{0FA5CD98-ED7E-4929-9785-3D4E131B82C8}" type="datetimeFigureOut">
               <a:rPr lang="zh-CN" altLang="en-US" smtClean="0"/>
-              <a:t>2018/10/28</a:t>
+              <a:t>2018/10/30</a:t>
             </a:fld>
             <a:endParaRPr lang="zh-CN" altLang="en-US"/>
           </a:p>
@@ -3822,7 +4859,7 @@
           <a:p>
             <a:fld id="{0FA5CD98-ED7E-4929-9785-3D4E131B82C8}" type="datetimeFigureOut">
               <a:rPr lang="zh-CN" altLang="en-US" smtClean="0"/>
-              <a:t>2018/10/28</a:t>
+              <a:t>2018/10/30</a:t>
             </a:fld>
             <a:endParaRPr lang="zh-CN" altLang="en-US"/>
           </a:p>
@@ -3945,7 +4982,7 @@
           <a:p>
             <a:fld id="{0FA5CD98-ED7E-4929-9785-3D4E131B82C8}" type="datetimeFigureOut">
               <a:rPr lang="zh-CN" altLang="en-US" smtClean="0"/>
-              <a:t>2018/10/28</a:t>
+              <a:t>2018/10/30</a:t>
             </a:fld>
             <a:endParaRPr lang="zh-CN" altLang="en-US"/>
           </a:p>
@@ -4040,7 +5077,7 @@
           <a:p>
             <a:fld id="{0FA5CD98-ED7E-4929-9785-3D4E131B82C8}" type="datetimeFigureOut">
               <a:rPr lang="zh-CN" altLang="en-US" smtClean="0"/>
-              <a:t>2018/10/28</a:t>
+              <a:t>2018/10/30</a:t>
             </a:fld>
             <a:endParaRPr lang="zh-CN" altLang="en-US"/>
           </a:p>
@@ -4295,7 +5332,7 @@
           <a:p>
             <a:fld id="{0FA5CD98-ED7E-4929-9785-3D4E131B82C8}" type="datetimeFigureOut">
               <a:rPr lang="zh-CN" altLang="en-US" smtClean="0"/>
-              <a:t>2018/10/28</a:t>
+              <a:t>2018/10/30</a:t>
             </a:fld>
             <a:endParaRPr lang="zh-CN" altLang="en-US"/>
           </a:p>
@@ -4558,7 +5595,7 @@
           <a:p>
             <a:fld id="{0FA5CD98-ED7E-4929-9785-3D4E131B82C8}" type="datetimeFigureOut">
               <a:rPr lang="zh-CN" altLang="en-US" smtClean="0"/>
-              <a:t>2018/10/28</a:t>
+              <a:t>2018/10/30</a:t>
             </a:fld>
             <a:endParaRPr lang="zh-CN" altLang="en-US"/>
           </a:p>
@@ -5301,7 +6338,7 @@
           <a:p>
             <a:fld id="{0FA5CD98-ED7E-4929-9785-3D4E131B82C8}" type="datetimeFigureOut">
               <a:rPr lang="zh-CN" altLang="en-US" smtClean="0"/>
-              <a:t>2018/10/28</a:t>
+              <a:t>2018/10/30</a:t>
             </a:fld>
             <a:endParaRPr lang="zh-CN" altLang="en-US"/>
           </a:p>
@@ -5841,14 +6878,14 @@
           <a:lstStyle/>
           <a:p>
             <a:r>
-              <a:rPr lang="en-US" altLang="zh-CN" dirty="0" err="1" smtClean="0"/>
+              <a:rPr lang="en-US" altLang="zh-CN" sz="6000" dirty="0" smtClean="0"/>
               <a:t>Qt</a:t>
             </a:r>
             <a:r>
-              <a:rPr lang="zh-CN" altLang="en-US" dirty="0" smtClean="0"/>
+              <a:rPr lang="zh-CN" altLang="en-US" sz="6000" dirty="0" smtClean="0"/>
               <a:t>画图程序设计</a:t>
             </a:r>
-            <a:endParaRPr lang="zh-CN" altLang="en-US" dirty="0"/>
+            <a:endParaRPr lang="zh-CN" altLang="en-US" sz="6000" dirty="0"/>
           </a:p>
         </p:txBody>
       </p:sp>
@@ -5864,22 +6901,24 @@
         </p:nvSpPr>
         <p:spPr/>
         <p:txBody>
-          <a:bodyPr/>
+          <a:bodyPr>
+            <a:normAutofit/>
+          </a:bodyPr>
           <a:lstStyle/>
           <a:p>
             <a:r>
-              <a:rPr lang="zh-CN" altLang="en-US" dirty="0" smtClean="0"/>
+              <a:rPr lang="zh-CN" altLang="en-US" sz="2400" dirty="0" smtClean="0"/>
               <a:t>通信</a:t>
             </a:r>
             <a:r>
-              <a:rPr lang="en-US" altLang="zh-CN" dirty="0" smtClean="0"/>
+              <a:rPr lang="en-US" altLang="zh-CN" sz="2400" dirty="0" smtClean="0"/>
               <a:t>1602 17 </a:t>
             </a:r>
             <a:r>
-              <a:rPr lang="zh-CN" altLang="en-US" dirty="0" smtClean="0"/>
+              <a:rPr lang="zh-CN" altLang="en-US" sz="2400" dirty="0" smtClean="0"/>
               <a:t>刘思琨</a:t>
             </a:r>
-            <a:endParaRPr lang="zh-CN" altLang="en-US" dirty="0"/>
+            <a:endParaRPr lang="zh-CN" altLang="en-US" sz="2400" dirty="0"/>
           </a:p>
         </p:txBody>
       </p:sp>
@@ -5904,7 +6943,774 @@
 </file>
 
 <file path=ppt/slides/slide2.xml><?xml version="1.0" encoding="utf-8"?>
-<p:sld xmlns:a="http://schemas.openxmlformats.org/drawingml/2006/main" xmlns:r="http://schemas.openxmlformats.org/officeDocument/2006/relationships" xmlns:p="http://schemas.openxmlformats.org/presentationml/2006/main">
+<p:sld xmlns:a="http://schemas.openxmlformats.org/drawingml/2006/main" xmlns:r="http://schemas.openxmlformats.org/officeDocument/2006/relationships" xmlns:p="http://schemas.openxmlformats.org/presentationml/2006/main" showMasterSp="0">
+  <p:cSld>
+    <p:bg>
+      <p:bgPr>
+        <a:solidFill>
+          <a:schemeClr val="bg1"/>
+        </a:solidFill>
+        <a:effectLst/>
+      </p:bgPr>
+    </p:bg>
+    <p:spTree>
+      <p:nvGrpSpPr>
+        <p:cNvPr id="1" name=""/>
+        <p:cNvGrpSpPr/>
+        <p:nvPr/>
+      </p:nvGrpSpPr>
+      <p:grpSpPr>
+        <a:xfrm>
+          <a:off x="0" y="0"/>
+          <a:ext cx="0" cy="0"/>
+          <a:chOff x="0" y="0"/>
+          <a:chExt cx="0" cy="0"/>
+        </a:xfrm>
+      </p:grpSpPr>
+      <p:grpSp>
+        <p:nvGrpSpPr>
+          <p:cNvPr id="2" name="组合 1">
+            <a:extLst>
+              <a:ext uri="{FF2B5EF4-FFF2-40B4-BE49-F238E27FC236}">
+                <a16:creationId xmlns:a16="http://schemas.microsoft.com/office/drawing/2014/main" id="{CD9D861D-14AD-4E72-9C94-B5DEBD90F086}"/>
+              </a:ext>
+            </a:extLst>
+          </p:cNvPr>
+          <p:cNvGrpSpPr/>
+          <p:nvPr/>
+        </p:nvGrpSpPr>
+        <p:grpSpPr>
+          <a:xfrm>
+            <a:off x="216132" y="230896"/>
+            <a:ext cx="627622" cy="477053"/>
+            <a:chOff x="1634347" y="2691119"/>
+            <a:chExt cx="854931" cy="649830"/>
+          </a:xfrm>
+        </p:grpSpPr>
+        <p:sp>
+          <p:nvSpPr>
+            <p:cNvPr id="3" name="文本框 2">
+              <a:extLst>
+                <a:ext uri="{FF2B5EF4-FFF2-40B4-BE49-F238E27FC236}">
+                  <a16:creationId xmlns:a16="http://schemas.microsoft.com/office/drawing/2014/main" id="{54955C1C-887E-41A0-904F-D16E3E735A83}"/>
+                </a:ext>
+              </a:extLst>
+            </p:cNvPr>
+            <p:cNvSpPr txBox="1"/>
+            <p:nvPr/>
+          </p:nvSpPr>
+          <p:spPr>
+            <a:xfrm>
+              <a:off x="1634347" y="2691119"/>
+              <a:ext cx="854931" cy="628869"/>
+            </a:xfrm>
+            <a:prstGeom prst="rect">
+              <a:avLst/>
+            </a:prstGeom>
+            <a:noFill/>
+          </p:spPr>
+          <p:txBody>
+            <a:bodyPr wrap="square" rtlCol="0">
+              <a:spAutoFit/>
+              <a:scene3d>
+                <a:camera prst="orthographicFront"/>
+                <a:lightRig rig="threePt" dir="t"/>
+              </a:scene3d>
+              <a:sp3d contourW="12700"/>
+            </a:bodyPr>
+            <a:lstStyle/>
+            <a:p>
+              <a:r>
+                <a:rPr lang="en-US" altLang="zh-CN" sz="2400" b="1" dirty="0" smtClean="0">
+                  <a:solidFill>
+                    <a:schemeClr val="tx1">
+                      <a:lumMod val="95000"/>
+                      <a:lumOff val="5000"/>
+                    </a:schemeClr>
+                  </a:solidFill>
+                  <a:latin typeface="Century Gothic" panose="020B0502020202020204" pitchFamily="34" charset="0"/>
+                  <a:ea typeface="迷你简综艺" panose="03000509000000000000" pitchFamily="65" charset="-122"/>
+                </a:rPr>
+                <a:t>01</a:t>
+              </a:r>
+              <a:endParaRPr lang="zh-CN" altLang="en-US" sz="2400" b="1" dirty="0">
+                <a:solidFill>
+                  <a:schemeClr val="tx1">
+                    <a:lumMod val="95000"/>
+                    <a:lumOff val="5000"/>
+                  </a:schemeClr>
+                </a:solidFill>
+                <a:latin typeface="Century Gothic" panose="020B0502020202020204" pitchFamily="34" charset="0"/>
+                <a:ea typeface="迷你简综艺" panose="03000509000000000000" pitchFamily="65" charset="-122"/>
+              </a:endParaRPr>
+            </a:p>
+          </p:txBody>
+        </p:sp>
+        <p:cxnSp>
+          <p:nvCxnSpPr>
+            <p:cNvPr id="4" name="直接连接符 3">
+              <a:extLst>
+                <a:ext uri="{FF2B5EF4-FFF2-40B4-BE49-F238E27FC236}">
+                  <a16:creationId xmlns:a16="http://schemas.microsoft.com/office/drawing/2014/main" id="{4A40D8A2-C871-43A3-85F9-AFDBF9D04AB6}"/>
+                </a:ext>
+              </a:extLst>
+            </p:cNvPr>
+            <p:cNvCxnSpPr/>
+            <p:nvPr/>
+          </p:nvCxnSpPr>
+          <p:spPr>
+            <a:xfrm>
+              <a:off x="2324101" y="2738437"/>
+              <a:ext cx="0" cy="602512"/>
+            </a:xfrm>
+            <a:prstGeom prst="line">
+              <a:avLst/>
+            </a:prstGeom>
+            <a:ln w="12700">
+              <a:solidFill>
+                <a:schemeClr val="bg1">
+                  <a:lumMod val="65000"/>
+                </a:schemeClr>
+              </a:solidFill>
+            </a:ln>
+          </p:spPr>
+          <p:style>
+            <a:lnRef idx="1">
+              <a:schemeClr val="accent1"/>
+            </a:lnRef>
+            <a:fillRef idx="0">
+              <a:schemeClr val="accent1"/>
+            </a:fillRef>
+            <a:effectRef idx="0">
+              <a:schemeClr val="accent1"/>
+            </a:effectRef>
+            <a:fontRef idx="minor">
+              <a:schemeClr val="tx1"/>
+            </a:fontRef>
+          </p:style>
+        </p:cxnSp>
+      </p:grpSp>
+      <p:sp>
+        <p:nvSpPr>
+          <p:cNvPr id="5" name="MH_Entry_2">
+            <a:extLst>
+              <a:ext uri="{FF2B5EF4-FFF2-40B4-BE49-F238E27FC236}">
+                <a16:creationId xmlns:a16="http://schemas.microsoft.com/office/drawing/2014/main" id="{24FC7193-8B9E-4350-97D4-95160D49D230}"/>
+              </a:ext>
+            </a:extLst>
+          </p:cNvPr>
+          <p:cNvSpPr/>
+          <p:nvPr>
+            <p:custDataLst>
+              <p:tags r:id="rId1"/>
+            </p:custDataLst>
+          </p:nvPr>
+        </p:nvSpPr>
+        <p:spPr>
+          <a:xfrm>
+            <a:off x="1015628" y="215506"/>
+            <a:ext cx="2583605" cy="492443"/>
+          </a:xfrm>
+          <a:custGeom>
+            <a:avLst/>
+            <a:gdLst>
+              <a:gd name="connsiteX0" fmla="*/ 0 w 2520280"/>
+              <a:gd name="connsiteY0" fmla="*/ 1584176 h 1872208"/>
+              <a:gd name="connsiteX1" fmla="*/ 2520280 w 2520280"/>
+              <a:gd name="connsiteY1" fmla="*/ 1584176 h 1872208"/>
+              <a:gd name="connsiteX2" fmla="*/ 2520280 w 2520280"/>
+              <a:gd name="connsiteY2" fmla="*/ 1872208 h 1872208"/>
+              <a:gd name="connsiteX3" fmla="*/ 0 w 2520280"/>
+              <a:gd name="connsiteY3" fmla="*/ 1872208 h 1872208"/>
+              <a:gd name="connsiteX4" fmla="*/ 0 w 2520280"/>
+              <a:gd name="connsiteY4" fmla="*/ 1584176 h 1872208"/>
+              <a:gd name="connsiteX5" fmla="*/ 0 w 2520280"/>
+              <a:gd name="connsiteY5" fmla="*/ 0 h 1872208"/>
+              <a:gd name="connsiteX6" fmla="*/ 2520280 w 2520280"/>
+              <a:gd name="connsiteY6" fmla="*/ 0 h 1872208"/>
+              <a:gd name="connsiteX7" fmla="*/ 2520280 w 2520280"/>
+              <a:gd name="connsiteY7" fmla="*/ 288032 h 1872208"/>
+              <a:gd name="connsiteX8" fmla="*/ 0 w 2520280"/>
+              <a:gd name="connsiteY8" fmla="*/ 0 h 1872208"/>
+              <a:gd name="connsiteX0-1" fmla="*/ 0 w 2520280"/>
+              <a:gd name="connsiteY0-2" fmla="*/ 1584176 h 1872208"/>
+              <a:gd name="connsiteX1-3" fmla="*/ 2520280 w 2520280"/>
+              <a:gd name="connsiteY1-4" fmla="*/ 1584176 h 1872208"/>
+              <a:gd name="connsiteX2-5" fmla="*/ 2520280 w 2520280"/>
+              <a:gd name="connsiteY2-6" fmla="*/ 1872208 h 1872208"/>
+              <a:gd name="connsiteX3-7" fmla="*/ 0 w 2520280"/>
+              <a:gd name="connsiteY3-8" fmla="*/ 1872208 h 1872208"/>
+              <a:gd name="connsiteX4-9" fmla="*/ 0 w 2520280"/>
+              <a:gd name="connsiteY4-10" fmla="*/ 1584176 h 1872208"/>
+              <a:gd name="connsiteX5-11" fmla="*/ 0 w 2520280"/>
+              <a:gd name="connsiteY5-12" fmla="*/ 0 h 1872208"/>
+              <a:gd name="connsiteX6-13" fmla="*/ 2520280 w 2520280"/>
+              <a:gd name="connsiteY6-14" fmla="*/ 0 h 1872208"/>
+              <a:gd name="connsiteX7-15" fmla="*/ 0 w 2520280"/>
+              <a:gd name="connsiteY7-16" fmla="*/ 0 h 1872208"/>
+              <a:gd name="connsiteX0-17" fmla="*/ 0 w 2520280"/>
+              <a:gd name="connsiteY0-18" fmla="*/ 1872208 h 1872208"/>
+              <a:gd name="connsiteX1-19" fmla="*/ 2520280 w 2520280"/>
+              <a:gd name="connsiteY1-20" fmla="*/ 1584176 h 1872208"/>
+              <a:gd name="connsiteX2-21" fmla="*/ 2520280 w 2520280"/>
+              <a:gd name="connsiteY2-22" fmla="*/ 1872208 h 1872208"/>
+              <a:gd name="connsiteX3-23" fmla="*/ 0 w 2520280"/>
+              <a:gd name="connsiteY3-24" fmla="*/ 1872208 h 1872208"/>
+              <a:gd name="connsiteX4-25" fmla="*/ 0 w 2520280"/>
+              <a:gd name="connsiteY4-26" fmla="*/ 0 h 1872208"/>
+              <a:gd name="connsiteX5-27" fmla="*/ 2520280 w 2520280"/>
+              <a:gd name="connsiteY5-28" fmla="*/ 0 h 1872208"/>
+              <a:gd name="connsiteX6-29" fmla="*/ 0 w 2520280"/>
+              <a:gd name="connsiteY6-30" fmla="*/ 0 h 1872208"/>
+              <a:gd name="connsiteX0-31" fmla="*/ 0 w 2520280"/>
+              <a:gd name="connsiteY0-32" fmla="*/ 1872208 h 1872208"/>
+              <a:gd name="connsiteX1-33" fmla="*/ 2520280 w 2520280"/>
+              <a:gd name="connsiteY1-34" fmla="*/ 1872208 h 1872208"/>
+              <a:gd name="connsiteX2-35" fmla="*/ 0 w 2520280"/>
+              <a:gd name="connsiteY2-36" fmla="*/ 1872208 h 1872208"/>
+              <a:gd name="connsiteX3-37" fmla="*/ 0 w 2520280"/>
+              <a:gd name="connsiteY3-38" fmla="*/ 0 h 1872208"/>
+              <a:gd name="connsiteX4-39" fmla="*/ 2520280 w 2520280"/>
+              <a:gd name="connsiteY4-40" fmla="*/ 0 h 1872208"/>
+              <a:gd name="connsiteX5-41" fmla="*/ 0 w 2520280"/>
+              <a:gd name="connsiteY5-42" fmla="*/ 0 h 1872208"/>
+              <a:gd name="connsiteX0-43" fmla="*/ 0 w 2520280"/>
+              <a:gd name="connsiteY0-44" fmla="*/ 1872208 h 1872208"/>
+              <a:gd name="connsiteX1-45" fmla="*/ 2520280 w 2520280"/>
+              <a:gd name="connsiteY1-46" fmla="*/ 1872208 h 1872208"/>
+              <a:gd name="connsiteX2-47" fmla="*/ 0 w 2520280"/>
+              <a:gd name="connsiteY2-48" fmla="*/ 1872208 h 1872208"/>
+              <a:gd name="connsiteX3-49" fmla="*/ 0 w 2520280"/>
+              <a:gd name="connsiteY3-50" fmla="*/ 0 h 1872208"/>
+              <a:gd name="connsiteX4-51" fmla="*/ 34255 w 2520280"/>
+              <a:gd name="connsiteY4-52" fmla="*/ 0 h 1872208"/>
+              <a:gd name="connsiteX5-53" fmla="*/ 0 w 2520280"/>
+              <a:gd name="connsiteY5-54" fmla="*/ 0 h 1872208"/>
+              <a:gd name="connsiteX0-55" fmla="*/ 0 w 2520280"/>
+              <a:gd name="connsiteY0-56" fmla="*/ 1872208 h 1872208"/>
+              <a:gd name="connsiteX1-57" fmla="*/ 2520280 w 2520280"/>
+              <a:gd name="connsiteY1-58" fmla="*/ 1872208 h 1872208"/>
+              <a:gd name="connsiteX2-59" fmla="*/ 0 w 2520280"/>
+              <a:gd name="connsiteY2-60" fmla="*/ 1872208 h 1872208"/>
+              <a:gd name="connsiteX3-61" fmla="*/ 0 w 2520280"/>
+              <a:gd name="connsiteY3-62" fmla="*/ 0 h 1872208"/>
+              <a:gd name="connsiteX4-63" fmla="*/ 917 w 2520280"/>
+              <a:gd name="connsiteY4-64" fmla="*/ 6036 h 1872208"/>
+              <a:gd name="connsiteX5-65" fmla="*/ 0 w 2520280"/>
+              <a:gd name="connsiteY5-66" fmla="*/ 0 h 1872208"/>
+              <a:gd name="connsiteX0-67" fmla="*/ 0 w 2520280"/>
+              <a:gd name="connsiteY0-68" fmla="*/ 1890314 h 1890314"/>
+              <a:gd name="connsiteX1-69" fmla="*/ 2520280 w 2520280"/>
+              <a:gd name="connsiteY1-70" fmla="*/ 1890314 h 1890314"/>
+              <a:gd name="connsiteX2-71" fmla="*/ 0 w 2520280"/>
+              <a:gd name="connsiteY2-72" fmla="*/ 1890314 h 1890314"/>
+              <a:gd name="connsiteX3-73" fmla="*/ 0 w 2520280"/>
+              <a:gd name="connsiteY3-74" fmla="*/ 18106 h 1890314"/>
+              <a:gd name="connsiteX4-75" fmla="*/ 53304 w 2520280"/>
+              <a:gd name="connsiteY4-76" fmla="*/ 0 h 1890314"/>
+              <a:gd name="connsiteX5-77" fmla="*/ 0 w 2520280"/>
+              <a:gd name="connsiteY5-78" fmla="*/ 18106 h 1890314"/>
+              <a:gd name="connsiteX0-79" fmla="*/ 0 w 2520280"/>
+              <a:gd name="connsiteY0-80" fmla="*/ 1872208 h 1872208"/>
+              <a:gd name="connsiteX1-81" fmla="*/ 2520280 w 2520280"/>
+              <a:gd name="connsiteY1-82" fmla="*/ 1872208 h 1872208"/>
+              <a:gd name="connsiteX2-83" fmla="*/ 0 w 2520280"/>
+              <a:gd name="connsiteY2-84" fmla="*/ 1872208 h 1872208"/>
+              <a:gd name="connsiteX3-85" fmla="*/ 0 w 2520280"/>
+              <a:gd name="connsiteY3-86" fmla="*/ 0 h 1872208"/>
+              <a:gd name="connsiteX4-87" fmla="*/ 916 w 2520280"/>
+              <a:gd name="connsiteY4-88" fmla="*/ 0 h 1872208"/>
+              <a:gd name="connsiteX5-89" fmla="*/ 0 w 2520280"/>
+              <a:gd name="connsiteY5-90" fmla="*/ 0 h 1872208"/>
+            </a:gdLst>
+            <a:ahLst/>
+            <a:cxnLst>
+              <a:cxn ang="0">
+                <a:pos x="connsiteX0-1" y="connsiteY0-2"/>
+              </a:cxn>
+              <a:cxn ang="0">
+                <a:pos x="connsiteX1-3" y="connsiteY1-4"/>
+              </a:cxn>
+              <a:cxn ang="0">
+                <a:pos x="connsiteX2-5" y="connsiteY2-6"/>
+              </a:cxn>
+              <a:cxn ang="0">
+                <a:pos x="connsiteX3-7" y="connsiteY3-8"/>
+              </a:cxn>
+              <a:cxn ang="0">
+                <a:pos x="connsiteX4-9" y="connsiteY4-10"/>
+              </a:cxn>
+              <a:cxn ang="0">
+                <a:pos x="connsiteX5-11" y="connsiteY5-12"/>
+              </a:cxn>
+            </a:cxnLst>
+            <a:rect l="l" t="t" r="r" b="b"/>
+            <a:pathLst>
+              <a:path w="2520280" h="1872208">
+                <a:moveTo>
+                  <a:pt x="0" y="1872208"/>
+                </a:moveTo>
+                <a:lnTo>
+                  <a:pt x="2520280" y="1872208"/>
+                </a:lnTo>
+                <a:lnTo>
+                  <a:pt x="0" y="1872208"/>
+                </a:lnTo>
+                <a:close/>
+                <a:moveTo>
+                  <a:pt x="0" y="0"/>
+                </a:moveTo>
+                <a:lnTo>
+                  <a:pt x="916" y="0"/>
+                </a:lnTo>
+                <a:lnTo>
+                  <a:pt x="0" y="0"/>
+                </a:lnTo>
+                <a:close/>
+              </a:path>
+            </a:pathLst>
+          </a:custGeom>
+          <a:noFill/>
+          <a:ln w="3175" cap="sq">
+            <a:noFill/>
+            <a:bevel/>
+          </a:ln>
+        </p:spPr>
+        <p:style>
+          <a:lnRef idx="2">
+            <a:schemeClr val="accent1">
+              <a:shade val="50000"/>
+            </a:schemeClr>
+          </a:lnRef>
+          <a:fillRef idx="1">
+            <a:schemeClr val="accent1"/>
+          </a:fillRef>
+          <a:effectRef idx="0">
+            <a:schemeClr val="accent1"/>
+          </a:effectRef>
+          <a:fontRef idx="minor">
+            <a:schemeClr val="lt1"/>
+          </a:fontRef>
+        </p:style>
+        <p:txBody>
+          <a:bodyPr rot="0" spcFirstLastPara="0" vertOverflow="overflow" horzOverflow="overflow" vert="horz" wrap="square" lIns="0" tIns="0" rIns="0" bIns="0" numCol="1" spcCol="0" rtlCol="0" fromWordArt="0" anchor="ctr" anchorCtr="0" forceAA="0" compatLnSpc="1">
+            <a:spAutoFit/>
+          </a:bodyPr>
+          <a:lstStyle/>
+          <a:p>
+            <a:pPr defTabSz="852086" fontAlgn="base">
+              <a:spcBef>
+                <a:spcPct val="0"/>
+              </a:spcBef>
+              <a:spcAft>
+                <a:spcPct val="0"/>
+              </a:spcAft>
+            </a:pPr>
+            <a:r>
+              <a:rPr lang="zh-CN" altLang="en-US" sz="3200" dirty="0" smtClean="0">
+                <a:solidFill>
+                  <a:schemeClr val="tx1">
+                    <a:lumMod val="95000"/>
+                    <a:lumOff val="5000"/>
+                  </a:schemeClr>
+                </a:solidFill>
+                <a:latin typeface="微软雅黑" panose="020B0503020204020204" pitchFamily="34" charset="-122"/>
+                <a:ea typeface="微软雅黑" panose="020B0503020204020204" pitchFamily="34" charset="-122"/>
+                <a:sym typeface="Arial" panose="020B0604020202020204" pitchFamily="34" charset="0"/>
+              </a:rPr>
+              <a:t>实验要求</a:t>
+            </a:r>
+            <a:endParaRPr lang="zh-CN" altLang="en-US" sz="3200" dirty="0">
+              <a:solidFill>
+                <a:schemeClr val="tx1">
+                  <a:lumMod val="95000"/>
+                  <a:lumOff val="5000"/>
+                </a:schemeClr>
+              </a:solidFill>
+              <a:latin typeface="微软雅黑" panose="020B0503020204020204" pitchFamily="34" charset="-122"/>
+              <a:ea typeface="微软雅黑" panose="020B0503020204020204" pitchFamily="34" charset="-122"/>
+              <a:sym typeface="Arial" panose="020B0604020202020204" pitchFamily="34" charset="0"/>
+            </a:endParaRPr>
+          </a:p>
+        </p:txBody>
+      </p:sp>
+      <p:cxnSp>
+        <p:nvCxnSpPr>
+          <p:cNvPr id="9" name="直接连接符 8">
+            <a:extLst>
+              <a:ext uri="{FF2B5EF4-FFF2-40B4-BE49-F238E27FC236}">
+                <a16:creationId xmlns:a16="http://schemas.microsoft.com/office/drawing/2014/main" id="{17F0C592-CD4A-43EC-B0A9-3B9DF01627A3}"/>
+              </a:ext>
+            </a:extLst>
+          </p:cNvPr>
+          <p:cNvCxnSpPr/>
+          <p:nvPr/>
+        </p:nvCxnSpPr>
+        <p:spPr>
+          <a:xfrm>
+            <a:off x="0" y="837274"/>
+            <a:ext cx="12266579" cy="0"/>
+          </a:xfrm>
+          <a:prstGeom prst="line">
+            <a:avLst/>
+          </a:prstGeom>
+          <a:ln w="19050">
+            <a:solidFill>
+              <a:schemeClr val="bg1">
+                <a:lumMod val="85000"/>
+              </a:schemeClr>
+            </a:solidFill>
+          </a:ln>
+        </p:spPr>
+        <p:style>
+          <a:lnRef idx="1">
+            <a:schemeClr val="accent1"/>
+          </a:lnRef>
+          <a:fillRef idx="0">
+            <a:schemeClr val="accent1"/>
+          </a:fillRef>
+          <a:effectRef idx="0">
+            <a:schemeClr val="accent1"/>
+          </a:effectRef>
+          <a:fontRef idx="minor">
+            <a:schemeClr val="tx1"/>
+          </a:fontRef>
+        </p:style>
+      </p:cxnSp>
+      <p:sp>
+        <p:nvSpPr>
+          <p:cNvPr id="12" name="文本框 11"/>
+          <p:cNvSpPr txBox="1"/>
+          <p:nvPr/>
+        </p:nvSpPr>
+        <p:spPr>
+          <a:xfrm>
+            <a:off x="703039" y="1975971"/>
+            <a:ext cx="6410528" cy="3515514"/>
+          </a:xfrm>
+          <a:prstGeom prst="rect">
+            <a:avLst/>
+          </a:prstGeom>
+          <a:noFill/>
+        </p:spPr>
+        <p:txBody>
+          <a:bodyPr wrap="square" rtlCol="0">
+            <a:spAutoFit/>
+          </a:bodyPr>
+          <a:lstStyle/>
+          <a:p>
+            <a:pPr marL="400050" indent="-400050">
+              <a:lnSpc>
+                <a:spcPct val="200000"/>
+              </a:lnSpc>
+              <a:buFont typeface="+mj-lt"/>
+              <a:buAutoNum type="romanUcPeriod"/>
+            </a:pPr>
+            <a:r>
+              <a:rPr lang="zh-CN" altLang="en-US" sz="2000" dirty="0">
+                <a:latin typeface="微软雅黑" panose="020B0503020204020204" pitchFamily="34" charset="-122"/>
+                <a:ea typeface="微软雅黑" panose="020B0503020204020204" pitchFamily="34" charset="-122"/>
+              </a:rPr>
+              <a:t>编写一个具备基本绘图功能的简单绘图程序 </a:t>
+            </a:r>
+            <a:endParaRPr lang="en-US" altLang="zh-CN" sz="2000" dirty="0" smtClean="0">
+              <a:latin typeface="微软雅黑" panose="020B0503020204020204" pitchFamily="34" charset="-122"/>
+              <a:ea typeface="微软雅黑" panose="020B0503020204020204" pitchFamily="34" charset="-122"/>
+            </a:endParaRPr>
+          </a:p>
+          <a:p>
+            <a:pPr marL="400050" indent="-400050">
+              <a:lnSpc>
+                <a:spcPct val="200000"/>
+              </a:lnSpc>
+              <a:buFont typeface="+mj-lt"/>
+              <a:buAutoNum type="romanUcPeriod"/>
+            </a:pPr>
+            <a:r>
+              <a:rPr lang="zh-CN" altLang="en-US" sz="2000" dirty="0">
+                <a:latin typeface="微软雅黑" panose="020B0503020204020204" pitchFamily="34" charset="-122"/>
+                <a:ea typeface="微软雅黑" panose="020B0503020204020204" pitchFamily="34" charset="-122"/>
+              </a:rPr>
+              <a:t>用户可以选择不同的画笔进行绘制 </a:t>
+            </a:r>
+            <a:endParaRPr lang="en-US" altLang="zh-CN" sz="2000" dirty="0" smtClean="0">
+              <a:latin typeface="微软雅黑" panose="020B0503020204020204" pitchFamily="34" charset="-122"/>
+              <a:ea typeface="微软雅黑" panose="020B0503020204020204" pitchFamily="34" charset="-122"/>
+            </a:endParaRPr>
+          </a:p>
+          <a:p>
+            <a:pPr marL="400050" indent="-400050">
+              <a:lnSpc>
+                <a:spcPct val="200000"/>
+              </a:lnSpc>
+              <a:buFont typeface="+mj-lt"/>
+              <a:buAutoNum type="romanUcPeriod"/>
+            </a:pPr>
+            <a:r>
+              <a:rPr lang="zh-CN" altLang="en-US" sz="2000" dirty="0" smtClean="0">
+                <a:latin typeface="微软雅黑" panose="020B0503020204020204" pitchFamily="34" charset="-122"/>
+                <a:ea typeface="微软雅黑" panose="020B0503020204020204" pitchFamily="34" charset="-122"/>
+              </a:rPr>
+              <a:t>用户可以对不同</a:t>
+            </a:r>
+            <a:r>
+              <a:rPr lang="zh-CN" altLang="en-US" sz="2000" dirty="0">
+                <a:latin typeface="微软雅黑" panose="020B0503020204020204" pitchFamily="34" charset="-122"/>
+                <a:ea typeface="微软雅黑" panose="020B0503020204020204" pitchFamily="34" charset="-122"/>
+              </a:rPr>
+              <a:t>的</a:t>
+            </a:r>
+            <a:r>
+              <a:rPr lang="zh-CN" altLang="en-US" sz="2000" dirty="0" smtClean="0">
+                <a:latin typeface="微软雅黑" panose="020B0503020204020204" pitchFamily="34" charset="-122"/>
+                <a:ea typeface="微软雅黑" panose="020B0503020204020204" pitchFamily="34" charset="-122"/>
+              </a:rPr>
+              <a:t>形状进行选择 </a:t>
+            </a:r>
+            <a:r>
+              <a:rPr lang="zh-CN" altLang="en-US" dirty="0"/>
+              <a:t/>
+            </a:r>
+            <a:br>
+              <a:rPr lang="zh-CN" altLang="en-US" dirty="0"/>
+            </a:br>
+            <a:r>
+              <a:rPr lang="zh-CN" altLang="en-US" dirty="0"/>
+              <a:t/>
+            </a:r>
+            <a:br>
+              <a:rPr lang="zh-CN" altLang="en-US" dirty="0"/>
+            </a:br>
+            <a:r>
+              <a:rPr lang="zh-CN" altLang="en-US" dirty="0"/>
+              <a:t/>
+            </a:r>
+            <a:br>
+              <a:rPr lang="zh-CN" altLang="en-US" dirty="0"/>
+            </a:br>
+            <a:endParaRPr lang="zh-CN" altLang="en-US" dirty="0"/>
+          </a:p>
+        </p:txBody>
+      </p:sp>
+      <p:sp>
+        <p:nvSpPr>
+          <p:cNvPr id="17" name="文本框 16"/>
+          <p:cNvSpPr txBox="1"/>
+          <p:nvPr/>
+        </p:nvSpPr>
+        <p:spPr>
+          <a:xfrm>
+            <a:off x="632298" y="1514306"/>
+            <a:ext cx="4357991" cy="461665"/>
+          </a:xfrm>
+          <a:prstGeom prst="rect">
+            <a:avLst/>
+          </a:prstGeom>
+          <a:noFill/>
+        </p:spPr>
+        <p:txBody>
+          <a:bodyPr wrap="square" rtlCol="0">
+            <a:spAutoFit/>
+          </a:bodyPr>
+          <a:lstStyle/>
+          <a:p>
+            <a:r>
+              <a:rPr lang="zh-CN" altLang="en-US" sz="2400" dirty="0" smtClean="0">
+                <a:latin typeface="微软雅黑" panose="020B0503020204020204" pitchFamily="34" charset="-122"/>
+                <a:ea typeface="微软雅黑" panose="020B0503020204020204" pitchFamily="34" charset="-122"/>
+              </a:rPr>
+              <a:t>基本要求</a:t>
+            </a:r>
+            <a:endParaRPr lang="zh-CN" altLang="en-US" sz="2400" dirty="0">
+              <a:latin typeface="微软雅黑" panose="020B0503020204020204" pitchFamily="34" charset="-122"/>
+              <a:ea typeface="微软雅黑" panose="020B0503020204020204" pitchFamily="34" charset="-122"/>
+            </a:endParaRPr>
+          </a:p>
+        </p:txBody>
+      </p:sp>
+      <p:sp>
+        <p:nvSpPr>
+          <p:cNvPr id="18" name="文本框 17"/>
+          <p:cNvSpPr txBox="1"/>
+          <p:nvPr/>
+        </p:nvSpPr>
+        <p:spPr>
+          <a:xfrm>
+            <a:off x="6225702" y="3821277"/>
+            <a:ext cx="5486400" cy="1853777"/>
+          </a:xfrm>
+          <a:prstGeom prst="rect">
+            <a:avLst/>
+          </a:prstGeom>
+          <a:noFill/>
+        </p:spPr>
+        <p:txBody>
+          <a:bodyPr wrap="square" rtlCol="0">
+            <a:spAutoFit/>
+          </a:bodyPr>
+          <a:lstStyle/>
+          <a:p>
+            <a:pPr marL="400050" indent="-400050">
+              <a:lnSpc>
+                <a:spcPct val="200000"/>
+              </a:lnSpc>
+              <a:buFont typeface="+mj-lt"/>
+              <a:buAutoNum type="romanUcPeriod"/>
+            </a:pPr>
+            <a:r>
+              <a:rPr lang="zh-CN" altLang="en-US" sz="2000" dirty="0" smtClean="0">
+                <a:latin typeface="微软雅黑" panose="020B0503020204020204" pitchFamily="34" charset="-122"/>
+                <a:ea typeface="微软雅黑" panose="020B0503020204020204" pitchFamily="34" charset="-122"/>
+              </a:rPr>
+              <a:t>用户可在绘图区显示图片</a:t>
+            </a:r>
+            <a:endParaRPr lang="en-US" altLang="zh-CN" sz="2000" dirty="0" smtClean="0">
+              <a:latin typeface="微软雅黑" panose="020B0503020204020204" pitchFamily="34" charset="-122"/>
+              <a:ea typeface="微软雅黑" panose="020B0503020204020204" pitchFamily="34" charset="-122"/>
+            </a:endParaRPr>
+          </a:p>
+          <a:p>
+            <a:pPr marL="400050" indent="-400050">
+              <a:lnSpc>
+                <a:spcPct val="200000"/>
+              </a:lnSpc>
+              <a:buFont typeface="+mj-lt"/>
+              <a:buAutoNum type="romanUcPeriod"/>
+            </a:pPr>
+            <a:r>
+              <a:rPr lang="zh-CN" altLang="en-US" sz="2000" dirty="0" smtClean="0">
+                <a:latin typeface="微软雅黑" panose="020B0503020204020204" pitchFamily="34" charset="-122"/>
+                <a:ea typeface="微软雅黑" panose="020B0503020204020204" pitchFamily="34" charset="-122"/>
+              </a:rPr>
+              <a:t>用户可对在绘图区显示的图片进行二次绘图</a:t>
+            </a:r>
+            <a:endParaRPr lang="en-US" altLang="zh-CN" sz="2000" dirty="0" smtClean="0">
+              <a:latin typeface="微软雅黑" panose="020B0503020204020204" pitchFamily="34" charset="-122"/>
+              <a:ea typeface="微软雅黑" panose="020B0503020204020204" pitchFamily="34" charset="-122"/>
+            </a:endParaRPr>
+          </a:p>
+          <a:p>
+            <a:pPr marL="400050" indent="-400050">
+              <a:lnSpc>
+                <a:spcPct val="200000"/>
+              </a:lnSpc>
+              <a:buFont typeface="+mj-lt"/>
+              <a:buAutoNum type="romanUcPeriod"/>
+            </a:pPr>
+            <a:r>
+              <a:rPr lang="zh-CN" altLang="en-US" sz="2000" dirty="0" smtClean="0">
+                <a:latin typeface="微软雅黑" panose="020B0503020204020204" pitchFamily="34" charset="-122"/>
+                <a:ea typeface="微软雅黑" panose="020B0503020204020204" pitchFamily="34" charset="-122"/>
+              </a:rPr>
+              <a:t>用户可自定要显示的图片</a:t>
+            </a:r>
+            <a:endParaRPr lang="zh-CN" altLang="en-US" sz="2000" dirty="0">
+              <a:latin typeface="微软雅黑" panose="020B0503020204020204" pitchFamily="34" charset="-122"/>
+              <a:ea typeface="微软雅黑" panose="020B0503020204020204" pitchFamily="34" charset="-122"/>
+            </a:endParaRPr>
+          </a:p>
+        </p:txBody>
+      </p:sp>
+      <p:sp>
+        <p:nvSpPr>
+          <p:cNvPr id="19" name="文本框 18"/>
+          <p:cNvSpPr txBox="1"/>
+          <p:nvPr/>
+        </p:nvSpPr>
+        <p:spPr>
+          <a:xfrm>
+            <a:off x="6006829" y="3359612"/>
+            <a:ext cx="1950396" cy="461665"/>
+          </a:xfrm>
+          <a:prstGeom prst="rect">
+            <a:avLst/>
+          </a:prstGeom>
+          <a:noFill/>
+        </p:spPr>
+        <p:txBody>
+          <a:bodyPr wrap="square" rtlCol="0">
+            <a:spAutoFit/>
+          </a:bodyPr>
+          <a:lstStyle/>
+          <a:p>
+            <a:r>
+              <a:rPr lang="zh-CN" altLang="en-US" sz="2400" dirty="0" smtClean="0">
+                <a:latin typeface="微软雅黑" panose="020B0503020204020204" pitchFamily="34" charset="-122"/>
+                <a:ea typeface="微软雅黑" panose="020B0503020204020204" pitchFamily="34" charset="-122"/>
+              </a:rPr>
+              <a:t>扩展功能</a:t>
+            </a:r>
+            <a:endParaRPr lang="zh-CN" altLang="en-US" sz="2400" dirty="0">
+              <a:latin typeface="微软雅黑" panose="020B0503020204020204" pitchFamily="34" charset="-122"/>
+              <a:ea typeface="微软雅黑" panose="020B0503020204020204" pitchFamily="34" charset="-122"/>
+            </a:endParaRPr>
+          </a:p>
+        </p:txBody>
+      </p:sp>
+      <p:pic>
+        <p:nvPicPr>
+          <p:cNvPr id="20" name="图片 19"/>
+          <p:cNvPicPr>
+            <a:picLocks noChangeAspect="1"/>
+          </p:cNvPicPr>
+          <p:nvPr/>
+        </p:nvPicPr>
+        <p:blipFill>
+          <a:blip r:embed="rId4">
+            <a:extLst>
+              <a:ext uri="{28A0092B-C50C-407E-A947-70E740481C1C}">
+                <a14:useLocalDpi xmlns:a14="http://schemas.microsoft.com/office/drawing/2010/main" val="0"/>
+              </a:ext>
+            </a:extLst>
+          </a:blip>
+          <a:stretch>
+            <a:fillRect/>
+          </a:stretch>
+        </p:blipFill>
+        <p:spPr>
+          <a:xfrm>
+            <a:off x="9707907" y="9298"/>
+            <a:ext cx="2484093" cy="1397302"/>
+          </a:xfrm>
+          <a:prstGeom prst="rect">
+            <a:avLst/>
+          </a:prstGeom>
+        </p:spPr>
+      </p:pic>
+    </p:spTree>
+    <p:extLst>
+      <p:ext uri="{BB962C8B-B14F-4D97-AF65-F5344CB8AC3E}">
+        <p14:creationId xmlns:p14="http://schemas.microsoft.com/office/powerpoint/2010/main" val="3087678173"/>
+      </p:ext>
+    </p:extLst>
+  </p:cSld>
+  <p:clrMapOvr>
+    <a:masterClrMapping/>
+  </p:clrMapOvr>
+  <mc:AlternateContent xmlns:mc="http://schemas.openxmlformats.org/markup-compatibility/2006" xmlns:p14="http://schemas.microsoft.com/office/powerpoint/2010/main">
+    <mc:Choice Requires="p14">
+      <p:transition spd="slow" p14:dur="1600" advClick="0" advTm="2000">
+        <p14:gallery dir="l"/>
+      </p:transition>
+    </mc:Choice>
+    <mc:Fallback xmlns="">
+      <p:transition spd="slow" advClick="0" advTm="2000">
+        <p:fade/>
+      </p:transition>
+    </mc:Fallback>
+  </mc:AlternateContent>
+  <p:timing>
+    <p:tnLst>
+      <p:par>
+        <p:cTn id="1" dur="indefinite" restart="never" nodeType="tmRoot"/>
+      </p:par>
+    </p:tnLst>
+  </p:timing>
+</p:sld>
+</file>
+
+<file path=ppt/slides/slide3.xml><?xml version="1.0" encoding="utf-8"?>
+<p:sld xmlns:a="http://schemas.openxmlformats.org/drawingml/2006/main" xmlns:r="http://schemas.openxmlformats.org/officeDocument/2006/relationships" xmlns:p="http://schemas.openxmlformats.org/presentationml/2006/main" showMasterSp="0">
   <p:cSld>
     <p:spTree>
       <p:nvGrpSpPr>
@@ -5920,55 +7726,5855 @@
           <a:chExt cx="0" cy="0"/>
         </a:xfrm>
       </p:grpSpPr>
-      <p:sp>
-        <p:nvSpPr>
-          <p:cNvPr id="2" name="标题 1"/>
-          <p:cNvSpPr>
-            <a:spLocks noGrp="1"/>
-          </p:cNvSpPr>
+      <p:grpSp>
+        <p:nvGrpSpPr>
+          <p:cNvPr id="2" name="组合 1">
+            <a:extLst>
+              <a:ext uri="{FF2B5EF4-FFF2-40B4-BE49-F238E27FC236}">
+                <a16:creationId xmlns:a16="http://schemas.microsoft.com/office/drawing/2014/main" id="{CD9D861D-14AD-4E72-9C94-B5DEBD90F086}"/>
+              </a:ext>
+            </a:extLst>
+          </p:cNvPr>
+          <p:cNvGrpSpPr/>
+          <p:nvPr/>
+        </p:nvGrpSpPr>
+        <p:grpSpPr>
+          <a:xfrm>
+            <a:off x="216132" y="230896"/>
+            <a:ext cx="627622" cy="477053"/>
+            <a:chOff x="1634347" y="2691119"/>
+            <a:chExt cx="854931" cy="649830"/>
+          </a:xfrm>
+        </p:grpSpPr>
+        <p:sp>
+          <p:nvSpPr>
+            <p:cNvPr id="3" name="文本框 2">
+              <a:extLst>
+                <a:ext uri="{FF2B5EF4-FFF2-40B4-BE49-F238E27FC236}">
+                  <a16:creationId xmlns:a16="http://schemas.microsoft.com/office/drawing/2014/main" id="{54955C1C-887E-41A0-904F-D16E3E735A83}"/>
+                </a:ext>
+              </a:extLst>
+            </p:cNvPr>
+            <p:cNvSpPr txBox="1"/>
+            <p:nvPr/>
+          </p:nvSpPr>
+          <p:spPr>
+            <a:xfrm>
+              <a:off x="1634347" y="2691119"/>
+              <a:ext cx="854931" cy="628869"/>
+            </a:xfrm>
+            <a:prstGeom prst="rect">
+              <a:avLst/>
+            </a:prstGeom>
+            <a:noFill/>
+          </p:spPr>
+          <p:txBody>
+            <a:bodyPr wrap="square" rtlCol="0">
+              <a:spAutoFit/>
+              <a:scene3d>
+                <a:camera prst="orthographicFront"/>
+                <a:lightRig rig="threePt" dir="t"/>
+              </a:scene3d>
+              <a:sp3d contourW="12700"/>
+            </a:bodyPr>
+            <a:lstStyle/>
+            <a:p>
+              <a:r>
+                <a:rPr lang="en-US" altLang="zh-CN" sz="2400" b="1" dirty="0" smtClean="0">
+                  <a:solidFill>
+                    <a:schemeClr val="tx1">
+                      <a:lumMod val="95000"/>
+                      <a:lumOff val="5000"/>
+                    </a:schemeClr>
+                  </a:solidFill>
+                  <a:latin typeface="Century Gothic" panose="020B0502020202020204" pitchFamily="34" charset="0"/>
+                  <a:ea typeface="迷你简综艺" panose="03000509000000000000" pitchFamily="65" charset="-122"/>
+                </a:rPr>
+                <a:t>02</a:t>
+              </a:r>
+              <a:endParaRPr lang="zh-CN" altLang="en-US" sz="2400" b="1" dirty="0">
+                <a:solidFill>
+                  <a:schemeClr val="tx1">
+                    <a:lumMod val="95000"/>
+                    <a:lumOff val="5000"/>
+                  </a:schemeClr>
+                </a:solidFill>
+                <a:latin typeface="Century Gothic" panose="020B0502020202020204" pitchFamily="34" charset="0"/>
+                <a:ea typeface="迷你简综艺" panose="03000509000000000000" pitchFamily="65" charset="-122"/>
+              </a:endParaRPr>
+            </a:p>
+          </p:txBody>
+        </p:sp>
+        <p:cxnSp>
+          <p:nvCxnSpPr>
+            <p:cNvPr id="4" name="直接连接符 3">
+              <a:extLst>
+                <a:ext uri="{FF2B5EF4-FFF2-40B4-BE49-F238E27FC236}">
+                  <a16:creationId xmlns:a16="http://schemas.microsoft.com/office/drawing/2014/main" id="{4A40D8A2-C871-43A3-85F9-AFDBF9D04AB6}"/>
+                </a:ext>
+              </a:extLst>
+            </p:cNvPr>
+            <p:cNvCxnSpPr/>
+            <p:nvPr/>
+          </p:nvCxnSpPr>
+          <p:spPr>
+            <a:xfrm>
+              <a:off x="2324101" y="2738437"/>
+              <a:ext cx="0" cy="602512"/>
+            </a:xfrm>
+            <a:prstGeom prst="line">
+              <a:avLst/>
+            </a:prstGeom>
+            <a:ln w="12700">
+              <a:solidFill>
+                <a:schemeClr val="bg1">
+                  <a:lumMod val="65000"/>
+                </a:schemeClr>
+              </a:solidFill>
+            </a:ln>
+          </p:spPr>
+          <p:style>
+            <a:lnRef idx="1">
+              <a:schemeClr val="accent1"/>
+            </a:lnRef>
+            <a:fillRef idx="0">
+              <a:schemeClr val="accent1"/>
+            </a:fillRef>
+            <a:effectRef idx="0">
+              <a:schemeClr val="accent1"/>
+            </a:effectRef>
+            <a:fontRef idx="minor">
+              <a:schemeClr val="tx1"/>
+            </a:fontRef>
+          </p:style>
+        </p:cxnSp>
+      </p:grpSp>
+      <p:sp>
+        <p:nvSpPr>
+          <p:cNvPr id="5" name="MH_Entry_2">
+            <a:extLst>
+              <a:ext uri="{FF2B5EF4-FFF2-40B4-BE49-F238E27FC236}">
+                <a16:creationId xmlns:a16="http://schemas.microsoft.com/office/drawing/2014/main" id="{24FC7193-8B9E-4350-97D4-95160D49D230}"/>
+              </a:ext>
+            </a:extLst>
+          </p:cNvPr>
+          <p:cNvSpPr/>
           <p:nvPr>
-            <p:ph type="title"/>
+            <p:custDataLst>
+              <p:tags r:id="rId1"/>
+            </p:custDataLst>
           </p:nvPr>
         </p:nvSpPr>
-        <p:spPr/>
-        <p:txBody>
-          <a:bodyPr/>
+        <p:spPr>
+          <a:xfrm>
+            <a:off x="1015628" y="215506"/>
+            <a:ext cx="2583605" cy="492443"/>
+          </a:xfrm>
+          <a:custGeom>
+            <a:avLst/>
+            <a:gdLst>
+              <a:gd name="connsiteX0" fmla="*/ 0 w 2520280"/>
+              <a:gd name="connsiteY0" fmla="*/ 1584176 h 1872208"/>
+              <a:gd name="connsiteX1" fmla="*/ 2520280 w 2520280"/>
+              <a:gd name="connsiteY1" fmla="*/ 1584176 h 1872208"/>
+              <a:gd name="connsiteX2" fmla="*/ 2520280 w 2520280"/>
+              <a:gd name="connsiteY2" fmla="*/ 1872208 h 1872208"/>
+              <a:gd name="connsiteX3" fmla="*/ 0 w 2520280"/>
+              <a:gd name="connsiteY3" fmla="*/ 1872208 h 1872208"/>
+              <a:gd name="connsiteX4" fmla="*/ 0 w 2520280"/>
+              <a:gd name="connsiteY4" fmla="*/ 1584176 h 1872208"/>
+              <a:gd name="connsiteX5" fmla="*/ 0 w 2520280"/>
+              <a:gd name="connsiteY5" fmla="*/ 0 h 1872208"/>
+              <a:gd name="connsiteX6" fmla="*/ 2520280 w 2520280"/>
+              <a:gd name="connsiteY6" fmla="*/ 0 h 1872208"/>
+              <a:gd name="connsiteX7" fmla="*/ 2520280 w 2520280"/>
+              <a:gd name="connsiteY7" fmla="*/ 288032 h 1872208"/>
+              <a:gd name="connsiteX8" fmla="*/ 0 w 2520280"/>
+              <a:gd name="connsiteY8" fmla="*/ 0 h 1872208"/>
+              <a:gd name="connsiteX0-1" fmla="*/ 0 w 2520280"/>
+              <a:gd name="connsiteY0-2" fmla="*/ 1584176 h 1872208"/>
+              <a:gd name="connsiteX1-3" fmla="*/ 2520280 w 2520280"/>
+              <a:gd name="connsiteY1-4" fmla="*/ 1584176 h 1872208"/>
+              <a:gd name="connsiteX2-5" fmla="*/ 2520280 w 2520280"/>
+              <a:gd name="connsiteY2-6" fmla="*/ 1872208 h 1872208"/>
+              <a:gd name="connsiteX3-7" fmla="*/ 0 w 2520280"/>
+              <a:gd name="connsiteY3-8" fmla="*/ 1872208 h 1872208"/>
+              <a:gd name="connsiteX4-9" fmla="*/ 0 w 2520280"/>
+              <a:gd name="connsiteY4-10" fmla="*/ 1584176 h 1872208"/>
+              <a:gd name="connsiteX5-11" fmla="*/ 0 w 2520280"/>
+              <a:gd name="connsiteY5-12" fmla="*/ 0 h 1872208"/>
+              <a:gd name="connsiteX6-13" fmla="*/ 2520280 w 2520280"/>
+              <a:gd name="connsiteY6-14" fmla="*/ 0 h 1872208"/>
+              <a:gd name="connsiteX7-15" fmla="*/ 0 w 2520280"/>
+              <a:gd name="connsiteY7-16" fmla="*/ 0 h 1872208"/>
+              <a:gd name="connsiteX0-17" fmla="*/ 0 w 2520280"/>
+              <a:gd name="connsiteY0-18" fmla="*/ 1872208 h 1872208"/>
+              <a:gd name="connsiteX1-19" fmla="*/ 2520280 w 2520280"/>
+              <a:gd name="connsiteY1-20" fmla="*/ 1584176 h 1872208"/>
+              <a:gd name="connsiteX2-21" fmla="*/ 2520280 w 2520280"/>
+              <a:gd name="connsiteY2-22" fmla="*/ 1872208 h 1872208"/>
+              <a:gd name="connsiteX3-23" fmla="*/ 0 w 2520280"/>
+              <a:gd name="connsiteY3-24" fmla="*/ 1872208 h 1872208"/>
+              <a:gd name="connsiteX4-25" fmla="*/ 0 w 2520280"/>
+              <a:gd name="connsiteY4-26" fmla="*/ 0 h 1872208"/>
+              <a:gd name="connsiteX5-27" fmla="*/ 2520280 w 2520280"/>
+              <a:gd name="connsiteY5-28" fmla="*/ 0 h 1872208"/>
+              <a:gd name="connsiteX6-29" fmla="*/ 0 w 2520280"/>
+              <a:gd name="connsiteY6-30" fmla="*/ 0 h 1872208"/>
+              <a:gd name="connsiteX0-31" fmla="*/ 0 w 2520280"/>
+              <a:gd name="connsiteY0-32" fmla="*/ 1872208 h 1872208"/>
+              <a:gd name="connsiteX1-33" fmla="*/ 2520280 w 2520280"/>
+              <a:gd name="connsiteY1-34" fmla="*/ 1872208 h 1872208"/>
+              <a:gd name="connsiteX2-35" fmla="*/ 0 w 2520280"/>
+              <a:gd name="connsiteY2-36" fmla="*/ 1872208 h 1872208"/>
+              <a:gd name="connsiteX3-37" fmla="*/ 0 w 2520280"/>
+              <a:gd name="connsiteY3-38" fmla="*/ 0 h 1872208"/>
+              <a:gd name="connsiteX4-39" fmla="*/ 2520280 w 2520280"/>
+              <a:gd name="connsiteY4-40" fmla="*/ 0 h 1872208"/>
+              <a:gd name="connsiteX5-41" fmla="*/ 0 w 2520280"/>
+              <a:gd name="connsiteY5-42" fmla="*/ 0 h 1872208"/>
+              <a:gd name="connsiteX0-43" fmla="*/ 0 w 2520280"/>
+              <a:gd name="connsiteY0-44" fmla="*/ 1872208 h 1872208"/>
+              <a:gd name="connsiteX1-45" fmla="*/ 2520280 w 2520280"/>
+              <a:gd name="connsiteY1-46" fmla="*/ 1872208 h 1872208"/>
+              <a:gd name="connsiteX2-47" fmla="*/ 0 w 2520280"/>
+              <a:gd name="connsiteY2-48" fmla="*/ 1872208 h 1872208"/>
+              <a:gd name="connsiteX3-49" fmla="*/ 0 w 2520280"/>
+              <a:gd name="connsiteY3-50" fmla="*/ 0 h 1872208"/>
+              <a:gd name="connsiteX4-51" fmla="*/ 34255 w 2520280"/>
+              <a:gd name="connsiteY4-52" fmla="*/ 0 h 1872208"/>
+              <a:gd name="connsiteX5-53" fmla="*/ 0 w 2520280"/>
+              <a:gd name="connsiteY5-54" fmla="*/ 0 h 1872208"/>
+              <a:gd name="connsiteX0-55" fmla="*/ 0 w 2520280"/>
+              <a:gd name="connsiteY0-56" fmla="*/ 1872208 h 1872208"/>
+              <a:gd name="connsiteX1-57" fmla="*/ 2520280 w 2520280"/>
+              <a:gd name="connsiteY1-58" fmla="*/ 1872208 h 1872208"/>
+              <a:gd name="connsiteX2-59" fmla="*/ 0 w 2520280"/>
+              <a:gd name="connsiteY2-60" fmla="*/ 1872208 h 1872208"/>
+              <a:gd name="connsiteX3-61" fmla="*/ 0 w 2520280"/>
+              <a:gd name="connsiteY3-62" fmla="*/ 0 h 1872208"/>
+              <a:gd name="connsiteX4-63" fmla="*/ 917 w 2520280"/>
+              <a:gd name="connsiteY4-64" fmla="*/ 6036 h 1872208"/>
+              <a:gd name="connsiteX5-65" fmla="*/ 0 w 2520280"/>
+              <a:gd name="connsiteY5-66" fmla="*/ 0 h 1872208"/>
+              <a:gd name="connsiteX0-67" fmla="*/ 0 w 2520280"/>
+              <a:gd name="connsiteY0-68" fmla="*/ 1890314 h 1890314"/>
+              <a:gd name="connsiteX1-69" fmla="*/ 2520280 w 2520280"/>
+              <a:gd name="connsiteY1-70" fmla="*/ 1890314 h 1890314"/>
+              <a:gd name="connsiteX2-71" fmla="*/ 0 w 2520280"/>
+              <a:gd name="connsiteY2-72" fmla="*/ 1890314 h 1890314"/>
+              <a:gd name="connsiteX3-73" fmla="*/ 0 w 2520280"/>
+              <a:gd name="connsiteY3-74" fmla="*/ 18106 h 1890314"/>
+              <a:gd name="connsiteX4-75" fmla="*/ 53304 w 2520280"/>
+              <a:gd name="connsiteY4-76" fmla="*/ 0 h 1890314"/>
+              <a:gd name="connsiteX5-77" fmla="*/ 0 w 2520280"/>
+              <a:gd name="connsiteY5-78" fmla="*/ 18106 h 1890314"/>
+              <a:gd name="connsiteX0-79" fmla="*/ 0 w 2520280"/>
+              <a:gd name="connsiteY0-80" fmla="*/ 1872208 h 1872208"/>
+              <a:gd name="connsiteX1-81" fmla="*/ 2520280 w 2520280"/>
+              <a:gd name="connsiteY1-82" fmla="*/ 1872208 h 1872208"/>
+              <a:gd name="connsiteX2-83" fmla="*/ 0 w 2520280"/>
+              <a:gd name="connsiteY2-84" fmla="*/ 1872208 h 1872208"/>
+              <a:gd name="connsiteX3-85" fmla="*/ 0 w 2520280"/>
+              <a:gd name="connsiteY3-86" fmla="*/ 0 h 1872208"/>
+              <a:gd name="connsiteX4-87" fmla="*/ 916 w 2520280"/>
+              <a:gd name="connsiteY4-88" fmla="*/ 0 h 1872208"/>
+              <a:gd name="connsiteX5-89" fmla="*/ 0 w 2520280"/>
+              <a:gd name="connsiteY5-90" fmla="*/ 0 h 1872208"/>
+            </a:gdLst>
+            <a:ahLst/>
+            <a:cxnLst>
+              <a:cxn ang="0">
+                <a:pos x="connsiteX0-1" y="connsiteY0-2"/>
+              </a:cxn>
+              <a:cxn ang="0">
+                <a:pos x="connsiteX1-3" y="connsiteY1-4"/>
+              </a:cxn>
+              <a:cxn ang="0">
+                <a:pos x="connsiteX2-5" y="connsiteY2-6"/>
+              </a:cxn>
+              <a:cxn ang="0">
+                <a:pos x="connsiteX3-7" y="connsiteY3-8"/>
+              </a:cxn>
+              <a:cxn ang="0">
+                <a:pos x="connsiteX4-9" y="connsiteY4-10"/>
+              </a:cxn>
+              <a:cxn ang="0">
+                <a:pos x="connsiteX5-11" y="connsiteY5-12"/>
+              </a:cxn>
+            </a:cxnLst>
+            <a:rect l="l" t="t" r="r" b="b"/>
+            <a:pathLst>
+              <a:path w="2520280" h="1872208">
+                <a:moveTo>
+                  <a:pt x="0" y="1872208"/>
+                </a:moveTo>
+                <a:lnTo>
+                  <a:pt x="2520280" y="1872208"/>
+                </a:lnTo>
+                <a:lnTo>
+                  <a:pt x="0" y="1872208"/>
+                </a:lnTo>
+                <a:close/>
+                <a:moveTo>
+                  <a:pt x="0" y="0"/>
+                </a:moveTo>
+                <a:lnTo>
+                  <a:pt x="916" y="0"/>
+                </a:lnTo>
+                <a:lnTo>
+                  <a:pt x="0" y="0"/>
+                </a:lnTo>
+                <a:close/>
+              </a:path>
+            </a:pathLst>
+          </a:custGeom>
+          <a:noFill/>
+          <a:ln w="3175" cap="sq">
+            <a:noFill/>
+            <a:bevel/>
+          </a:ln>
+        </p:spPr>
+        <p:style>
+          <a:lnRef idx="2">
+            <a:schemeClr val="accent1">
+              <a:shade val="50000"/>
+            </a:schemeClr>
+          </a:lnRef>
+          <a:fillRef idx="1">
+            <a:schemeClr val="accent1"/>
+          </a:fillRef>
+          <a:effectRef idx="0">
+            <a:schemeClr val="accent1"/>
+          </a:effectRef>
+          <a:fontRef idx="minor">
+            <a:schemeClr val="lt1"/>
+          </a:fontRef>
+        </p:style>
+        <p:txBody>
+          <a:bodyPr rot="0" spcFirstLastPara="0" vertOverflow="overflow" horzOverflow="overflow" vert="horz" wrap="square" lIns="0" tIns="0" rIns="0" bIns="0" numCol="1" spcCol="0" rtlCol="0" fromWordArt="0" anchor="ctr" anchorCtr="0" forceAA="0" compatLnSpc="1">
+            <a:spAutoFit/>
+          </a:bodyPr>
           <a:lstStyle/>
           <a:p>
+            <a:pPr defTabSz="852086" fontAlgn="base">
+              <a:spcBef>
+                <a:spcPct val="0"/>
+              </a:spcBef>
+              <a:spcAft>
+                <a:spcPct val="0"/>
+              </a:spcAft>
+            </a:pPr>
+            <a:r>
+              <a:rPr lang="zh-CN" altLang="en-US" sz="3200" dirty="0" smtClean="0">
+                <a:solidFill>
+                  <a:schemeClr val="tx1">
+                    <a:lumMod val="95000"/>
+                    <a:lumOff val="5000"/>
+                  </a:schemeClr>
+                </a:solidFill>
+                <a:latin typeface="微软雅黑" panose="020B0503020204020204" pitchFamily="34" charset="-122"/>
+                <a:ea typeface="微软雅黑" panose="020B0503020204020204" pitchFamily="34" charset="-122"/>
+                <a:sym typeface="Arial" panose="020B0604020202020204" pitchFamily="34" charset="0"/>
+              </a:rPr>
+              <a:t>界面设计</a:t>
+            </a:r>
+            <a:endParaRPr lang="zh-CN" altLang="en-US" sz="3200" dirty="0">
+              <a:solidFill>
+                <a:schemeClr val="tx1">
+                  <a:lumMod val="95000"/>
+                  <a:lumOff val="5000"/>
+                </a:schemeClr>
+              </a:solidFill>
+              <a:latin typeface="微软雅黑" panose="020B0503020204020204" pitchFamily="34" charset="-122"/>
+              <a:ea typeface="微软雅黑" panose="020B0503020204020204" pitchFamily="34" charset="-122"/>
+              <a:sym typeface="Arial" panose="020B0604020202020204" pitchFamily="34" charset="0"/>
+            </a:endParaRPr>
+          </a:p>
+        </p:txBody>
+      </p:sp>
+      <p:cxnSp>
+        <p:nvCxnSpPr>
+          <p:cNvPr id="9" name="直接连接符 8">
+            <a:extLst>
+              <a:ext uri="{FF2B5EF4-FFF2-40B4-BE49-F238E27FC236}">
+                <a16:creationId xmlns:a16="http://schemas.microsoft.com/office/drawing/2014/main" id="{17F0C592-CD4A-43EC-B0A9-3B9DF01627A3}"/>
+              </a:ext>
+            </a:extLst>
+          </p:cNvPr>
+          <p:cNvCxnSpPr/>
+          <p:nvPr/>
+        </p:nvCxnSpPr>
+        <p:spPr>
+          <a:xfrm>
+            <a:off x="0" y="837274"/>
+            <a:ext cx="12266579" cy="0"/>
+          </a:xfrm>
+          <a:prstGeom prst="line">
+            <a:avLst/>
+          </a:prstGeom>
+          <a:ln w="19050">
+            <a:solidFill>
+              <a:schemeClr val="bg1">
+                <a:lumMod val="85000"/>
+              </a:schemeClr>
+            </a:solidFill>
+          </a:ln>
+        </p:spPr>
+        <p:style>
+          <a:lnRef idx="1">
+            <a:schemeClr val="accent1"/>
+          </a:lnRef>
+          <a:fillRef idx="0">
+            <a:schemeClr val="accent1"/>
+          </a:fillRef>
+          <a:effectRef idx="0">
+            <a:schemeClr val="accent1"/>
+          </a:effectRef>
+          <a:fontRef idx="minor">
+            <a:schemeClr val="tx1"/>
+          </a:fontRef>
+        </p:style>
+      </p:cxnSp>
+      <p:pic>
+        <p:nvPicPr>
+          <p:cNvPr id="20" name="图片 19"/>
+          <p:cNvPicPr>
+            <a:picLocks noChangeAspect="1"/>
+          </p:cNvPicPr>
+          <p:nvPr/>
+        </p:nvPicPr>
+        <p:blipFill>
+          <a:blip r:embed="rId4">
+            <a:extLst>
+              <a:ext uri="{28A0092B-C50C-407E-A947-70E740481C1C}">
+                <a14:useLocalDpi xmlns:a14="http://schemas.microsoft.com/office/drawing/2010/main" val="0"/>
+              </a:ext>
+            </a:extLst>
+          </a:blip>
+          <a:stretch>
+            <a:fillRect/>
+          </a:stretch>
+        </p:blipFill>
+        <p:spPr>
+          <a:xfrm>
+            <a:off x="9707907" y="9298"/>
+            <a:ext cx="2484093" cy="1397302"/>
+          </a:xfrm>
+          <a:prstGeom prst="rect">
+            <a:avLst/>
+          </a:prstGeom>
+        </p:spPr>
+      </p:pic>
+      <p:pic>
+        <p:nvPicPr>
+          <p:cNvPr id="6" name="图片 5"/>
+          <p:cNvPicPr>
+            <a:picLocks noChangeAspect="1"/>
+          </p:cNvPicPr>
+          <p:nvPr/>
+        </p:nvPicPr>
+        <p:blipFill>
+          <a:blip r:embed="rId5">
+            <a:extLst>
+              <a:ext uri="{28A0092B-C50C-407E-A947-70E740481C1C}">
+                <a14:useLocalDpi xmlns:a14="http://schemas.microsoft.com/office/drawing/2010/main" val="0"/>
+              </a:ext>
+            </a:extLst>
+          </a:blip>
+          <a:stretch>
+            <a:fillRect/>
+          </a:stretch>
+        </p:blipFill>
+        <p:spPr>
+          <a:xfrm>
+            <a:off x="2483201" y="1665251"/>
+            <a:ext cx="6576211" cy="4480804"/>
+          </a:xfrm>
+          <a:prstGeom prst="rect">
+            <a:avLst/>
+          </a:prstGeom>
+        </p:spPr>
+      </p:pic>
+      <p:sp>
+        <p:nvSpPr>
+          <p:cNvPr id="11" name="矩形 10"/>
+          <p:cNvSpPr/>
+          <p:nvPr/>
+        </p:nvSpPr>
+        <p:spPr>
+          <a:xfrm>
+            <a:off x="2483201" y="2380239"/>
+            <a:ext cx="5639395" cy="3765816"/>
+          </a:xfrm>
+          <a:prstGeom prst="rect">
+            <a:avLst/>
+          </a:prstGeom>
+          <a:noFill/>
+          <a:ln w="34925">
+            <a:solidFill>
+              <a:schemeClr val="accent4"/>
+            </a:solidFill>
+          </a:ln>
+        </p:spPr>
+        <p:style>
+          <a:lnRef idx="2">
+            <a:schemeClr val="accent1">
+              <a:shade val="50000"/>
+            </a:schemeClr>
+          </a:lnRef>
+          <a:fillRef idx="1">
+            <a:schemeClr val="accent1"/>
+          </a:fillRef>
+          <a:effectRef idx="0">
+            <a:schemeClr val="accent1"/>
+          </a:effectRef>
+          <a:fontRef idx="minor">
+            <a:schemeClr val="lt1"/>
+          </a:fontRef>
+        </p:style>
+        <p:txBody>
+          <a:bodyPr rtlCol="0" anchor="ctr"/>
+          <a:lstStyle/>
+          <a:p>
+            <a:pPr algn="ctr"/>
             <a:endParaRPr lang="zh-CN" altLang="en-US"/>
           </a:p>
         </p:txBody>
       </p:sp>
       <p:sp>
         <p:nvSpPr>
-          <p:cNvPr id="3" name="内容占位符 2"/>
-          <p:cNvSpPr>
-            <a:spLocks noGrp="1"/>
-          </p:cNvSpPr>
-          <p:nvPr>
-            <p:ph idx="1"/>
-          </p:nvPr>
-        </p:nvSpPr>
-        <p:spPr/>
-        <p:txBody>
-          <a:bodyPr/>
+          <p:cNvPr id="13" name="矩形 12"/>
+          <p:cNvSpPr/>
+          <p:nvPr/>
+        </p:nvSpPr>
+        <p:spPr>
+          <a:xfrm>
+            <a:off x="2483201" y="2039771"/>
+            <a:ext cx="6576211" cy="340468"/>
+          </a:xfrm>
+          <a:prstGeom prst="rect">
+            <a:avLst/>
+          </a:prstGeom>
+          <a:noFill/>
+          <a:ln w="34925">
+            <a:solidFill>
+              <a:schemeClr val="accent2"/>
+            </a:solidFill>
+          </a:ln>
+        </p:spPr>
+        <p:style>
+          <a:lnRef idx="2">
+            <a:schemeClr val="accent1">
+              <a:shade val="50000"/>
+            </a:schemeClr>
+          </a:lnRef>
+          <a:fillRef idx="1">
+            <a:schemeClr val="accent1"/>
+          </a:fillRef>
+          <a:effectRef idx="0">
+            <a:schemeClr val="accent1"/>
+          </a:effectRef>
+          <a:fontRef idx="minor">
+            <a:schemeClr val="lt1"/>
+          </a:fontRef>
+        </p:style>
+        <p:txBody>
+          <a:bodyPr rtlCol="0" anchor="ctr"/>
           <a:lstStyle/>
           <a:p>
+            <a:pPr algn="ctr"/>
             <a:endParaRPr lang="zh-CN" altLang="en-US"/>
+          </a:p>
+        </p:txBody>
+      </p:sp>
+      <p:sp>
+        <p:nvSpPr>
+          <p:cNvPr id="14" name="矩形 13"/>
+          <p:cNvSpPr/>
+          <p:nvPr/>
+        </p:nvSpPr>
+        <p:spPr>
+          <a:xfrm>
+            <a:off x="8122596" y="2380239"/>
+            <a:ext cx="936816" cy="3765816"/>
+          </a:xfrm>
+          <a:prstGeom prst="rect">
+            <a:avLst/>
+          </a:prstGeom>
+          <a:noFill/>
+          <a:ln w="34925">
+            <a:solidFill>
+              <a:schemeClr val="tx2"/>
+            </a:solidFill>
+          </a:ln>
+        </p:spPr>
+        <p:style>
+          <a:lnRef idx="2">
+            <a:schemeClr val="accent1">
+              <a:shade val="50000"/>
+            </a:schemeClr>
+          </a:lnRef>
+          <a:fillRef idx="1">
+            <a:schemeClr val="accent1"/>
+          </a:fillRef>
+          <a:effectRef idx="0">
+            <a:schemeClr val="accent1"/>
+          </a:effectRef>
+          <a:fontRef idx="minor">
+            <a:schemeClr val="lt1"/>
+          </a:fontRef>
+        </p:style>
+        <p:txBody>
+          <a:bodyPr rtlCol="0" anchor="ctr"/>
+          <a:lstStyle/>
+          <a:p>
+            <a:pPr algn="ctr"/>
+            <a:endParaRPr lang="zh-CN" altLang="en-US"/>
+          </a:p>
+        </p:txBody>
+      </p:sp>
+      <p:cxnSp>
+        <p:nvCxnSpPr>
+          <p:cNvPr id="22" name="直接箭头连接符 21"/>
+          <p:cNvCxnSpPr/>
+          <p:nvPr/>
+        </p:nvCxnSpPr>
+        <p:spPr>
+          <a:xfrm flipV="1">
+            <a:off x="1906621" y="4221803"/>
+            <a:ext cx="2110902" cy="87549"/>
+          </a:xfrm>
+          <a:prstGeom prst="straightConnector1">
+            <a:avLst/>
+          </a:prstGeom>
+          <a:ln w="25400">
+            <a:solidFill>
+              <a:schemeClr val="accent5"/>
+            </a:solidFill>
+            <a:headEnd w="lg" len="lg"/>
+            <a:tailEnd type="arrow"/>
+          </a:ln>
+        </p:spPr>
+        <p:style>
+          <a:lnRef idx="1">
+            <a:schemeClr val="accent1"/>
+          </a:lnRef>
+          <a:fillRef idx="0">
+            <a:schemeClr val="accent1"/>
+          </a:fillRef>
+          <a:effectRef idx="0">
+            <a:schemeClr val="accent1"/>
+          </a:effectRef>
+          <a:fontRef idx="minor">
+            <a:schemeClr val="tx1"/>
+          </a:fontRef>
+        </p:style>
+      </p:cxnSp>
+      <p:sp>
+        <p:nvSpPr>
+          <p:cNvPr id="23" name="文本框 22"/>
+          <p:cNvSpPr txBox="1"/>
+          <p:nvPr/>
+        </p:nvSpPr>
+        <p:spPr>
+          <a:xfrm>
+            <a:off x="216133" y="4124686"/>
+            <a:ext cx="1879964" cy="461665"/>
+          </a:xfrm>
+          <a:prstGeom prst="rect">
+            <a:avLst/>
+          </a:prstGeom>
+          <a:noFill/>
+        </p:spPr>
+        <p:txBody>
+          <a:bodyPr wrap="square" rtlCol="0">
+            <a:spAutoFit/>
+          </a:bodyPr>
+          <a:lstStyle/>
+          <a:p>
+            <a:r>
+              <a:rPr lang="zh-CN" altLang="en-US" sz="2400" dirty="0" smtClean="0">
+                <a:latin typeface="微软雅黑" panose="020B0503020204020204" pitchFamily="34" charset="-122"/>
+                <a:ea typeface="微软雅黑" panose="020B0503020204020204" pitchFamily="34" charset="-122"/>
+              </a:rPr>
+              <a:t>用户绘图区</a:t>
+            </a:r>
+            <a:endParaRPr lang="zh-CN" altLang="en-US" sz="2400" dirty="0">
+              <a:latin typeface="微软雅黑" panose="020B0503020204020204" pitchFamily="34" charset="-122"/>
+              <a:ea typeface="微软雅黑" panose="020B0503020204020204" pitchFamily="34" charset="-122"/>
+            </a:endParaRPr>
+          </a:p>
+        </p:txBody>
+      </p:sp>
+      <p:cxnSp>
+        <p:nvCxnSpPr>
+          <p:cNvPr id="24" name="直接箭头连接符 23"/>
+          <p:cNvCxnSpPr/>
+          <p:nvPr/>
+        </p:nvCxnSpPr>
+        <p:spPr>
+          <a:xfrm flipH="1">
+            <a:off x="8763719" y="3331721"/>
+            <a:ext cx="711078" cy="680698"/>
+          </a:xfrm>
+          <a:prstGeom prst="straightConnector1">
+            <a:avLst/>
+          </a:prstGeom>
+          <a:ln w="25400">
+            <a:solidFill>
+              <a:schemeClr val="tx2"/>
+            </a:solidFill>
+            <a:headEnd w="lg" len="lg"/>
+            <a:tailEnd type="arrow"/>
+          </a:ln>
+        </p:spPr>
+        <p:style>
+          <a:lnRef idx="1">
+            <a:schemeClr val="accent1"/>
+          </a:lnRef>
+          <a:fillRef idx="0">
+            <a:schemeClr val="accent1"/>
+          </a:fillRef>
+          <a:effectRef idx="0">
+            <a:schemeClr val="accent1"/>
+          </a:effectRef>
+          <a:fontRef idx="minor">
+            <a:schemeClr val="tx1"/>
+          </a:fontRef>
+        </p:style>
+      </p:cxnSp>
+      <p:sp>
+        <p:nvSpPr>
+          <p:cNvPr id="27" name="文本框 26"/>
+          <p:cNvSpPr txBox="1"/>
+          <p:nvPr/>
+        </p:nvSpPr>
+        <p:spPr>
+          <a:xfrm>
+            <a:off x="9474797" y="3073070"/>
+            <a:ext cx="2373549" cy="1938992"/>
+          </a:xfrm>
+          <a:prstGeom prst="rect">
+            <a:avLst/>
+          </a:prstGeom>
+          <a:noFill/>
+        </p:spPr>
+        <p:txBody>
+          <a:bodyPr wrap="square" rtlCol="0">
+            <a:spAutoFit/>
+          </a:bodyPr>
+          <a:lstStyle/>
+          <a:p>
+            <a:r>
+              <a:rPr lang="zh-CN" altLang="en-US" sz="2400" dirty="0" smtClean="0">
+                <a:latin typeface="微软雅黑" panose="020B0503020204020204" pitchFamily="34" charset="-122"/>
+                <a:ea typeface="微软雅黑" panose="020B0503020204020204" pitchFamily="34" charset="-122"/>
+              </a:rPr>
+              <a:t>形状选择区</a:t>
+            </a:r>
+            <a:endParaRPr lang="en-US" altLang="zh-CN" sz="2400" dirty="0" smtClean="0">
+              <a:latin typeface="微软雅黑" panose="020B0503020204020204" pitchFamily="34" charset="-122"/>
+              <a:ea typeface="微软雅黑" panose="020B0503020204020204" pitchFamily="34" charset="-122"/>
+            </a:endParaRPr>
+          </a:p>
+          <a:p>
+            <a:r>
+              <a:rPr lang="zh-CN" altLang="en-US" sz="2400" dirty="0" smtClean="0">
+                <a:latin typeface="微软雅黑" panose="020B0503020204020204" pitchFamily="34" charset="-122"/>
+                <a:ea typeface="微软雅黑" panose="020B0503020204020204" pitchFamily="34" charset="-122"/>
+              </a:rPr>
+              <a:t>（矩形，椭圆，三角形，直线，文字，菱形，</a:t>
+            </a:r>
+            <a:endParaRPr lang="en-US" altLang="zh-CN" sz="2400" dirty="0" smtClean="0">
+              <a:latin typeface="微软雅黑" panose="020B0503020204020204" pitchFamily="34" charset="-122"/>
+              <a:ea typeface="微软雅黑" panose="020B0503020204020204" pitchFamily="34" charset="-122"/>
+            </a:endParaRPr>
+          </a:p>
+          <a:p>
+            <a:r>
+              <a:rPr lang="zh-CN" altLang="en-US" sz="2400" dirty="0" smtClean="0">
+                <a:latin typeface="微软雅黑" panose="020B0503020204020204" pitchFamily="34" charset="-122"/>
+                <a:ea typeface="微软雅黑" panose="020B0503020204020204" pitchFamily="34" charset="-122"/>
+              </a:rPr>
+              <a:t>图片）</a:t>
+            </a:r>
+            <a:endParaRPr lang="zh-CN" altLang="en-US" sz="2400" dirty="0">
+              <a:latin typeface="微软雅黑" panose="020B0503020204020204" pitchFamily="34" charset="-122"/>
+              <a:ea typeface="微软雅黑" panose="020B0503020204020204" pitchFamily="34" charset="-122"/>
+            </a:endParaRPr>
+          </a:p>
+        </p:txBody>
+      </p:sp>
+      <p:cxnSp>
+        <p:nvCxnSpPr>
+          <p:cNvPr id="28" name="直接箭头连接符 27"/>
+          <p:cNvCxnSpPr/>
+          <p:nvPr/>
+        </p:nvCxnSpPr>
+        <p:spPr>
+          <a:xfrm flipH="1">
+            <a:off x="4641417" y="1487721"/>
+            <a:ext cx="711078" cy="680698"/>
+          </a:xfrm>
+          <a:prstGeom prst="straightConnector1">
+            <a:avLst/>
+          </a:prstGeom>
+          <a:ln w="25400">
+            <a:solidFill>
+              <a:schemeClr val="accent2"/>
+            </a:solidFill>
+            <a:headEnd w="lg" len="lg"/>
+            <a:tailEnd type="arrow"/>
+          </a:ln>
+        </p:spPr>
+        <p:style>
+          <a:lnRef idx="1">
+            <a:schemeClr val="accent1"/>
+          </a:lnRef>
+          <a:fillRef idx="0">
+            <a:schemeClr val="accent1"/>
+          </a:fillRef>
+          <a:effectRef idx="0">
+            <a:schemeClr val="accent1"/>
+          </a:effectRef>
+          <a:fontRef idx="minor">
+            <a:schemeClr val="tx1"/>
+          </a:fontRef>
+        </p:style>
+      </p:cxnSp>
+      <p:sp>
+        <p:nvSpPr>
+          <p:cNvPr id="29" name="文本框 28"/>
+          <p:cNvSpPr txBox="1"/>
+          <p:nvPr/>
+        </p:nvSpPr>
+        <p:spPr>
+          <a:xfrm>
+            <a:off x="5302898" y="976857"/>
+            <a:ext cx="4122302" cy="461665"/>
+          </a:xfrm>
+          <a:prstGeom prst="rect">
+            <a:avLst/>
+          </a:prstGeom>
+          <a:noFill/>
+        </p:spPr>
+        <p:txBody>
+          <a:bodyPr wrap="square" rtlCol="0">
+            <a:spAutoFit/>
+          </a:bodyPr>
+          <a:lstStyle/>
+          <a:p>
+            <a:r>
+              <a:rPr lang="zh-CN" altLang="en-US" sz="2400" dirty="0" smtClean="0">
+                <a:latin typeface="微软雅黑" panose="020B0503020204020204" pitchFamily="34" charset="-122"/>
+                <a:ea typeface="微软雅黑" panose="020B0503020204020204" pitchFamily="34" charset="-122"/>
+              </a:rPr>
+              <a:t>线条设置，文件选择，清屏</a:t>
+            </a:r>
+            <a:endParaRPr lang="zh-CN" altLang="en-US" sz="2400" dirty="0">
+              <a:latin typeface="微软雅黑" panose="020B0503020204020204" pitchFamily="34" charset="-122"/>
+              <a:ea typeface="微软雅黑" panose="020B0503020204020204" pitchFamily="34" charset="-122"/>
+            </a:endParaRPr>
           </a:p>
         </p:txBody>
       </p:sp>
     </p:spTree>
     <p:extLst>
       <p:ext uri="{BB962C8B-B14F-4D97-AF65-F5344CB8AC3E}">
-        <p14:creationId xmlns:p14="http://schemas.microsoft.com/office/powerpoint/2010/main" val="838931038"/>
+        <p14:creationId xmlns:p14="http://schemas.microsoft.com/office/powerpoint/2010/main" val="3729765208"/>
       </p:ext>
     </p:extLst>
   </p:cSld>
   <p:clrMapOvr>
     <a:masterClrMapping/>
   </p:clrMapOvr>
+  <mc:AlternateContent xmlns:mc="http://schemas.openxmlformats.org/markup-compatibility/2006" xmlns:p14="http://schemas.microsoft.com/office/powerpoint/2010/main">
+    <mc:Choice Requires="p14">
+      <p:transition spd="slow" p14:dur="1600" advClick="0" advTm="2000">
+        <p14:gallery dir="l"/>
+      </p:transition>
+    </mc:Choice>
+    <mc:Fallback xmlns="">
+      <p:transition spd="slow" advClick="0" advTm="2000">
+        <p:fade/>
+      </p:transition>
+    </mc:Fallback>
+  </mc:AlternateContent>
+  <p:timing>
+    <p:tnLst>
+      <p:par>
+        <p:cTn id="1" dur="indefinite" restart="never" nodeType="tmRoot"/>
+      </p:par>
+    </p:tnLst>
+  </p:timing>
 </p:sld>
+</file>
+
+<file path=ppt/slides/slide4.xml><?xml version="1.0" encoding="utf-8"?>
+<p:sld xmlns:a="http://schemas.openxmlformats.org/drawingml/2006/main" xmlns:r="http://schemas.openxmlformats.org/officeDocument/2006/relationships" xmlns:p="http://schemas.openxmlformats.org/presentationml/2006/main" showMasterSp="0">
+  <p:cSld>
+    <p:spTree>
+      <p:nvGrpSpPr>
+        <p:cNvPr id="1" name=""/>
+        <p:cNvGrpSpPr/>
+        <p:nvPr/>
+      </p:nvGrpSpPr>
+      <p:grpSpPr>
+        <a:xfrm>
+          <a:off x="0" y="0"/>
+          <a:ext cx="0" cy="0"/>
+          <a:chOff x="0" y="0"/>
+          <a:chExt cx="0" cy="0"/>
+        </a:xfrm>
+      </p:grpSpPr>
+      <p:grpSp>
+        <p:nvGrpSpPr>
+          <p:cNvPr id="2" name="组合 1">
+            <a:extLst>
+              <a:ext uri="{FF2B5EF4-FFF2-40B4-BE49-F238E27FC236}">
+                <a16:creationId xmlns:a16="http://schemas.microsoft.com/office/drawing/2014/main" id="{CD9D861D-14AD-4E72-9C94-B5DEBD90F086}"/>
+              </a:ext>
+            </a:extLst>
+          </p:cNvPr>
+          <p:cNvGrpSpPr/>
+          <p:nvPr/>
+        </p:nvGrpSpPr>
+        <p:grpSpPr>
+          <a:xfrm>
+            <a:off x="216132" y="230896"/>
+            <a:ext cx="627622" cy="477053"/>
+            <a:chOff x="1634347" y="2691119"/>
+            <a:chExt cx="854931" cy="649830"/>
+          </a:xfrm>
+        </p:grpSpPr>
+        <p:sp>
+          <p:nvSpPr>
+            <p:cNvPr id="3" name="文本框 2">
+              <a:extLst>
+                <a:ext uri="{FF2B5EF4-FFF2-40B4-BE49-F238E27FC236}">
+                  <a16:creationId xmlns:a16="http://schemas.microsoft.com/office/drawing/2014/main" id="{54955C1C-887E-41A0-904F-D16E3E735A83}"/>
+                </a:ext>
+              </a:extLst>
+            </p:cNvPr>
+            <p:cNvSpPr txBox="1"/>
+            <p:nvPr/>
+          </p:nvSpPr>
+          <p:spPr>
+            <a:xfrm>
+              <a:off x="1634347" y="2691119"/>
+              <a:ext cx="854931" cy="628869"/>
+            </a:xfrm>
+            <a:prstGeom prst="rect">
+              <a:avLst/>
+            </a:prstGeom>
+            <a:noFill/>
+          </p:spPr>
+          <p:txBody>
+            <a:bodyPr wrap="square" rtlCol="0">
+              <a:spAutoFit/>
+              <a:scene3d>
+                <a:camera prst="orthographicFront"/>
+                <a:lightRig rig="threePt" dir="t"/>
+              </a:scene3d>
+              <a:sp3d contourW="12700"/>
+            </a:bodyPr>
+            <a:lstStyle/>
+            <a:p>
+              <a:r>
+                <a:rPr lang="en-US" altLang="zh-CN" sz="2400" b="1" dirty="0" smtClean="0">
+                  <a:solidFill>
+                    <a:schemeClr val="tx1">
+                      <a:lumMod val="95000"/>
+                      <a:lumOff val="5000"/>
+                    </a:schemeClr>
+                  </a:solidFill>
+                  <a:latin typeface="Century Gothic" panose="020B0502020202020204" pitchFamily="34" charset="0"/>
+                  <a:ea typeface="迷你简综艺" panose="03000509000000000000" pitchFamily="65" charset="-122"/>
+                </a:rPr>
+                <a:t>03</a:t>
+              </a:r>
+              <a:endParaRPr lang="zh-CN" altLang="en-US" sz="2400" b="1" dirty="0">
+                <a:solidFill>
+                  <a:schemeClr val="tx1">
+                    <a:lumMod val="95000"/>
+                    <a:lumOff val="5000"/>
+                  </a:schemeClr>
+                </a:solidFill>
+                <a:latin typeface="Century Gothic" panose="020B0502020202020204" pitchFamily="34" charset="0"/>
+                <a:ea typeface="迷你简综艺" panose="03000509000000000000" pitchFamily="65" charset="-122"/>
+              </a:endParaRPr>
+            </a:p>
+          </p:txBody>
+        </p:sp>
+        <p:cxnSp>
+          <p:nvCxnSpPr>
+            <p:cNvPr id="4" name="直接连接符 3">
+              <a:extLst>
+                <a:ext uri="{FF2B5EF4-FFF2-40B4-BE49-F238E27FC236}">
+                  <a16:creationId xmlns:a16="http://schemas.microsoft.com/office/drawing/2014/main" id="{4A40D8A2-C871-43A3-85F9-AFDBF9D04AB6}"/>
+                </a:ext>
+              </a:extLst>
+            </p:cNvPr>
+            <p:cNvCxnSpPr/>
+            <p:nvPr/>
+          </p:nvCxnSpPr>
+          <p:spPr>
+            <a:xfrm>
+              <a:off x="2324101" y="2738437"/>
+              <a:ext cx="0" cy="602512"/>
+            </a:xfrm>
+            <a:prstGeom prst="line">
+              <a:avLst/>
+            </a:prstGeom>
+            <a:ln w="12700">
+              <a:solidFill>
+                <a:schemeClr val="bg1">
+                  <a:lumMod val="65000"/>
+                </a:schemeClr>
+              </a:solidFill>
+            </a:ln>
+          </p:spPr>
+          <p:style>
+            <a:lnRef idx="1">
+              <a:schemeClr val="accent1"/>
+            </a:lnRef>
+            <a:fillRef idx="0">
+              <a:schemeClr val="accent1"/>
+            </a:fillRef>
+            <a:effectRef idx="0">
+              <a:schemeClr val="accent1"/>
+            </a:effectRef>
+            <a:fontRef idx="minor">
+              <a:schemeClr val="tx1"/>
+            </a:fontRef>
+          </p:style>
+        </p:cxnSp>
+      </p:grpSp>
+      <p:sp>
+        <p:nvSpPr>
+          <p:cNvPr id="5" name="MH_Entry_2">
+            <a:extLst>
+              <a:ext uri="{FF2B5EF4-FFF2-40B4-BE49-F238E27FC236}">
+                <a16:creationId xmlns:a16="http://schemas.microsoft.com/office/drawing/2014/main" id="{24FC7193-8B9E-4350-97D4-95160D49D230}"/>
+              </a:ext>
+            </a:extLst>
+          </p:cNvPr>
+          <p:cNvSpPr/>
+          <p:nvPr>
+            <p:custDataLst>
+              <p:tags r:id="rId1"/>
+            </p:custDataLst>
+          </p:nvPr>
+        </p:nvSpPr>
+        <p:spPr>
+          <a:xfrm>
+            <a:off x="1015628" y="215506"/>
+            <a:ext cx="2583605" cy="492443"/>
+          </a:xfrm>
+          <a:custGeom>
+            <a:avLst/>
+            <a:gdLst>
+              <a:gd name="connsiteX0" fmla="*/ 0 w 2520280"/>
+              <a:gd name="connsiteY0" fmla="*/ 1584176 h 1872208"/>
+              <a:gd name="connsiteX1" fmla="*/ 2520280 w 2520280"/>
+              <a:gd name="connsiteY1" fmla="*/ 1584176 h 1872208"/>
+              <a:gd name="connsiteX2" fmla="*/ 2520280 w 2520280"/>
+              <a:gd name="connsiteY2" fmla="*/ 1872208 h 1872208"/>
+              <a:gd name="connsiteX3" fmla="*/ 0 w 2520280"/>
+              <a:gd name="connsiteY3" fmla="*/ 1872208 h 1872208"/>
+              <a:gd name="connsiteX4" fmla="*/ 0 w 2520280"/>
+              <a:gd name="connsiteY4" fmla="*/ 1584176 h 1872208"/>
+              <a:gd name="connsiteX5" fmla="*/ 0 w 2520280"/>
+              <a:gd name="connsiteY5" fmla="*/ 0 h 1872208"/>
+              <a:gd name="connsiteX6" fmla="*/ 2520280 w 2520280"/>
+              <a:gd name="connsiteY6" fmla="*/ 0 h 1872208"/>
+              <a:gd name="connsiteX7" fmla="*/ 2520280 w 2520280"/>
+              <a:gd name="connsiteY7" fmla="*/ 288032 h 1872208"/>
+              <a:gd name="connsiteX8" fmla="*/ 0 w 2520280"/>
+              <a:gd name="connsiteY8" fmla="*/ 0 h 1872208"/>
+              <a:gd name="connsiteX0-1" fmla="*/ 0 w 2520280"/>
+              <a:gd name="connsiteY0-2" fmla="*/ 1584176 h 1872208"/>
+              <a:gd name="connsiteX1-3" fmla="*/ 2520280 w 2520280"/>
+              <a:gd name="connsiteY1-4" fmla="*/ 1584176 h 1872208"/>
+              <a:gd name="connsiteX2-5" fmla="*/ 2520280 w 2520280"/>
+              <a:gd name="connsiteY2-6" fmla="*/ 1872208 h 1872208"/>
+              <a:gd name="connsiteX3-7" fmla="*/ 0 w 2520280"/>
+              <a:gd name="connsiteY3-8" fmla="*/ 1872208 h 1872208"/>
+              <a:gd name="connsiteX4-9" fmla="*/ 0 w 2520280"/>
+              <a:gd name="connsiteY4-10" fmla="*/ 1584176 h 1872208"/>
+              <a:gd name="connsiteX5-11" fmla="*/ 0 w 2520280"/>
+              <a:gd name="connsiteY5-12" fmla="*/ 0 h 1872208"/>
+              <a:gd name="connsiteX6-13" fmla="*/ 2520280 w 2520280"/>
+              <a:gd name="connsiteY6-14" fmla="*/ 0 h 1872208"/>
+              <a:gd name="connsiteX7-15" fmla="*/ 0 w 2520280"/>
+              <a:gd name="connsiteY7-16" fmla="*/ 0 h 1872208"/>
+              <a:gd name="connsiteX0-17" fmla="*/ 0 w 2520280"/>
+              <a:gd name="connsiteY0-18" fmla="*/ 1872208 h 1872208"/>
+              <a:gd name="connsiteX1-19" fmla="*/ 2520280 w 2520280"/>
+              <a:gd name="connsiteY1-20" fmla="*/ 1584176 h 1872208"/>
+              <a:gd name="connsiteX2-21" fmla="*/ 2520280 w 2520280"/>
+              <a:gd name="connsiteY2-22" fmla="*/ 1872208 h 1872208"/>
+              <a:gd name="connsiteX3-23" fmla="*/ 0 w 2520280"/>
+              <a:gd name="connsiteY3-24" fmla="*/ 1872208 h 1872208"/>
+              <a:gd name="connsiteX4-25" fmla="*/ 0 w 2520280"/>
+              <a:gd name="connsiteY4-26" fmla="*/ 0 h 1872208"/>
+              <a:gd name="connsiteX5-27" fmla="*/ 2520280 w 2520280"/>
+              <a:gd name="connsiteY5-28" fmla="*/ 0 h 1872208"/>
+              <a:gd name="connsiteX6-29" fmla="*/ 0 w 2520280"/>
+              <a:gd name="connsiteY6-30" fmla="*/ 0 h 1872208"/>
+              <a:gd name="connsiteX0-31" fmla="*/ 0 w 2520280"/>
+              <a:gd name="connsiteY0-32" fmla="*/ 1872208 h 1872208"/>
+              <a:gd name="connsiteX1-33" fmla="*/ 2520280 w 2520280"/>
+              <a:gd name="connsiteY1-34" fmla="*/ 1872208 h 1872208"/>
+              <a:gd name="connsiteX2-35" fmla="*/ 0 w 2520280"/>
+              <a:gd name="connsiteY2-36" fmla="*/ 1872208 h 1872208"/>
+              <a:gd name="connsiteX3-37" fmla="*/ 0 w 2520280"/>
+              <a:gd name="connsiteY3-38" fmla="*/ 0 h 1872208"/>
+              <a:gd name="connsiteX4-39" fmla="*/ 2520280 w 2520280"/>
+              <a:gd name="connsiteY4-40" fmla="*/ 0 h 1872208"/>
+              <a:gd name="connsiteX5-41" fmla="*/ 0 w 2520280"/>
+              <a:gd name="connsiteY5-42" fmla="*/ 0 h 1872208"/>
+              <a:gd name="connsiteX0-43" fmla="*/ 0 w 2520280"/>
+              <a:gd name="connsiteY0-44" fmla="*/ 1872208 h 1872208"/>
+              <a:gd name="connsiteX1-45" fmla="*/ 2520280 w 2520280"/>
+              <a:gd name="connsiteY1-46" fmla="*/ 1872208 h 1872208"/>
+              <a:gd name="connsiteX2-47" fmla="*/ 0 w 2520280"/>
+              <a:gd name="connsiteY2-48" fmla="*/ 1872208 h 1872208"/>
+              <a:gd name="connsiteX3-49" fmla="*/ 0 w 2520280"/>
+              <a:gd name="connsiteY3-50" fmla="*/ 0 h 1872208"/>
+              <a:gd name="connsiteX4-51" fmla="*/ 34255 w 2520280"/>
+              <a:gd name="connsiteY4-52" fmla="*/ 0 h 1872208"/>
+              <a:gd name="connsiteX5-53" fmla="*/ 0 w 2520280"/>
+              <a:gd name="connsiteY5-54" fmla="*/ 0 h 1872208"/>
+              <a:gd name="connsiteX0-55" fmla="*/ 0 w 2520280"/>
+              <a:gd name="connsiteY0-56" fmla="*/ 1872208 h 1872208"/>
+              <a:gd name="connsiteX1-57" fmla="*/ 2520280 w 2520280"/>
+              <a:gd name="connsiteY1-58" fmla="*/ 1872208 h 1872208"/>
+              <a:gd name="connsiteX2-59" fmla="*/ 0 w 2520280"/>
+              <a:gd name="connsiteY2-60" fmla="*/ 1872208 h 1872208"/>
+              <a:gd name="connsiteX3-61" fmla="*/ 0 w 2520280"/>
+              <a:gd name="connsiteY3-62" fmla="*/ 0 h 1872208"/>
+              <a:gd name="connsiteX4-63" fmla="*/ 917 w 2520280"/>
+              <a:gd name="connsiteY4-64" fmla="*/ 6036 h 1872208"/>
+              <a:gd name="connsiteX5-65" fmla="*/ 0 w 2520280"/>
+              <a:gd name="connsiteY5-66" fmla="*/ 0 h 1872208"/>
+              <a:gd name="connsiteX0-67" fmla="*/ 0 w 2520280"/>
+              <a:gd name="connsiteY0-68" fmla="*/ 1890314 h 1890314"/>
+              <a:gd name="connsiteX1-69" fmla="*/ 2520280 w 2520280"/>
+              <a:gd name="connsiteY1-70" fmla="*/ 1890314 h 1890314"/>
+              <a:gd name="connsiteX2-71" fmla="*/ 0 w 2520280"/>
+              <a:gd name="connsiteY2-72" fmla="*/ 1890314 h 1890314"/>
+              <a:gd name="connsiteX3-73" fmla="*/ 0 w 2520280"/>
+              <a:gd name="connsiteY3-74" fmla="*/ 18106 h 1890314"/>
+              <a:gd name="connsiteX4-75" fmla="*/ 53304 w 2520280"/>
+              <a:gd name="connsiteY4-76" fmla="*/ 0 h 1890314"/>
+              <a:gd name="connsiteX5-77" fmla="*/ 0 w 2520280"/>
+              <a:gd name="connsiteY5-78" fmla="*/ 18106 h 1890314"/>
+              <a:gd name="connsiteX0-79" fmla="*/ 0 w 2520280"/>
+              <a:gd name="connsiteY0-80" fmla="*/ 1872208 h 1872208"/>
+              <a:gd name="connsiteX1-81" fmla="*/ 2520280 w 2520280"/>
+              <a:gd name="connsiteY1-82" fmla="*/ 1872208 h 1872208"/>
+              <a:gd name="connsiteX2-83" fmla="*/ 0 w 2520280"/>
+              <a:gd name="connsiteY2-84" fmla="*/ 1872208 h 1872208"/>
+              <a:gd name="connsiteX3-85" fmla="*/ 0 w 2520280"/>
+              <a:gd name="connsiteY3-86" fmla="*/ 0 h 1872208"/>
+              <a:gd name="connsiteX4-87" fmla="*/ 916 w 2520280"/>
+              <a:gd name="connsiteY4-88" fmla="*/ 0 h 1872208"/>
+              <a:gd name="connsiteX5-89" fmla="*/ 0 w 2520280"/>
+              <a:gd name="connsiteY5-90" fmla="*/ 0 h 1872208"/>
+            </a:gdLst>
+            <a:ahLst/>
+            <a:cxnLst>
+              <a:cxn ang="0">
+                <a:pos x="connsiteX0-1" y="connsiteY0-2"/>
+              </a:cxn>
+              <a:cxn ang="0">
+                <a:pos x="connsiteX1-3" y="connsiteY1-4"/>
+              </a:cxn>
+              <a:cxn ang="0">
+                <a:pos x="connsiteX2-5" y="connsiteY2-6"/>
+              </a:cxn>
+              <a:cxn ang="0">
+                <a:pos x="connsiteX3-7" y="connsiteY3-8"/>
+              </a:cxn>
+              <a:cxn ang="0">
+                <a:pos x="connsiteX4-9" y="connsiteY4-10"/>
+              </a:cxn>
+              <a:cxn ang="0">
+                <a:pos x="connsiteX5-11" y="connsiteY5-12"/>
+              </a:cxn>
+            </a:cxnLst>
+            <a:rect l="l" t="t" r="r" b="b"/>
+            <a:pathLst>
+              <a:path w="2520280" h="1872208">
+                <a:moveTo>
+                  <a:pt x="0" y="1872208"/>
+                </a:moveTo>
+                <a:lnTo>
+                  <a:pt x="2520280" y="1872208"/>
+                </a:lnTo>
+                <a:lnTo>
+                  <a:pt x="0" y="1872208"/>
+                </a:lnTo>
+                <a:close/>
+                <a:moveTo>
+                  <a:pt x="0" y="0"/>
+                </a:moveTo>
+                <a:lnTo>
+                  <a:pt x="916" y="0"/>
+                </a:lnTo>
+                <a:lnTo>
+                  <a:pt x="0" y="0"/>
+                </a:lnTo>
+                <a:close/>
+              </a:path>
+            </a:pathLst>
+          </a:custGeom>
+          <a:noFill/>
+          <a:ln w="3175" cap="sq">
+            <a:noFill/>
+            <a:bevel/>
+          </a:ln>
+        </p:spPr>
+        <p:style>
+          <a:lnRef idx="2">
+            <a:schemeClr val="accent1">
+              <a:shade val="50000"/>
+            </a:schemeClr>
+          </a:lnRef>
+          <a:fillRef idx="1">
+            <a:schemeClr val="accent1"/>
+          </a:fillRef>
+          <a:effectRef idx="0">
+            <a:schemeClr val="accent1"/>
+          </a:effectRef>
+          <a:fontRef idx="minor">
+            <a:schemeClr val="lt1"/>
+          </a:fontRef>
+        </p:style>
+        <p:txBody>
+          <a:bodyPr rot="0" spcFirstLastPara="0" vertOverflow="overflow" horzOverflow="overflow" vert="horz" wrap="square" lIns="0" tIns="0" rIns="0" bIns="0" numCol="1" spcCol="0" rtlCol="0" fromWordArt="0" anchor="ctr" anchorCtr="0" forceAA="0" compatLnSpc="1">
+            <a:spAutoFit/>
+          </a:bodyPr>
+          <a:lstStyle/>
+          <a:p>
+            <a:pPr defTabSz="852086" fontAlgn="base">
+              <a:spcBef>
+                <a:spcPct val="0"/>
+              </a:spcBef>
+              <a:spcAft>
+                <a:spcPct val="0"/>
+              </a:spcAft>
+            </a:pPr>
+            <a:r>
+              <a:rPr lang="zh-CN" altLang="en-US" sz="3200" dirty="0" smtClean="0">
+                <a:solidFill>
+                  <a:schemeClr val="tx1">
+                    <a:lumMod val="95000"/>
+                    <a:lumOff val="5000"/>
+                  </a:schemeClr>
+                </a:solidFill>
+                <a:latin typeface="微软雅黑" panose="020B0503020204020204" pitchFamily="34" charset="-122"/>
+                <a:ea typeface="微软雅黑" panose="020B0503020204020204" pitchFamily="34" charset="-122"/>
+                <a:sym typeface="Arial" panose="020B0604020202020204" pitchFamily="34" charset="0"/>
+              </a:rPr>
+              <a:t>布局设计</a:t>
+            </a:r>
+            <a:endParaRPr lang="zh-CN" altLang="en-US" sz="3200" dirty="0">
+              <a:solidFill>
+                <a:schemeClr val="tx1">
+                  <a:lumMod val="95000"/>
+                  <a:lumOff val="5000"/>
+                </a:schemeClr>
+              </a:solidFill>
+              <a:latin typeface="微软雅黑" panose="020B0503020204020204" pitchFamily="34" charset="-122"/>
+              <a:ea typeface="微软雅黑" panose="020B0503020204020204" pitchFamily="34" charset="-122"/>
+              <a:sym typeface="Arial" panose="020B0604020202020204" pitchFamily="34" charset="0"/>
+            </a:endParaRPr>
+          </a:p>
+        </p:txBody>
+      </p:sp>
+      <p:cxnSp>
+        <p:nvCxnSpPr>
+          <p:cNvPr id="9" name="直接连接符 8">
+            <a:extLst>
+              <a:ext uri="{FF2B5EF4-FFF2-40B4-BE49-F238E27FC236}">
+                <a16:creationId xmlns:a16="http://schemas.microsoft.com/office/drawing/2014/main" id="{17F0C592-CD4A-43EC-B0A9-3B9DF01627A3}"/>
+              </a:ext>
+            </a:extLst>
+          </p:cNvPr>
+          <p:cNvCxnSpPr/>
+          <p:nvPr/>
+        </p:nvCxnSpPr>
+        <p:spPr>
+          <a:xfrm>
+            <a:off x="0" y="837274"/>
+            <a:ext cx="12266579" cy="0"/>
+          </a:xfrm>
+          <a:prstGeom prst="line">
+            <a:avLst/>
+          </a:prstGeom>
+          <a:ln w="19050">
+            <a:solidFill>
+              <a:schemeClr val="bg1">
+                <a:lumMod val="85000"/>
+              </a:schemeClr>
+            </a:solidFill>
+          </a:ln>
+        </p:spPr>
+        <p:style>
+          <a:lnRef idx="1">
+            <a:schemeClr val="accent1"/>
+          </a:lnRef>
+          <a:fillRef idx="0">
+            <a:schemeClr val="accent1"/>
+          </a:fillRef>
+          <a:effectRef idx="0">
+            <a:schemeClr val="accent1"/>
+          </a:effectRef>
+          <a:fontRef idx="minor">
+            <a:schemeClr val="tx1"/>
+          </a:fontRef>
+        </p:style>
+      </p:cxnSp>
+      <p:pic>
+        <p:nvPicPr>
+          <p:cNvPr id="20" name="图片 19"/>
+          <p:cNvPicPr>
+            <a:picLocks noChangeAspect="1"/>
+          </p:cNvPicPr>
+          <p:nvPr/>
+        </p:nvPicPr>
+        <p:blipFill>
+          <a:blip r:embed="rId4">
+            <a:extLst>
+              <a:ext uri="{28A0092B-C50C-407E-A947-70E740481C1C}">
+                <a14:useLocalDpi xmlns:a14="http://schemas.microsoft.com/office/drawing/2010/main" val="0"/>
+              </a:ext>
+            </a:extLst>
+          </a:blip>
+          <a:stretch>
+            <a:fillRect/>
+          </a:stretch>
+        </p:blipFill>
+        <p:spPr>
+          <a:xfrm>
+            <a:off x="9707907" y="9298"/>
+            <a:ext cx="2484093" cy="1397302"/>
+          </a:xfrm>
+          <a:prstGeom prst="rect">
+            <a:avLst/>
+          </a:prstGeom>
+        </p:spPr>
+      </p:pic>
+      <p:pic>
+        <p:nvPicPr>
+          <p:cNvPr id="6" name="图片 5"/>
+          <p:cNvPicPr>
+            <a:picLocks noChangeAspect="1"/>
+          </p:cNvPicPr>
+          <p:nvPr/>
+        </p:nvPicPr>
+        <p:blipFill>
+          <a:blip r:embed="rId5">
+            <a:extLst>
+              <a:ext uri="{28A0092B-C50C-407E-A947-70E740481C1C}">
+                <a14:useLocalDpi xmlns:a14="http://schemas.microsoft.com/office/drawing/2010/main" val="0"/>
+              </a:ext>
+            </a:extLst>
+          </a:blip>
+          <a:stretch>
+            <a:fillRect/>
+          </a:stretch>
+        </p:blipFill>
+        <p:spPr>
+          <a:xfrm>
+            <a:off x="204877" y="1774906"/>
+            <a:ext cx="5373837" cy="3661548"/>
+          </a:xfrm>
+          <a:prstGeom prst="rect">
+            <a:avLst/>
+          </a:prstGeom>
+        </p:spPr>
+      </p:pic>
+      <p:grpSp>
+        <p:nvGrpSpPr>
+          <p:cNvPr id="13" name="组合 12"/>
+          <p:cNvGrpSpPr/>
+          <p:nvPr/>
+        </p:nvGrpSpPr>
+        <p:grpSpPr>
+          <a:xfrm>
+            <a:off x="5860914" y="2388416"/>
+            <a:ext cx="6405665" cy="3813802"/>
+            <a:chOff x="5810187" y="3044198"/>
+            <a:chExt cx="6405665" cy="3813802"/>
+          </a:xfrm>
+        </p:grpSpPr>
+        <p:grpSp>
+          <p:nvGrpSpPr>
+            <p:cNvPr id="11" name="组合 10"/>
+            <p:cNvGrpSpPr/>
+            <p:nvPr/>
+          </p:nvGrpSpPr>
+          <p:grpSpPr>
+            <a:xfrm>
+              <a:off x="5810187" y="3044198"/>
+              <a:ext cx="5797953" cy="3813802"/>
+              <a:chOff x="5985678" y="1665251"/>
+              <a:chExt cx="5797953" cy="3813802"/>
+            </a:xfrm>
+          </p:grpSpPr>
+          <p:sp>
+            <p:nvSpPr>
+              <p:cNvPr id="7" name="矩形 6"/>
+              <p:cNvSpPr/>
+              <p:nvPr/>
+            </p:nvSpPr>
+            <p:spPr>
+              <a:xfrm>
+                <a:off x="5985678" y="1665251"/>
+                <a:ext cx="5428034" cy="3686783"/>
+              </a:xfrm>
+              <a:prstGeom prst="rect">
+                <a:avLst/>
+              </a:prstGeom>
+              <a:solidFill>
+                <a:schemeClr val="accent1">
+                  <a:lumMod val="20000"/>
+                  <a:lumOff val="80000"/>
+                </a:schemeClr>
+              </a:solidFill>
+            </p:spPr>
+            <p:style>
+              <a:lnRef idx="2">
+                <a:schemeClr val="accent1">
+                  <a:shade val="50000"/>
+                </a:schemeClr>
+              </a:lnRef>
+              <a:fillRef idx="1">
+                <a:schemeClr val="accent1"/>
+              </a:fillRef>
+              <a:effectRef idx="0">
+                <a:schemeClr val="accent1"/>
+              </a:effectRef>
+              <a:fontRef idx="minor">
+                <a:schemeClr val="lt1"/>
+              </a:fontRef>
+            </p:style>
+            <p:txBody>
+              <a:bodyPr rtlCol="0" anchor="ctr"/>
+              <a:lstStyle/>
+              <a:p>
+                <a:pPr algn="ctr"/>
+                <a:endParaRPr lang="zh-CN" altLang="en-US"/>
+              </a:p>
+            </p:txBody>
+          </p:sp>
+          <p:sp>
+            <p:nvSpPr>
+              <p:cNvPr id="8" name="矩形 7"/>
+              <p:cNvSpPr/>
+              <p:nvPr/>
+            </p:nvSpPr>
+            <p:spPr>
+              <a:xfrm>
+                <a:off x="6449438" y="2174389"/>
+                <a:ext cx="4500515" cy="349773"/>
+              </a:xfrm>
+              <a:prstGeom prst="rect">
+                <a:avLst/>
+              </a:prstGeom>
+            </p:spPr>
+            <p:style>
+              <a:lnRef idx="2">
+                <a:schemeClr val="accent1">
+                  <a:shade val="50000"/>
+                </a:schemeClr>
+              </a:lnRef>
+              <a:fillRef idx="1">
+                <a:schemeClr val="accent1"/>
+              </a:fillRef>
+              <a:effectRef idx="0">
+                <a:schemeClr val="accent1"/>
+              </a:effectRef>
+              <a:fontRef idx="minor">
+                <a:schemeClr val="lt1"/>
+              </a:fontRef>
+            </p:style>
+            <p:txBody>
+              <a:bodyPr rtlCol="0" anchor="ctr"/>
+              <a:lstStyle/>
+              <a:p>
+                <a:pPr algn="ctr"/>
+                <a:endParaRPr lang="zh-CN" altLang="en-US"/>
+              </a:p>
+            </p:txBody>
+          </p:sp>
+          <p:sp>
+            <p:nvSpPr>
+              <p:cNvPr id="12" name="文本框 11"/>
+              <p:cNvSpPr txBox="1"/>
+              <p:nvPr/>
+            </p:nvSpPr>
+            <p:spPr>
+              <a:xfrm>
+                <a:off x="8067665" y="2139488"/>
+                <a:ext cx="3715966" cy="369332"/>
+              </a:xfrm>
+              <a:prstGeom prst="rect">
+                <a:avLst/>
+              </a:prstGeom>
+              <a:noFill/>
+            </p:spPr>
+            <p:txBody>
+              <a:bodyPr wrap="square" rtlCol="0">
+                <a:spAutoFit/>
+              </a:bodyPr>
+              <a:lstStyle/>
+              <a:p>
+                <a:r>
+                  <a:rPr lang="en-US" altLang="zh-CN" dirty="0" err="1" smtClean="0"/>
+                  <a:t>ToolBar</a:t>
+                </a:r>
+                <a:endParaRPr lang="zh-CN" altLang="en-US" dirty="0"/>
+              </a:p>
+            </p:txBody>
+          </p:sp>
+          <p:sp>
+            <p:nvSpPr>
+              <p:cNvPr id="18" name="矩形 17"/>
+              <p:cNvSpPr/>
+              <p:nvPr/>
+            </p:nvSpPr>
+            <p:spPr>
+              <a:xfrm>
+                <a:off x="6449438" y="2711500"/>
+                <a:ext cx="4500515" cy="2438545"/>
+              </a:xfrm>
+              <a:prstGeom prst="rect">
+                <a:avLst/>
+              </a:prstGeom>
+              <a:solidFill>
+                <a:schemeClr val="accent3">
+                  <a:lumMod val="60000"/>
+                  <a:lumOff val="40000"/>
+                </a:schemeClr>
+              </a:solidFill>
+            </p:spPr>
+            <p:style>
+              <a:lnRef idx="2">
+                <a:schemeClr val="accent1">
+                  <a:shade val="50000"/>
+                </a:schemeClr>
+              </a:lnRef>
+              <a:fillRef idx="1">
+                <a:schemeClr val="accent1"/>
+              </a:fillRef>
+              <a:effectRef idx="0">
+                <a:schemeClr val="accent1"/>
+              </a:effectRef>
+              <a:fontRef idx="minor">
+                <a:schemeClr val="lt1"/>
+              </a:fontRef>
+            </p:style>
+            <p:txBody>
+              <a:bodyPr rtlCol="0" anchor="ctr"/>
+              <a:lstStyle/>
+              <a:p>
+                <a:pPr algn="ctr"/>
+                <a:endParaRPr lang="zh-CN" altLang="en-US"/>
+              </a:p>
+            </p:txBody>
+          </p:sp>
+          <p:sp>
+            <p:nvSpPr>
+              <p:cNvPr id="15" name="矩形 14"/>
+              <p:cNvSpPr/>
+              <p:nvPr/>
+            </p:nvSpPr>
+            <p:spPr>
+              <a:xfrm>
+                <a:off x="10126494" y="2823416"/>
+                <a:ext cx="710119" cy="2237362"/>
+              </a:xfrm>
+              <a:prstGeom prst="rect">
+                <a:avLst/>
+              </a:prstGeom>
+              <a:solidFill>
+                <a:schemeClr val="accent4"/>
+              </a:solidFill>
+            </p:spPr>
+            <p:style>
+              <a:lnRef idx="2">
+                <a:schemeClr val="accent1">
+                  <a:shade val="50000"/>
+                </a:schemeClr>
+              </a:lnRef>
+              <a:fillRef idx="1">
+                <a:schemeClr val="accent1"/>
+              </a:fillRef>
+              <a:effectRef idx="0">
+                <a:schemeClr val="accent1"/>
+              </a:effectRef>
+              <a:fontRef idx="minor">
+                <a:schemeClr val="lt1"/>
+              </a:fontRef>
+            </p:style>
+            <p:txBody>
+              <a:bodyPr rtlCol="0" anchor="ctr"/>
+              <a:lstStyle/>
+              <a:p>
+                <a:pPr algn="ctr"/>
+                <a:endParaRPr lang="zh-CN" altLang="en-US"/>
+              </a:p>
+            </p:txBody>
+          </p:sp>
+          <p:sp>
+            <p:nvSpPr>
+              <p:cNvPr id="16" name="文本框 15"/>
+              <p:cNvSpPr txBox="1"/>
+              <p:nvPr/>
+            </p:nvSpPr>
+            <p:spPr>
+              <a:xfrm>
+                <a:off x="10340502" y="3448455"/>
+                <a:ext cx="486383" cy="369332"/>
+              </a:xfrm>
+              <a:prstGeom prst="rect">
+                <a:avLst/>
+              </a:prstGeom>
+              <a:noFill/>
+            </p:spPr>
+            <p:txBody>
+              <a:bodyPr wrap="square" rtlCol="0">
+                <a:spAutoFit/>
+              </a:bodyPr>
+              <a:lstStyle/>
+              <a:p>
+                <a:endParaRPr lang="zh-CN" altLang="en-US" dirty="0"/>
+              </a:p>
+            </p:txBody>
+          </p:sp>
+          <p:sp>
+            <p:nvSpPr>
+              <p:cNvPr id="17" name="文本框 16"/>
+              <p:cNvSpPr txBox="1"/>
+              <p:nvPr/>
+            </p:nvSpPr>
+            <p:spPr>
+              <a:xfrm>
+                <a:off x="10251880" y="3294802"/>
+                <a:ext cx="461665" cy="2184251"/>
+              </a:xfrm>
+              <a:prstGeom prst="rect">
+                <a:avLst/>
+              </a:prstGeom>
+              <a:noFill/>
+            </p:spPr>
+            <p:txBody>
+              <a:bodyPr vert="eaVert" wrap="square" rtlCol="0">
+                <a:spAutoFit/>
+              </a:bodyPr>
+              <a:lstStyle/>
+              <a:p>
+                <a:r>
+                  <a:rPr lang="en-US" altLang="zh-CN" dirty="0" err="1"/>
+                  <a:t>gridLayout</a:t>
+                </a:r>
+                <a:endParaRPr lang="zh-CN" altLang="en-US" dirty="0"/>
+              </a:p>
+            </p:txBody>
+          </p:sp>
+          <p:sp>
+            <p:nvSpPr>
+              <p:cNvPr id="19" name="文本框 18"/>
+              <p:cNvSpPr txBox="1"/>
+              <p:nvPr/>
+            </p:nvSpPr>
+            <p:spPr>
+              <a:xfrm>
+                <a:off x="6982786" y="4666948"/>
+                <a:ext cx="2772383" cy="369332"/>
+              </a:xfrm>
+              <a:prstGeom prst="rect">
+                <a:avLst/>
+              </a:prstGeom>
+              <a:noFill/>
+            </p:spPr>
+            <p:txBody>
+              <a:bodyPr wrap="square" rtlCol="0">
+                <a:spAutoFit/>
+              </a:bodyPr>
+              <a:lstStyle/>
+              <a:p>
+                <a:r>
+                  <a:rPr lang="en-US" altLang="zh-CN" dirty="0" err="1" smtClean="0"/>
+                  <a:t>VLayout</a:t>
+                </a:r>
+                <a:endParaRPr lang="zh-CN" altLang="en-US" dirty="0"/>
+              </a:p>
+            </p:txBody>
+          </p:sp>
+          <p:sp>
+            <p:nvSpPr>
+              <p:cNvPr id="21" name="矩形 20"/>
+              <p:cNvSpPr/>
+              <p:nvPr/>
+            </p:nvSpPr>
+            <p:spPr>
+              <a:xfrm>
+                <a:off x="6634264" y="2874443"/>
+                <a:ext cx="3378666" cy="1792505"/>
+              </a:xfrm>
+              <a:prstGeom prst="rect">
+                <a:avLst/>
+              </a:prstGeom>
+              <a:solidFill>
+                <a:srgbClr val="1D92D3"/>
+              </a:solidFill>
+            </p:spPr>
+            <p:style>
+              <a:lnRef idx="2">
+                <a:schemeClr val="accent1">
+                  <a:shade val="50000"/>
+                </a:schemeClr>
+              </a:lnRef>
+              <a:fillRef idx="1">
+                <a:schemeClr val="accent1"/>
+              </a:fillRef>
+              <a:effectRef idx="0">
+                <a:schemeClr val="accent1"/>
+              </a:effectRef>
+              <a:fontRef idx="minor">
+                <a:schemeClr val="lt1"/>
+              </a:fontRef>
+            </p:style>
+            <p:txBody>
+              <a:bodyPr rtlCol="0" anchor="ctr"/>
+              <a:lstStyle/>
+              <a:p>
+                <a:pPr algn="ctr"/>
+                <a:endParaRPr lang="zh-CN" altLang="en-US"/>
+              </a:p>
+            </p:txBody>
+          </p:sp>
+          <p:sp>
+            <p:nvSpPr>
+              <p:cNvPr id="25" name="文本框 24"/>
+              <p:cNvSpPr txBox="1"/>
+              <p:nvPr/>
+            </p:nvSpPr>
+            <p:spPr>
+              <a:xfrm>
+                <a:off x="6982786" y="3633121"/>
+                <a:ext cx="2511522" cy="369332"/>
+              </a:xfrm>
+              <a:prstGeom prst="rect">
+                <a:avLst/>
+              </a:prstGeom>
+              <a:noFill/>
+            </p:spPr>
+            <p:txBody>
+              <a:bodyPr wrap="square" rtlCol="0">
+                <a:spAutoFit/>
+              </a:bodyPr>
+              <a:lstStyle/>
+              <a:p>
+                <a:r>
+                  <a:rPr lang="en-US" altLang="zh-CN" dirty="0" err="1" smtClean="0"/>
+                  <a:t>CenterFrame</a:t>
+                </a:r>
+                <a:endParaRPr lang="zh-CN" altLang="en-US" dirty="0"/>
+              </a:p>
+            </p:txBody>
+          </p:sp>
+        </p:grpSp>
+        <p:sp>
+          <p:nvSpPr>
+            <p:cNvPr id="10" name="文本框 9"/>
+            <p:cNvSpPr txBox="1"/>
+            <p:nvPr/>
+          </p:nvSpPr>
+          <p:spPr>
+            <a:xfrm>
+              <a:off x="7686154" y="3128046"/>
+              <a:ext cx="4529698" cy="369332"/>
+            </a:xfrm>
+            <a:prstGeom prst="rect">
+              <a:avLst/>
+            </a:prstGeom>
+            <a:noFill/>
+          </p:spPr>
+          <p:txBody>
+            <a:bodyPr wrap="square" rtlCol="0">
+              <a:spAutoFit/>
+            </a:bodyPr>
+            <a:lstStyle/>
+            <a:p>
+              <a:r>
+                <a:rPr lang="en-US" altLang="zh-CN" dirty="0" err="1" smtClean="0"/>
+                <a:t>MainWindow</a:t>
+              </a:r>
+              <a:endParaRPr lang="zh-CN" altLang="en-US" dirty="0"/>
+            </a:p>
+          </p:txBody>
+        </p:sp>
+      </p:grpSp>
+      <p:sp>
+        <p:nvSpPr>
+          <p:cNvPr id="14" name="文本框 13"/>
+          <p:cNvSpPr txBox="1"/>
+          <p:nvPr/>
+        </p:nvSpPr>
+        <p:spPr>
+          <a:xfrm>
+            <a:off x="5671127" y="1313241"/>
+            <a:ext cx="5504873" cy="923330"/>
+          </a:xfrm>
+          <a:prstGeom prst="rect">
+            <a:avLst/>
+          </a:prstGeom>
+          <a:noFill/>
+        </p:spPr>
+        <p:txBody>
+          <a:bodyPr wrap="square" rtlCol="0">
+            <a:spAutoFit/>
+          </a:bodyPr>
+          <a:lstStyle/>
+          <a:p>
+            <a:r>
+              <a:rPr lang="en-US" altLang="zh-CN" dirty="0" err="1" smtClean="0">
+                <a:latin typeface="微软雅黑" panose="020B0503020204020204" pitchFamily="34" charset="-122"/>
+                <a:ea typeface="微软雅黑" panose="020B0503020204020204" pitchFamily="34" charset="-122"/>
+              </a:rPr>
+              <a:t>Tips:MainWindow</a:t>
+            </a:r>
+            <a:r>
+              <a:rPr lang="zh-CN" altLang="en-US" dirty="0" smtClean="0">
+                <a:latin typeface="微软雅黑" panose="020B0503020204020204" pitchFamily="34" charset="-122"/>
+                <a:ea typeface="微软雅黑" panose="020B0503020204020204" pitchFamily="34" charset="-122"/>
+              </a:rPr>
+              <a:t>自带窗口布局</a:t>
+            </a:r>
+            <a:endParaRPr lang="en-US" altLang="zh-CN" dirty="0" smtClean="0">
+              <a:latin typeface="微软雅黑" panose="020B0503020204020204" pitchFamily="34" charset="-122"/>
+              <a:ea typeface="微软雅黑" panose="020B0503020204020204" pitchFamily="34" charset="-122"/>
+            </a:endParaRPr>
+          </a:p>
+          <a:p>
+            <a:r>
+              <a:rPr lang="en-US" altLang="zh-CN" dirty="0">
+                <a:latin typeface="微软雅黑" panose="020B0503020204020204" pitchFamily="34" charset="-122"/>
+                <a:ea typeface="微软雅黑" panose="020B0503020204020204" pitchFamily="34" charset="-122"/>
+              </a:rPr>
+              <a:t>	</a:t>
+            </a:r>
+            <a:r>
+              <a:rPr lang="zh-CN" altLang="en-US" dirty="0" smtClean="0">
+                <a:latin typeface="微软雅黑" panose="020B0503020204020204" pitchFamily="34" charset="-122"/>
+                <a:ea typeface="微软雅黑" panose="020B0503020204020204" pitchFamily="34" charset="-122"/>
+              </a:rPr>
+              <a:t>用户若需自定义布局则可在窗口布局中嵌套布局</a:t>
+            </a:r>
+            <a:endParaRPr lang="en-US" altLang="zh-CN" dirty="0" smtClean="0">
+              <a:latin typeface="微软雅黑" panose="020B0503020204020204" pitchFamily="34" charset="-122"/>
+              <a:ea typeface="微软雅黑" panose="020B0503020204020204" pitchFamily="34" charset="-122"/>
+            </a:endParaRPr>
+          </a:p>
+          <a:p>
+            <a:r>
+              <a:rPr lang="en-US" altLang="zh-CN" dirty="0">
+                <a:latin typeface="微软雅黑" panose="020B0503020204020204" pitchFamily="34" charset="-122"/>
+                <a:ea typeface="微软雅黑" panose="020B0503020204020204" pitchFamily="34" charset="-122"/>
+              </a:rPr>
+              <a:t>	</a:t>
+            </a:r>
+            <a:r>
+              <a:rPr lang="zh-CN" altLang="en-US" dirty="0" smtClean="0">
+                <a:latin typeface="微软雅黑" panose="020B0503020204020204" pitchFamily="34" charset="-122"/>
+                <a:ea typeface="微软雅黑" panose="020B0503020204020204" pitchFamily="34" charset="-122"/>
+              </a:rPr>
+              <a:t>本实验设计为在中心窗口中添加布局</a:t>
+            </a:r>
+            <a:endParaRPr lang="zh-CN" altLang="en-US" dirty="0">
+              <a:latin typeface="微软雅黑" panose="020B0503020204020204" pitchFamily="34" charset="-122"/>
+              <a:ea typeface="微软雅黑" panose="020B0503020204020204" pitchFamily="34" charset="-122"/>
+            </a:endParaRPr>
+          </a:p>
+        </p:txBody>
+      </p:sp>
+    </p:spTree>
+    <p:extLst>
+      <p:ext uri="{BB962C8B-B14F-4D97-AF65-F5344CB8AC3E}">
+        <p14:creationId xmlns:p14="http://schemas.microsoft.com/office/powerpoint/2010/main" val="1517896125"/>
+      </p:ext>
+    </p:extLst>
+  </p:cSld>
+  <p:clrMapOvr>
+    <a:masterClrMapping/>
+  </p:clrMapOvr>
+  <mc:AlternateContent xmlns:mc="http://schemas.openxmlformats.org/markup-compatibility/2006" xmlns:p14="http://schemas.microsoft.com/office/powerpoint/2010/main">
+    <mc:Choice Requires="p14">
+      <p:transition spd="slow" p14:dur="1600" advClick="0" advTm="2000">
+        <p14:gallery dir="l"/>
+      </p:transition>
+    </mc:Choice>
+    <mc:Fallback xmlns="">
+      <p:transition spd="slow" advClick="0" advTm="2000">
+        <p:fade/>
+      </p:transition>
+    </mc:Fallback>
+  </mc:AlternateContent>
+  <p:timing>
+    <p:tnLst>
+      <p:par>
+        <p:cTn id="1" dur="indefinite" restart="never" nodeType="tmRoot"/>
+      </p:par>
+    </p:tnLst>
+  </p:timing>
+</p:sld>
+</file>
+
+<file path=ppt/slides/slide5.xml><?xml version="1.0" encoding="utf-8"?>
+<p:sld xmlns:a="http://schemas.openxmlformats.org/drawingml/2006/main" xmlns:r="http://schemas.openxmlformats.org/officeDocument/2006/relationships" xmlns:p="http://schemas.openxmlformats.org/presentationml/2006/main" showMasterSp="0">
+  <p:cSld>
+    <p:spTree>
+      <p:nvGrpSpPr>
+        <p:cNvPr id="1" name=""/>
+        <p:cNvGrpSpPr/>
+        <p:nvPr/>
+      </p:nvGrpSpPr>
+      <p:grpSpPr>
+        <a:xfrm>
+          <a:off x="0" y="0"/>
+          <a:ext cx="0" cy="0"/>
+          <a:chOff x="0" y="0"/>
+          <a:chExt cx="0" cy="0"/>
+        </a:xfrm>
+      </p:grpSpPr>
+      <p:grpSp>
+        <p:nvGrpSpPr>
+          <p:cNvPr id="2" name="组合 1">
+            <a:extLst>
+              <a:ext uri="{FF2B5EF4-FFF2-40B4-BE49-F238E27FC236}">
+                <a16:creationId xmlns:a16="http://schemas.microsoft.com/office/drawing/2014/main" id="{CD9D861D-14AD-4E72-9C94-B5DEBD90F086}"/>
+              </a:ext>
+            </a:extLst>
+          </p:cNvPr>
+          <p:cNvGrpSpPr/>
+          <p:nvPr/>
+        </p:nvGrpSpPr>
+        <p:grpSpPr>
+          <a:xfrm>
+            <a:off x="216132" y="230896"/>
+            <a:ext cx="627622" cy="477053"/>
+            <a:chOff x="1634347" y="2691119"/>
+            <a:chExt cx="854931" cy="649830"/>
+          </a:xfrm>
+        </p:grpSpPr>
+        <p:sp>
+          <p:nvSpPr>
+            <p:cNvPr id="3" name="文本框 2">
+              <a:extLst>
+                <a:ext uri="{FF2B5EF4-FFF2-40B4-BE49-F238E27FC236}">
+                  <a16:creationId xmlns:a16="http://schemas.microsoft.com/office/drawing/2014/main" id="{54955C1C-887E-41A0-904F-D16E3E735A83}"/>
+                </a:ext>
+              </a:extLst>
+            </p:cNvPr>
+            <p:cNvSpPr txBox="1"/>
+            <p:nvPr/>
+          </p:nvSpPr>
+          <p:spPr>
+            <a:xfrm>
+              <a:off x="1634347" y="2691119"/>
+              <a:ext cx="854931" cy="628869"/>
+            </a:xfrm>
+            <a:prstGeom prst="rect">
+              <a:avLst/>
+            </a:prstGeom>
+            <a:noFill/>
+          </p:spPr>
+          <p:txBody>
+            <a:bodyPr wrap="square" rtlCol="0">
+              <a:spAutoFit/>
+              <a:scene3d>
+                <a:camera prst="orthographicFront"/>
+                <a:lightRig rig="threePt" dir="t"/>
+              </a:scene3d>
+              <a:sp3d contourW="12700"/>
+            </a:bodyPr>
+            <a:lstStyle/>
+            <a:p>
+              <a:r>
+                <a:rPr lang="en-US" altLang="zh-CN" sz="2400" b="1" dirty="0" smtClean="0">
+                  <a:solidFill>
+                    <a:schemeClr val="tx1">
+                      <a:lumMod val="95000"/>
+                      <a:lumOff val="5000"/>
+                    </a:schemeClr>
+                  </a:solidFill>
+                  <a:latin typeface="Century Gothic" panose="020B0502020202020204" pitchFamily="34" charset="0"/>
+                  <a:ea typeface="迷你简综艺" panose="03000509000000000000" pitchFamily="65" charset="-122"/>
+                </a:rPr>
+                <a:t>04</a:t>
+              </a:r>
+              <a:endParaRPr lang="zh-CN" altLang="en-US" sz="2400" b="1" dirty="0">
+                <a:solidFill>
+                  <a:schemeClr val="tx1">
+                    <a:lumMod val="95000"/>
+                    <a:lumOff val="5000"/>
+                  </a:schemeClr>
+                </a:solidFill>
+                <a:latin typeface="Century Gothic" panose="020B0502020202020204" pitchFamily="34" charset="0"/>
+                <a:ea typeface="迷你简综艺" panose="03000509000000000000" pitchFamily="65" charset="-122"/>
+              </a:endParaRPr>
+            </a:p>
+          </p:txBody>
+        </p:sp>
+        <p:cxnSp>
+          <p:nvCxnSpPr>
+            <p:cNvPr id="4" name="直接连接符 3">
+              <a:extLst>
+                <a:ext uri="{FF2B5EF4-FFF2-40B4-BE49-F238E27FC236}">
+                  <a16:creationId xmlns:a16="http://schemas.microsoft.com/office/drawing/2014/main" id="{4A40D8A2-C871-43A3-85F9-AFDBF9D04AB6}"/>
+                </a:ext>
+              </a:extLst>
+            </p:cNvPr>
+            <p:cNvCxnSpPr/>
+            <p:nvPr/>
+          </p:nvCxnSpPr>
+          <p:spPr>
+            <a:xfrm>
+              <a:off x="2324101" y="2738437"/>
+              <a:ext cx="0" cy="602512"/>
+            </a:xfrm>
+            <a:prstGeom prst="line">
+              <a:avLst/>
+            </a:prstGeom>
+            <a:ln w="12700">
+              <a:solidFill>
+                <a:schemeClr val="bg1">
+                  <a:lumMod val="65000"/>
+                </a:schemeClr>
+              </a:solidFill>
+            </a:ln>
+          </p:spPr>
+          <p:style>
+            <a:lnRef idx="1">
+              <a:schemeClr val="accent1"/>
+            </a:lnRef>
+            <a:fillRef idx="0">
+              <a:schemeClr val="accent1"/>
+            </a:fillRef>
+            <a:effectRef idx="0">
+              <a:schemeClr val="accent1"/>
+            </a:effectRef>
+            <a:fontRef idx="minor">
+              <a:schemeClr val="tx1"/>
+            </a:fontRef>
+          </p:style>
+        </p:cxnSp>
+      </p:grpSp>
+      <p:sp>
+        <p:nvSpPr>
+          <p:cNvPr id="5" name="MH_Entry_2">
+            <a:extLst>
+              <a:ext uri="{FF2B5EF4-FFF2-40B4-BE49-F238E27FC236}">
+                <a16:creationId xmlns:a16="http://schemas.microsoft.com/office/drawing/2014/main" id="{24FC7193-8B9E-4350-97D4-95160D49D230}"/>
+              </a:ext>
+            </a:extLst>
+          </p:cNvPr>
+          <p:cNvSpPr/>
+          <p:nvPr>
+            <p:custDataLst>
+              <p:tags r:id="rId1"/>
+            </p:custDataLst>
+          </p:nvPr>
+        </p:nvSpPr>
+        <p:spPr>
+          <a:xfrm>
+            <a:off x="1015628" y="215506"/>
+            <a:ext cx="2583605" cy="492443"/>
+          </a:xfrm>
+          <a:custGeom>
+            <a:avLst/>
+            <a:gdLst>
+              <a:gd name="connsiteX0" fmla="*/ 0 w 2520280"/>
+              <a:gd name="connsiteY0" fmla="*/ 1584176 h 1872208"/>
+              <a:gd name="connsiteX1" fmla="*/ 2520280 w 2520280"/>
+              <a:gd name="connsiteY1" fmla="*/ 1584176 h 1872208"/>
+              <a:gd name="connsiteX2" fmla="*/ 2520280 w 2520280"/>
+              <a:gd name="connsiteY2" fmla="*/ 1872208 h 1872208"/>
+              <a:gd name="connsiteX3" fmla="*/ 0 w 2520280"/>
+              <a:gd name="connsiteY3" fmla="*/ 1872208 h 1872208"/>
+              <a:gd name="connsiteX4" fmla="*/ 0 w 2520280"/>
+              <a:gd name="connsiteY4" fmla="*/ 1584176 h 1872208"/>
+              <a:gd name="connsiteX5" fmla="*/ 0 w 2520280"/>
+              <a:gd name="connsiteY5" fmla="*/ 0 h 1872208"/>
+              <a:gd name="connsiteX6" fmla="*/ 2520280 w 2520280"/>
+              <a:gd name="connsiteY6" fmla="*/ 0 h 1872208"/>
+              <a:gd name="connsiteX7" fmla="*/ 2520280 w 2520280"/>
+              <a:gd name="connsiteY7" fmla="*/ 288032 h 1872208"/>
+              <a:gd name="connsiteX8" fmla="*/ 0 w 2520280"/>
+              <a:gd name="connsiteY8" fmla="*/ 0 h 1872208"/>
+              <a:gd name="connsiteX0-1" fmla="*/ 0 w 2520280"/>
+              <a:gd name="connsiteY0-2" fmla="*/ 1584176 h 1872208"/>
+              <a:gd name="connsiteX1-3" fmla="*/ 2520280 w 2520280"/>
+              <a:gd name="connsiteY1-4" fmla="*/ 1584176 h 1872208"/>
+              <a:gd name="connsiteX2-5" fmla="*/ 2520280 w 2520280"/>
+              <a:gd name="connsiteY2-6" fmla="*/ 1872208 h 1872208"/>
+              <a:gd name="connsiteX3-7" fmla="*/ 0 w 2520280"/>
+              <a:gd name="connsiteY3-8" fmla="*/ 1872208 h 1872208"/>
+              <a:gd name="connsiteX4-9" fmla="*/ 0 w 2520280"/>
+              <a:gd name="connsiteY4-10" fmla="*/ 1584176 h 1872208"/>
+              <a:gd name="connsiteX5-11" fmla="*/ 0 w 2520280"/>
+              <a:gd name="connsiteY5-12" fmla="*/ 0 h 1872208"/>
+              <a:gd name="connsiteX6-13" fmla="*/ 2520280 w 2520280"/>
+              <a:gd name="connsiteY6-14" fmla="*/ 0 h 1872208"/>
+              <a:gd name="connsiteX7-15" fmla="*/ 0 w 2520280"/>
+              <a:gd name="connsiteY7-16" fmla="*/ 0 h 1872208"/>
+              <a:gd name="connsiteX0-17" fmla="*/ 0 w 2520280"/>
+              <a:gd name="connsiteY0-18" fmla="*/ 1872208 h 1872208"/>
+              <a:gd name="connsiteX1-19" fmla="*/ 2520280 w 2520280"/>
+              <a:gd name="connsiteY1-20" fmla="*/ 1584176 h 1872208"/>
+              <a:gd name="connsiteX2-21" fmla="*/ 2520280 w 2520280"/>
+              <a:gd name="connsiteY2-22" fmla="*/ 1872208 h 1872208"/>
+              <a:gd name="connsiteX3-23" fmla="*/ 0 w 2520280"/>
+              <a:gd name="connsiteY3-24" fmla="*/ 1872208 h 1872208"/>
+              <a:gd name="connsiteX4-25" fmla="*/ 0 w 2520280"/>
+              <a:gd name="connsiteY4-26" fmla="*/ 0 h 1872208"/>
+              <a:gd name="connsiteX5-27" fmla="*/ 2520280 w 2520280"/>
+              <a:gd name="connsiteY5-28" fmla="*/ 0 h 1872208"/>
+              <a:gd name="connsiteX6-29" fmla="*/ 0 w 2520280"/>
+              <a:gd name="connsiteY6-30" fmla="*/ 0 h 1872208"/>
+              <a:gd name="connsiteX0-31" fmla="*/ 0 w 2520280"/>
+              <a:gd name="connsiteY0-32" fmla="*/ 1872208 h 1872208"/>
+              <a:gd name="connsiteX1-33" fmla="*/ 2520280 w 2520280"/>
+              <a:gd name="connsiteY1-34" fmla="*/ 1872208 h 1872208"/>
+              <a:gd name="connsiteX2-35" fmla="*/ 0 w 2520280"/>
+              <a:gd name="connsiteY2-36" fmla="*/ 1872208 h 1872208"/>
+              <a:gd name="connsiteX3-37" fmla="*/ 0 w 2520280"/>
+              <a:gd name="connsiteY3-38" fmla="*/ 0 h 1872208"/>
+              <a:gd name="connsiteX4-39" fmla="*/ 2520280 w 2520280"/>
+              <a:gd name="connsiteY4-40" fmla="*/ 0 h 1872208"/>
+              <a:gd name="connsiteX5-41" fmla="*/ 0 w 2520280"/>
+              <a:gd name="connsiteY5-42" fmla="*/ 0 h 1872208"/>
+              <a:gd name="connsiteX0-43" fmla="*/ 0 w 2520280"/>
+              <a:gd name="connsiteY0-44" fmla="*/ 1872208 h 1872208"/>
+              <a:gd name="connsiteX1-45" fmla="*/ 2520280 w 2520280"/>
+              <a:gd name="connsiteY1-46" fmla="*/ 1872208 h 1872208"/>
+              <a:gd name="connsiteX2-47" fmla="*/ 0 w 2520280"/>
+              <a:gd name="connsiteY2-48" fmla="*/ 1872208 h 1872208"/>
+              <a:gd name="connsiteX3-49" fmla="*/ 0 w 2520280"/>
+              <a:gd name="connsiteY3-50" fmla="*/ 0 h 1872208"/>
+              <a:gd name="connsiteX4-51" fmla="*/ 34255 w 2520280"/>
+              <a:gd name="connsiteY4-52" fmla="*/ 0 h 1872208"/>
+              <a:gd name="connsiteX5-53" fmla="*/ 0 w 2520280"/>
+              <a:gd name="connsiteY5-54" fmla="*/ 0 h 1872208"/>
+              <a:gd name="connsiteX0-55" fmla="*/ 0 w 2520280"/>
+              <a:gd name="connsiteY0-56" fmla="*/ 1872208 h 1872208"/>
+              <a:gd name="connsiteX1-57" fmla="*/ 2520280 w 2520280"/>
+              <a:gd name="connsiteY1-58" fmla="*/ 1872208 h 1872208"/>
+              <a:gd name="connsiteX2-59" fmla="*/ 0 w 2520280"/>
+              <a:gd name="connsiteY2-60" fmla="*/ 1872208 h 1872208"/>
+              <a:gd name="connsiteX3-61" fmla="*/ 0 w 2520280"/>
+              <a:gd name="connsiteY3-62" fmla="*/ 0 h 1872208"/>
+              <a:gd name="connsiteX4-63" fmla="*/ 917 w 2520280"/>
+              <a:gd name="connsiteY4-64" fmla="*/ 6036 h 1872208"/>
+              <a:gd name="connsiteX5-65" fmla="*/ 0 w 2520280"/>
+              <a:gd name="connsiteY5-66" fmla="*/ 0 h 1872208"/>
+              <a:gd name="connsiteX0-67" fmla="*/ 0 w 2520280"/>
+              <a:gd name="connsiteY0-68" fmla="*/ 1890314 h 1890314"/>
+              <a:gd name="connsiteX1-69" fmla="*/ 2520280 w 2520280"/>
+              <a:gd name="connsiteY1-70" fmla="*/ 1890314 h 1890314"/>
+              <a:gd name="connsiteX2-71" fmla="*/ 0 w 2520280"/>
+              <a:gd name="connsiteY2-72" fmla="*/ 1890314 h 1890314"/>
+              <a:gd name="connsiteX3-73" fmla="*/ 0 w 2520280"/>
+              <a:gd name="connsiteY3-74" fmla="*/ 18106 h 1890314"/>
+              <a:gd name="connsiteX4-75" fmla="*/ 53304 w 2520280"/>
+              <a:gd name="connsiteY4-76" fmla="*/ 0 h 1890314"/>
+              <a:gd name="connsiteX5-77" fmla="*/ 0 w 2520280"/>
+              <a:gd name="connsiteY5-78" fmla="*/ 18106 h 1890314"/>
+              <a:gd name="connsiteX0-79" fmla="*/ 0 w 2520280"/>
+              <a:gd name="connsiteY0-80" fmla="*/ 1872208 h 1872208"/>
+              <a:gd name="connsiteX1-81" fmla="*/ 2520280 w 2520280"/>
+              <a:gd name="connsiteY1-82" fmla="*/ 1872208 h 1872208"/>
+              <a:gd name="connsiteX2-83" fmla="*/ 0 w 2520280"/>
+              <a:gd name="connsiteY2-84" fmla="*/ 1872208 h 1872208"/>
+              <a:gd name="connsiteX3-85" fmla="*/ 0 w 2520280"/>
+              <a:gd name="connsiteY3-86" fmla="*/ 0 h 1872208"/>
+              <a:gd name="connsiteX4-87" fmla="*/ 916 w 2520280"/>
+              <a:gd name="connsiteY4-88" fmla="*/ 0 h 1872208"/>
+              <a:gd name="connsiteX5-89" fmla="*/ 0 w 2520280"/>
+              <a:gd name="connsiteY5-90" fmla="*/ 0 h 1872208"/>
+            </a:gdLst>
+            <a:ahLst/>
+            <a:cxnLst>
+              <a:cxn ang="0">
+                <a:pos x="connsiteX0-1" y="connsiteY0-2"/>
+              </a:cxn>
+              <a:cxn ang="0">
+                <a:pos x="connsiteX1-3" y="connsiteY1-4"/>
+              </a:cxn>
+              <a:cxn ang="0">
+                <a:pos x="connsiteX2-5" y="connsiteY2-6"/>
+              </a:cxn>
+              <a:cxn ang="0">
+                <a:pos x="connsiteX3-7" y="connsiteY3-8"/>
+              </a:cxn>
+              <a:cxn ang="0">
+                <a:pos x="connsiteX4-9" y="connsiteY4-10"/>
+              </a:cxn>
+              <a:cxn ang="0">
+                <a:pos x="connsiteX5-11" y="connsiteY5-12"/>
+              </a:cxn>
+            </a:cxnLst>
+            <a:rect l="l" t="t" r="r" b="b"/>
+            <a:pathLst>
+              <a:path w="2520280" h="1872208">
+                <a:moveTo>
+                  <a:pt x="0" y="1872208"/>
+                </a:moveTo>
+                <a:lnTo>
+                  <a:pt x="2520280" y="1872208"/>
+                </a:lnTo>
+                <a:lnTo>
+                  <a:pt x="0" y="1872208"/>
+                </a:lnTo>
+                <a:close/>
+                <a:moveTo>
+                  <a:pt x="0" y="0"/>
+                </a:moveTo>
+                <a:lnTo>
+                  <a:pt x="916" y="0"/>
+                </a:lnTo>
+                <a:lnTo>
+                  <a:pt x="0" y="0"/>
+                </a:lnTo>
+                <a:close/>
+              </a:path>
+            </a:pathLst>
+          </a:custGeom>
+          <a:noFill/>
+          <a:ln w="3175" cap="sq">
+            <a:noFill/>
+            <a:bevel/>
+          </a:ln>
+        </p:spPr>
+        <p:style>
+          <a:lnRef idx="2">
+            <a:schemeClr val="accent1">
+              <a:shade val="50000"/>
+            </a:schemeClr>
+          </a:lnRef>
+          <a:fillRef idx="1">
+            <a:schemeClr val="accent1"/>
+          </a:fillRef>
+          <a:effectRef idx="0">
+            <a:schemeClr val="accent1"/>
+          </a:effectRef>
+          <a:fontRef idx="minor">
+            <a:schemeClr val="lt1"/>
+          </a:fontRef>
+        </p:style>
+        <p:txBody>
+          <a:bodyPr rot="0" spcFirstLastPara="0" vertOverflow="overflow" horzOverflow="overflow" vert="horz" wrap="square" lIns="0" tIns="0" rIns="0" bIns="0" numCol="1" spcCol="0" rtlCol="0" fromWordArt="0" anchor="ctr" anchorCtr="0" forceAA="0" compatLnSpc="1">
+            <a:spAutoFit/>
+          </a:bodyPr>
+          <a:lstStyle/>
+          <a:p>
+            <a:pPr defTabSz="852086" fontAlgn="base">
+              <a:spcBef>
+                <a:spcPct val="0"/>
+              </a:spcBef>
+              <a:spcAft>
+                <a:spcPct val="0"/>
+              </a:spcAft>
+            </a:pPr>
+            <a:r>
+              <a:rPr lang="zh-CN" altLang="en-US" sz="3200" dirty="0" smtClean="0">
+                <a:solidFill>
+                  <a:schemeClr val="tx1">
+                    <a:lumMod val="95000"/>
+                    <a:lumOff val="5000"/>
+                  </a:schemeClr>
+                </a:solidFill>
+                <a:latin typeface="微软雅黑" panose="020B0503020204020204" pitchFamily="34" charset="-122"/>
+                <a:ea typeface="微软雅黑" panose="020B0503020204020204" pitchFamily="34" charset="-122"/>
+                <a:sym typeface="Arial" panose="020B0604020202020204" pitchFamily="34" charset="0"/>
+              </a:rPr>
+              <a:t>程序设计</a:t>
+            </a:r>
+            <a:endParaRPr lang="zh-CN" altLang="en-US" sz="3200" dirty="0">
+              <a:solidFill>
+                <a:schemeClr val="tx1">
+                  <a:lumMod val="95000"/>
+                  <a:lumOff val="5000"/>
+                </a:schemeClr>
+              </a:solidFill>
+              <a:latin typeface="微软雅黑" panose="020B0503020204020204" pitchFamily="34" charset="-122"/>
+              <a:ea typeface="微软雅黑" panose="020B0503020204020204" pitchFamily="34" charset="-122"/>
+              <a:sym typeface="Arial" panose="020B0604020202020204" pitchFamily="34" charset="0"/>
+            </a:endParaRPr>
+          </a:p>
+        </p:txBody>
+      </p:sp>
+      <p:cxnSp>
+        <p:nvCxnSpPr>
+          <p:cNvPr id="9" name="直接连接符 8">
+            <a:extLst>
+              <a:ext uri="{FF2B5EF4-FFF2-40B4-BE49-F238E27FC236}">
+                <a16:creationId xmlns:a16="http://schemas.microsoft.com/office/drawing/2014/main" id="{17F0C592-CD4A-43EC-B0A9-3B9DF01627A3}"/>
+              </a:ext>
+            </a:extLst>
+          </p:cNvPr>
+          <p:cNvCxnSpPr/>
+          <p:nvPr/>
+        </p:nvCxnSpPr>
+        <p:spPr>
+          <a:xfrm>
+            <a:off x="0" y="837274"/>
+            <a:ext cx="12266579" cy="0"/>
+          </a:xfrm>
+          <a:prstGeom prst="line">
+            <a:avLst/>
+          </a:prstGeom>
+          <a:ln w="19050">
+            <a:solidFill>
+              <a:schemeClr val="bg1">
+                <a:lumMod val="85000"/>
+              </a:schemeClr>
+            </a:solidFill>
+          </a:ln>
+        </p:spPr>
+        <p:style>
+          <a:lnRef idx="1">
+            <a:schemeClr val="accent1"/>
+          </a:lnRef>
+          <a:fillRef idx="0">
+            <a:schemeClr val="accent1"/>
+          </a:fillRef>
+          <a:effectRef idx="0">
+            <a:schemeClr val="accent1"/>
+          </a:effectRef>
+          <a:fontRef idx="minor">
+            <a:schemeClr val="tx1"/>
+          </a:fontRef>
+        </p:style>
+      </p:cxnSp>
+      <p:pic>
+        <p:nvPicPr>
+          <p:cNvPr id="20" name="图片 19"/>
+          <p:cNvPicPr>
+            <a:picLocks noChangeAspect="1"/>
+          </p:cNvPicPr>
+          <p:nvPr/>
+        </p:nvPicPr>
+        <p:blipFill>
+          <a:blip r:embed="rId4">
+            <a:extLst>
+              <a:ext uri="{28A0092B-C50C-407E-A947-70E740481C1C}">
+                <a14:useLocalDpi xmlns:a14="http://schemas.microsoft.com/office/drawing/2010/main" val="0"/>
+              </a:ext>
+            </a:extLst>
+          </a:blip>
+          <a:stretch>
+            <a:fillRect/>
+          </a:stretch>
+        </p:blipFill>
+        <p:spPr>
+          <a:xfrm>
+            <a:off x="9707907" y="9298"/>
+            <a:ext cx="2484093" cy="1397302"/>
+          </a:xfrm>
+          <a:prstGeom prst="rect">
+            <a:avLst/>
+          </a:prstGeom>
+        </p:spPr>
+      </p:pic>
+      <p:sp>
+        <p:nvSpPr>
+          <p:cNvPr id="6" name="文本框 5"/>
+          <p:cNvSpPr txBox="1"/>
+          <p:nvPr/>
+        </p:nvSpPr>
+        <p:spPr>
+          <a:xfrm>
+            <a:off x="722494" y="1406600"/>
+            <a:ext cx="3820610" cy="461665"/>
+          </a:xfrm>
+          <a:prstGeom prst="rect">
+            <a:avLst/>
+          </a:prstGeom>
+          <a:noFill/>
+        </p:spPr>
+        <p:txBody>
+          <a:bodyPr wrap="square" rtlCol="0">
+            <a:spAutoFit/>
+          </a:bodyPr>
+          <a:lstStyle/>
+          <a:p>
+            <a:r>
+              <a:rPr lang="zh-CN" altLang="en-US" sz="2400" dirty="0" smtClean="0">
+                <a:latin typeface="微软雅黑" panose="020B0503020204020204" pitchFamily="34" charset="-122"/>
+                <a:ea typeface="微软雅黑" panose="020B0503020204020204" pitchFamily="34" charset="-122"/>
+              </a:rPr>
+              <a:t>类的结构</a:t>
+            </a:r>
+            <a:endParaRPr lang="zh-CN" altLang="en-US" sz="2400" dirty="0">
+              <a:latin typeface="微软雅黑" panose="020B0503020204020204" pitchFamily="34" charset="-122"/>
+              <a:ea typeface="微软雅黑" panose="020B0503020204020204" pitchFamily="34" charset="-122"/>
+            </a:endParaRPr>
+          </a:p>
+        </p:txBody>
+      </p:sp>
+      <p:sp>
+        <p:nvSpPr>
+          <p:cNvPr id="7" name="文本框 6"/>
+          <p:cNvSpPr txBox="1"/>
+          <p:nvPr/>
+        </p:nvSpPr>
+        <p:spPr>
+          <a:xfrm>
+            <a:off x="722494" y="4744161"/>
+            <a:ext cx="2648779" cy="677108"/>
+          </a:xfrm>
+          <a:prstGeom prst="rect">
+            <a:avLst/>
+          </a:prstGeom>
+          <a:noFill/>
+        </p:spPr>
+        <p:txBody>
+          <a:bodyPr wrap="square" rtlCol="0">
+            <a:spAutoFit/>
+          </a:bodyPr>
+          <a:lstStyle/>
+          <a:p>
+            <a:r>
+              <a:rPr lang="en-US" altLang="zh-CN" sz="2000" dirty="0" err="1" smtClean="0">
+                <a:solidFill>
+                  <a:srgbClr val="3BD13E"/>
+                </a:solidFill>
+              </a:rPr>
+              <a:t>QWidget</a:t>
+            </a:r>
+            <a:endParaRPr lang="en-US" altLang="zh-CN" sz="2000" dirty="0" smtClean="0">
+              <a:solidFill>
+                <a:srgbClr val="3BD13E"/>
+              </a:solidFill>
+            </a:endParaRPr>
+          </a:p>
+          <a:p>
+            <a:endParaRPr lang="zh-CN" altLang="en-US" dirty="0"/>
+          </a:p>
+        </p:txBody>
+      </p:sp>
+      <p:sp>
+        <p:nvSpPr>
+          <p:cNvPr id="10" name="文本框 9"/>
+          <p:cNvSpPr txBox="1"/>
+          <p:nvPr/>
+        </p:nvSpPr>
+        <p:spPr>
+          <a:xfrm>
+            <a:off x="722494" y="3453653"/>
+            <a:ext cx="2648779" cy="400110"/>
+          </a:xfrm>
+          <a:prstGeom prst="rect">
+            <a:avLst/>
+          </a:prstGeom>
+          <a:noFill/>
+        </p:spPr>
+        <p:txBody>
+          <a:bodyPr wrap="square" rtlCol="0">
+            <a:spAutoFit/>
+          </a:bodyPr>
+          <a:lstStyle/>
+          <a:p>
+            <a:r>
+              <a:rPr lang="en-US" altLang="zh-CN" sz="2000" dirty="0" err="1" smtClean="0">
+                <a:solidFill>
+                  <a:srgbClr val="3BD13E"/>
+                </a:solidFill>
+              </a:rPr>
+              <a:t>QFrame</a:t>
+            </a:r>
+            <a:endParaRPr lang="zh-CN" altLang="en-US" sz="2000" dirty="0">
+              <a:solidFill>
+                <a:srgbClr val="3BD13E"/>
+              </a:solidFill>
+            </a:endParaRPr>
+          </a:p>
+        </p:txBody>
+      </p:sp>
+      <p:sp>
+        <p:nvSpPr>
+          <p:cNvPr id="11" name="文本框 10"/>
+          <p:cNvSpPr txBox="1"/>
+          <p:nvPr/>
+        </p:nvSpPr>
+        <p:spPr>
+          <a:xfrm>
+            <a:off x="722494" y="2163144"/>
+            <a:ext cx="2648779" cy="400110"/>
+          </a:xfrm>
+          <a:prstGeom prst="rect">
+            <a:avLst/>
+          </a:prstGeom>
+          <a:noFill/>
+        </p:spPr>
+        <p:txBody>
+          <a:bodyPr wrap="square" rtlCol="0">
+            <a:spAutoFit/>
+          </a:bodyPr>
+          <a:lstStyle/>
+          <a:p>
+            <a:r>
+              <a:rPr lang="en-US" altLang="zh-CN" sz="2000" dirty="0" err="1" smtClean="0">
+                <a:solidFill>
+                  <a:srgbClr val="3BD13E"/>
+                </a:solidFill>
+              </a:rPr>
+              <a:t>QMainWindow</a:t>
+            </a:r>
+            <a:endParaRPr lang="zh-CN" altLang="en-US" sz="2000" dirty="0">
+              <a:solidFill>
+                <a:srgbClr val="3BD13E"/>
+              </a:solidFill>
+            </a:endParaRPr>
+          </a:p>
+        </p:txBody>
+      </p:sp>
+      <p:cxnSp>
+        <p:nvCxnSpPr>
+          <p:cNvPr id="12" name="直接箭头连接符 11"/>
+          <p:cNvCxnSpPr/>
+          <p:nvPr/>
+        </p:nvCxnSpPr>
+        <p:spPr>
+          <a:xfrm flipV="1">
+            <a:off x="2549236" y="2362079"/>
+            <a:ext cx="1049997" cy="11666"/>
+          </a:xfrm>
+          <a:prstGeom prst="straightConnector1">
+            <a:avLst/>
+          </a:prstGeom>
+          <a:ln>
+            <a:tailEnd type="triangle"/>
+          </a:ln>
+        </p:spPr>
+        <p:style>
+          <a:lnRef idx="1">
+            <a:schemeClr val="accent1"/>
+          </a:lnRef>
+          <a:fillRef idx="0">
+            <a:schemeClr val="accent1"/>
+          </a:fillRef>
+          <a:effectRef idx="0">
+            <a:schemeClr val="accent1"/>
+          </a:effectRef>
+          <a:fontRef idx="minor">
+            <a:schemeClr val="tx1"/>
+          </a:fontRef>
+        </p:style>
+      </p:cxnSp>
+      <p:cxnSp>
+        <p:nvCxnSpPr>
+          <p:cNvPr id="15" name="直接箭头连接符 14"/>
+          <p:cNvCxnSpPr/>
+          <p:nvPr/>
+        </p:nvCxnSpPr>
+        <p:spPr>
+          <a:xfrm flipV="1">
+            <a:off x="1911927" y="3626888"/>
+            <a:ext cx="1687305" cy="18747"/>
+          </a:xfrm>
+          <a:prstGeom prst="straightConnector1">
+            <a:avLst/>
+          </a:prstGeom>
+          <a:ln>
+            <a:tailEnd type="triangle"/>
+          </a:ln>
+        </p:spPr>
+        <p:style>
+          <a:lnRef idx="1">
+            <a:schemeClr val="accent1"/>
+          </a:lnRef>
+          <a:fillRef idx="0">
+            <a:schemeClr val="accent1"/>
+          </a:fillRef>
+          <a:effectRef idx="0">
+            <a:schemeClr val="accent1"/>
+          </a:effectRef>
+          <a:fontRef idx="minor">
+            <a:schemeClr val="tx1"/>
+          </a:fontRef>
+        </p:style>
+      </p:cxnSp>
+      <p:cxnSp>
+        <p:nvCxnSpPr>
+          <p:cNvPr id="16" name="直接箭头连接符 15"/>
+          <p:cNvCxnSpPr/>
+          <p:nvPr/>
+        </p:nvCxnSpPr>
+        <p:spPr>
+          <a:xfrm>
+            <a:off x="1911927" y="4917397"/>
+            <a:ext cx="1639648" cy="0"/>
+          </a:xfrm>
+          <a:prstGeom prst="straightConnector1">
+            <a:avLst/>
+          </a:prstGeom>
+          <a:ln>
+            <a:tailEnd type="triangle"/>
+          </a:ln>
+        </p:spPr>
+        <p:style>
+          <a:lnRef idx="1">
+            <a:schemeClr val="accent1"/>
+          </a:lnRef>
+          <a:fillRef idx="0">
+            <a:schemeClr val="accent1"/>
+          </a:fillRef>
+          <a:effectRef idx="0">
+            <a:schemeClr val="accent1"/>
+          </a:effectRef>
+          <a:fontRef idx="minor">
+            <a:schemeClr val="tx1"/>
+          </a:fontRef>
+        </p:style>
+      </p:cxnSp>
+      <p:sp>
+        <p:nvSpPr>
+          <p:cNvPr id="22" name="文本框 21"/>
+          <p:cNvSpPr txBox="1"/>
+          <p:nvPr/>
+        </p:nvSpPr>
+        <p:spPr>
+          <a:xfrm>
+            <a:off x="3777673" y="2163144"/>
+            <a:ext cx="6530109" cy="369332"/>
+          </a:xfrm>
+          <a:prstGeom prst="rect">
+            <a:avLst/>
+          </a:prstGeom>
+          <a:noFill/>
+        </p:spPr>
+        <p:txBody>
+          <a:bodyPr wrap="square" rtlCol="0">
+            <a:spAutoFit/>
+          </a:bodyPr>
+          <a:lstStyle/>
+          <a:p>
+            <a:r>
+              <a:rPr lang="en-US" altLang="zh-CN" dirty="0" err="1" smtClean="0"/>
+              <a:t>MainWindow</a:t>
+            </a:r>
+            <a:r>
+              <a:rPr lang="en-US" altLang="zh-CN" dirty="0" smtClean="0"/>
+              <a:t>(</a:t>
+            </a:r>
+            <a:r>
+              <a:rPr lang="zh-CN" altLang="en-US" dirty="0" smtClean="0">
+                <a:latin typeface="微软雅黑" panose="020B0503020204020204" pitchFamily="34" charset="-122"/>
+                <a:ea typeface="微软雅黑" panose="020B0503020204020204" pitchFamily="34" charset="-122"/>
+              </a:rPr>
+              <a:t>绘制主窗口最上方的控制栏</a:t>
+            </a:r>
+            <a:r>
+              <a:rPr lang="en-US" altLang="zh-CN" dirty="0" smtClean="0"/>
+              <a:t>)</a:t>
+            </a:r>
+            <a:endParaRPr lang="zh-CN" altLang="en-US" dirty="0"/>
+          </a:p>
+        </p:txBody>
+      </p:sp>
+      <p:sp>
+        <p:nvSpPr>
+          <p:cNvPr id="23" name="文本框 22"/>
+          <p:cNvSpPr txBox="1"/>
+          <p:nvPr/>
+        </p:nvSpPr>
+        <p:spPr>
+          <a:xfrm>
+            <a:off x="3777673" y="3442222"/>
+            <a:ext cx="7647709" cy="369332"/>
+          </a:xfrm>
+          <a:prstGeom prst="rect">
+            <a:avLst/>
+          </a:prstGeom>
+          <a:noFill/>
+        </p:spPr>
+        <p:txBody>
+          <a:bodyPr wrap="square" rtlCol="0">
+            <a:spAutoFit/>
+          </a:bodyPr>
+          <a:lstStyle/>
+          <a:p>
+            <a:r>
+              <a:rPr lang="en-US" altLang="zh-CN" dirty="0" err="1" smtClean="0"/>
+              <a:t>CenterFrame</a:t>
+            </a:r>
+            <a:r>
+              <a:rPr lang="en-US" altLang="zh-CN" dirty="0" smtClean="0"/>
+              <a:t>(</a:t>
+            </a:r>
+            <a:r>
+              <a:rPr lang="zh-CN" altLang="en-US" dirty="0" smtClean="0">
+                <a:latin typeface="微软雅黑" panose="020B0503020204020204" pitchFamily="34" charset="-122"/>
+                <a:ea typeface="微软雅黑" panose="020B0503020204020204" pitchFamily="34" charset="-122"/>
+              </a:rPr>
+              <a:t>绘制右侧方的形状选择栏，同时负责绘图区的创建与管理</a:t>
+            </a:r>
+            <a:r>
+              <a:rPr lang="en-US" altLang="zh-CN" dirty="0" smtClean="0"/>
+              <a:t>)</a:t>
+            </a:r>
+            <a:endParaRPr lang="zh-CN" altLang="en-US" dirty="0"/>
+          </a:p>
+        </p:txBody>
+      </p:sp>
+      <p:sp>
+        <p:nvSpPr>
+          <p:cNvPr id="24" name="文本框 23"/>
+          <p:cNvSpPr txBox="1"/>
+          <p:nvPr/>
+        </p:nvSpPr>
+        <p:spPr>
+          <a:xfrm>
+            <a:off x="3777672" y="4694910"/>
+            <a:ext cx="6345383" cy="369332"/>
+          </a:xfrm>
+          <a:prstGeom prst="rect">
+            <a:avLst/>
+          </a:prstGeom>
+          <a:noFill/>
+        </p:spPr>
+        <p:txBody>
+          <a:bodyPr wrap="square" rtlCol="0">
+            <a:spAutoFit/>
+          </a:bodyPr>
+          <a:lstStyle/>
+          <a:p>
+            <a:r>
+              <a:rPr lang="en-US" altLang="zh-CN" dirty="0" err="1" smtClean="0"/>
+              <a:t>DrawWidget</a:t>
+            </a:r>
+            <a:r>
+              <a:rPr lang="en-US" altLang="zh-CN" dirty="0" smtClean="0"/>
+              <a:t>(</a:t>
+            </a:r>
+            <a:r>
+              <a:rPr lang="zh-CN" altLang="en-US" dirty="0" smtClean="0">
+                <a:latin typeface="微软雅黑" panose="020B0503020204020204" pitchFamily="34" charset="-122"/>
+                <a:ea typeface="微软雅黑" panose="020B0503020204020204" pitchFamily="34" charset="-122"/>
+              </a:rPr>
+              <a:t>为</a:t>
+            </a:r>
+            <a:r>
+              <a:rPr lang="en-US" altLang="zh-CN" dirty="0" err="1" smtClean="0">
+                <a:latin typeface="微软雅黑" panose="020B0503020204020204" pitchFamily="34" charset="-122"/>
+                <a:ea typeface="微软雅黑" panose="020B0503020204020204" pitchFamily="34" charset="-122"/>
+              </a:rPr>
+              <a:t>Centerframe</a:t>
+            </a:r>
+            <a:r>
+              <a:rPr lang="zh-CN" altLang="en-US" dirty="0" smtClean="0">
+                <a:latin typeface="微软雅黑" panose="020B0503020204020204" pitchFamily="34" charset="-122"/>
+                <a:ea typeface="微软雅黑" panose="020B0503020204020204" pitchFamily="34" charset="-122"/>
+              </a:rPr>
+              <a:t>提供绘图接口</a:t>
+            </a:r>
+            <a:r>
+              <a:rPr lang="en-US" altLang="zh-CN" dirty="0" smtClean="0"/>
+              <a:t>)</a:t>
+            </a:r>
+            <a:endParaRPr lang="zh-CN" altLang="en-US" dirty="0"/>
+          </a:p>
+        </p:txBody>
+      </p:sp>
+    </p:spTree>
+    <p:extLst>
+      <p:ext uri="{BB962C8B-B14F-4D97-AF65-F5344CB8AC3E}">
+        <p14:creationId xmlns:p14="http://schemas.microsoft.com/office/powerpoint/2010/main" val="4228592086"/>
+      </p:ext>
+    </p:extLst>
+  </p:cSld>
+  <p:clrMapOvr>
+    <a:masterClrMapping/>
+  </p:clrMapOvr>
+  <mc:AlternateContent xmlns:mc="http://schemas.openxmlformats.org/markup-compatibility/2006" xmlns:p14="http://schemas.microsoft.com/office/powerpoint/2010/main">
+    <mc:Choice Requires="p14">
+      <p:transition spd="slow" p14:dur="1600" advClick="0" advTm="2000">
+        <p14:gallery dir="l"/>
+      </p:transition>
+    </mc:Choice>
+    <mc:Fallback xmlns="">
+      <p:transition spd="slow" advClick="0" advTm="2000">
+        <p:fade/>
+      </p:transition>
+    </mc:Fallback>
+  </mc:AlternateContent>
+  <p:timing>
+    <p:tnLst>
+      <p:par>
+        <p:cTn id="1" dur="indefinite" restart="never" nodeType="tmRoot"/>
+      </p:par>
+    </p:tnLst>
+  </p:timing>
+</p:sld>
+</file>
+
+<file path=ppt/slides/slide6.xml><?xml version="1.0" encoding="utf-8"?>
+<p:sld xmlns:a="http://schemas.openxmlformats.org/drawingml/2006/main" xmlns:r="http://schemas.openxmlformats.org/officeDocument/2006/relationships" xmlns:p="http://schemas.openxmlformats.org/presentationml/2006/main" showMasterSp="0">
+  <p:cSld>
+    <p:spTree>
+      <p:nvGrpSpPr>
+        <p:cNvPr id="1" name=""/>
+        <p:cNvGrpSpPr/>
+        <p:nvPr/>
+      </p:nvGrpSpPr>
+      <p:grpSpPr>
+        <a:xfrm>
+          <a:off x="0" y="0"/>
+          <a:ext cx="0" cy="0"/>
+          <a:chOff x="0" y="0"/>
+          <a:chExt cx="0" cy="0"/>
+        </a:xfrm>
+      </p:grpSpPr>
+      <p:grpSp>
+        <p:nvGrpSpPr>
+          <p:cNvPr id="2" name="组合 1">
+            <a:extLst>
+              <a:ext uri="{FF2B5EF4-FFF2-40B4-BE49-F238E27FC236}">
+                <a16:creationId xmlns:a16="http://schemas.microsoft.com/office/drawing/2014/main" id="{CD9D861D-14AD-4E72-9C94-B5DEBD90F086}"/>
+              </a:ext>
+            </a:extLst>
+          </p:cNvPr>
+          <p:cNvGrpSpPr/>
+          <p:nvPr/>
+        </p:nvGrpSpPr>
+        <p:grpSpPr>
+          <a:xfrm>
+            <a:off x="216132" y="230896"/>
+            <a:ext cx="627622" cy="477053"/>
+            <a:chOff x="1634347" y="2691119"/>
+            <a:chExt cx="854931" cy="649830"/>
+          </a:xfrm>
+        </p:grpSpPr>
+        <p:sp>
+          <p:nvSpPr>
+            <p:cNvPr id="3" name="文本框 2">
+              <a:extLst>
+                <a:ext uri="{FF2B5EF4-FFF2-40B4-BE49-F238E27FC236}">
+                  <a16:creationId xmlns:a16="http://schemas.microsoft.com/office/drawing/2014/main" id="{54955C1C-887E-41A0-904F-D16E3E735A83}"/>
+                </a:ext>
+              </a:extLst>
+            </p:cNvPr>
+            <p:cNvSpPr txBox="1"/>
+            <p:nvPr/>
+          </p:nvSpPr>
+          <p:spPr>
+            <a:xfrm>
+              <a:off x="1634347" y="2691119"/>
+              <a:ext cx="854931" cy="628869"/>
+            </a:xfrm>
+            <a:prstGeom prst="rect">
+              <a:avLst/>
+            </a:prstGeom>
+            <a:noFill/>
+          </p:spPr>
+          <p:txBody>
+            <a:bodyPr wrap="square" rtlCol="0">
+              <a:spAutoFit/>
+              <a:scene3d>
+                <a:camera prst="orthographicFront"/>
+                <a:lightRig rig="threePt" dir="t"/>
+              </a:scene3d>
+              <a:sp3d contourW="12700"/>
+            </a:bodyPr>
+            <a:lstStyle/>
+            <a:p>
+              <a:r>
+                <a:rPr lang="en-US" altLang="zh-CN" sz="2400" b="1" dirty="0" smtClean="0">
+                  <a:solidFill>
+                    <a:schemeClr val="tx1">
+                      <a:lumMod val="95000"/>
+                      <a:lumOff val="5000"/>
+                    </a:schemeClr>
+                  </a:solidFill>
+                  <a:latin typeface="Century Gothic" panose="020B0502020202020204" pitchFamily="34" charset="0"/>
+                  <a:ea typeface="迷你简综艺" panose="03000509000000000000" pitchFamily="65" charset="-122"/>
+                </a:rPr>
+                <a:t>05</a:t>
+              </a:r>
+              <a:endParaRPr lang="zh-CN" altLang="en-US" sz="2400" b="1" dirty="0">
+                <a:solidFill>
+                  <a:schemeClr val="tx1">
+                    <a:lumMod val="95000"/>
+                    <a:lumOff val="5000"/>
+                  </a:schemeClr>
+                </a:solidFill>
+                <a:latin typeface="Century Gothic" panose="020B0502020202020204" pitchFamily="34" charset="0"/>
+                <a:ea typeface="迷你简综艺" panose="03000509000000000000" pitchFamily="65" charset="-122"/>
+              </a:endParaRPr>
+            </a:p>
+          </p:txBody>
+        </p:sp>
+        <p:cxnSp>
+          <p:nvCxnSpPr>
+            <p:cNvPr id="4" name="直接连接符 3">
+              <a:extLst>
+                <a:ext uri="{FF2B5EF4-FFF2-40B4-BE49-F238E27FC236}">
+                  <a16:creationId xmlns:a16="http://schemas.microsoft.com/office/drawing/2014/main" id="{4A40D8A2-C871-43A3-85F9-AFDBF9D04AB6}"/>
+                </a:ext>
+              </a:extLst>
+            </p:cNvPr>
+            <p:cNvCxnSpPr/>
+            <p:nvPr/>
+          </p:nvCxnSpPr>
+          <p:spPr>
+            <a:xfrm>
+              <a:off x="2324101" y="2738437"/>
+              <a:ext cx="0" cy="602512"/>
+            </a:xfrm>
+            <a:prstGeom prst="line">
+              <a:avLst/>
+            </a:prstGeom>
+            <a:ln w="12700">
+              <a:solidFill>
+                <a:schemeClr val="bg1">
+                  <a:lumMod val="65000"/>
+                </a:schemeClr>
+              </a:solidFill>
+            </a:ln>
+          </p:spPr>
+          <p:style>
+            <a:lnRef idx="1">
+              <a:schemeClr val="accent1"/>
+            </a:lnRef>
+            <a:fillRef idx="0">
+              <a:schemeClr val="accent1"/>
+            </a:fillRef>
+            <a:effectRef idx="0">
+              <a:schemeClr val="accent1"/>
+            </a:effectRef>
+            <a:fontRef idx="minor">
+              <a:schemeClr val="tx1"/>
+            </a:fontRef>
+          </p:style>
+        </p:cxnSp>
+      </p:grpSp>
+      <p:sp>
+        <p:nvSpPr>
+          <p:cNvPr id="5" name="MH_Entry_2">
+            <a:extLst>
+              <a:ext uri="{FF2B5EF4-FFF2-40B4-BE49-F238E27FC236}">
+                <a16:creationId xmlns:a16="http://schemas.microsoft.com/office/drawing/2014/main" id="{24FC7193-8B9E-4350-97D4-95160D49D230}"/>
+              </a:ext>
+            </a:extLst>
+          </p:cNvPr>
+          <p:cNvSpPr/>
+          <p:nvPr>
+            <p:custDataLst>
+              <p:tags r:id="rId1"/>
+            </p:custDataLst>
+          </p:nvPr>
+        </p:nvSpPr>
+        <p:spPr>
+          <a:xfrm>
+            <a:off x="1015628" y="215506"/>
+            <a:ext cx="2583605" cy="492443"/>
+          </a:xfrm>
+          <a:custGeom>
+            <a:avLst/>
+            <a:gdLst>
+              <a:gd name="connsiteX0" fmla="*/ 0 w 2520280"/>
+              <a:gd name="connsiteY0" fmla="*/ 1584176 h 1872208"/>
+              <a:gd name="connsiteX1" fmla="*/ 2520280 w 2520280"/>
+              <a:gd name="connsiteY1" fmla="*/ 1584176 h 1872208"/>
+              <a:gd name="connsiteX2" fmla="*/ 2520280 w 2520280"/>
+              <a:gd name="connsiteY2" fmla="*/ 1872208 h 1872208"/>
+              <a:gd name="connsiteX3" fmla="*/ 0 w 2520280"/>
+              <a:gd name="connsiteY3" fmla="*/ 1872208 h 1872208"/>
+              <a:gd name="connsiteX4" fmla="*/ 0 w 2520280"/>
+              <a:gd name="connsiteY4" fmla="*/ 1584176 h 1872208"/>
+              <a:gd name="connsiteX5" fmla="*/ 0 w 2520280"/>
+              <a:gd name="connsiteY5" fmla="*/ 0 h 1872208"/>
+              <a:gd name="connsiteX6" fmla="*/ 2520280 w 2520280"/>
+              <a:gd name="connsiteY6" fmla="*/ 0 h 1872208"/>
+              <a:gd name="connsiteX7" fmla="*/ 2520280 w 2520280"/>
+              <a:gd name="connsiteY7" fmla="*/ 288032 h 1872208"/>
+              <a:gd name="connsiteX8" fmla="*/ 0 w 2520280"/>
+              <a:gd name="connsiteY8" fmla="*/ 0 h 1872208"/>
+              <a:gd name="connsiteX0-1" fmla="*/ 0 w 2520280"/>
+              <a:gd name="connsiteY0-2" fmla="*/ 1584176 h 1872208"/>
+              <a:gd name="connsiteX1-3" fmla="*/ 2520280 w 2520280"/>
+              <a:gd name="connsiteY1-4" fmla="*/ 1584176 h 1872208"/>
+              <a:gd name="connsiteX2-5" fmla="*/ 2520280 w 2520280"/>
+              <a:gd name="connsiteY2-6" fmla="*/ 1872208 h 1872208"/>
+              <a:gd name="connsiteX3-7" fmla="*/ 0 w 2520280"/>
+              <a:gd name="connsiteY3-8" fmla="*/ 1872208 h 1872208"/>
+              <a:gd name="connsiteX4-9" fmla="*/ 0 w 2520280"/>
+              <a:gd name="connsiteY4-10" fmla="*/ 1584176 h 1872208"/>
+              <a:gd name="connsiteX5-11" fmla="*/ 0 w 2520280"/>
+              <a:gd name="connsiteY5-12" fmla="*/ 0 h 1872208"/>
+              <a:gd name="connsiteX6-13" fmla="*/ 2520280 w 2520280"/>
+              <a:gd name="connsiteY6-14" fmla="*/ 0 h 1872208"/>
+              <a:gd name="connsiteX7-15" fmla="*/ 0 w 2520280"/>
+              <a:gd name="connsiteY7-16" fmla="*/ 0 h 1872208"/>
+              <a:gd name="connsiteX0-17" fmla="*/ 0 w 2520280"/>
+              <a:gd name="connsiteY0-18" fmla="*/ 1872208 h 1872208"/>
+              <a:gd name="connsiteX1-19" fmla="*/ 2520280 w 2520280"/>
+              <a:gd name="connsiteY1-20" fmla="*/ 1584176 h 1872208"/>
+              <a:gd name="connsiteX2-21" fmla="*/ 2520280 w 2520280"/>
+              <a:gd name="connsiteY2-22" fmla="*/ 1872208 h 1872208"/>
+              <a:gd name="connsiteX3-23" fmla="*/ 0 w 2520280"/>
+              <a:gd name="connsiteY3-24" fmla="*/ 1872208 h 1872208"/>
+              <a:gd name="connsiteX4-25" fmla="*/ 0 w 2520280"/>
+              <a:gd name="connsiteY4-26" fmla="*/ 0 h 1872208"/>
+              <a:gd name="connsiteX5-27" fmla="*/ 2520280 w 2520280"/>
+              <a:gd name="connsiteY5-28" fmla="*/ 0 h 1872208"/>
+              <a:gd name="connsiteX6-29" fmla="*/ 0 w 2520280"/>
+              <a:gd name="connsiteY6-30" fmla="*/ 0 h 1872208"/>
+              <a:gd name="connsiteX0-31" fmla="*/ 0 w 2520280"/>
+              <a:gd name="connsiteY0-32" fmla="*/ 1872208 h 1872208"/>
+              <a:gd name="connsiteX1-33" fmla="*/ 2520280 w 2520280"/>
+              <a:gd name="connsiteY1-34" fmla="*/ 1872208 h 1872208"/>
+              <a:gd name="connsiteX2-35" fmla="*/ 0 w 2520280"/>
+              <a:gd name="connsiteY2-36" fmla="*/ 1872208 h 1872208"/>
+              <a:gd name="connsiteX3-37" fmla="*/ 0 w 2520280"/>
+              <a:gd name="connsiteY3-38" fmla="*/ 0 h 1872208"/>
+              <a:gd name="connsiteX4-39" fmla="*/ 2520280 w 2520280"/>
+              <a:gd name="connsiteY4-40" fmla="*/ 0 h 1872208"/>
+              <a:gd name="connsiteX5-41" fmla="*/ 0 w 2520280"/>
+              <a:gd name="connsiteY5-42" fmla="*/ 0 h 1872208"/>
+              <a:gd name="connsiteX0-43" fmla="*/ 0 w 2520280"/>
+              <a:gd name="connsiteY0-44" fmla="*/ 1872208 h 1872208"/>
+              <a:gd name="connsiteX1-45" fmla="*/ 2520280 w 2520280"/>
+              <a:gd name="connsiteY1-46" fmla="*/ 1872208 h 1872208"/>
+              <a:gd name="connsiteX2-47" fmla="*/ 0 w 2520280"/>
+              <a:gd name="connsiteY2-48" fmla="*/ 1872208 h 1872208"/>
+              <a:gd name="connsiteX3-49" fmla="*/ 0 w 2520280"/>
+              <a:gd name="connsiteY3-50" fmla="*/ 0 h 1872208"/>
+              <a:gd name="connsiteX4-51" fmla="*/ 34255 w 2520280"/>
+              <a:gd name="connsiteY4-52" fmla="*/ 0 h 1872208"/>
+              <a:gd name="connsiteX5-53" fmla="*/ 0 w 2520280"/>
+              <a:gd name="connsiteY5-54" fmla="*/ 0 h 1872208"/>
+              <a:gd name="connsiteX0-55" fmla="*/ 0 w 2520280"/>
+              <a:gd name="connsiteY0-56" fmla="*/ 1872208 h 1872208"/>
+              <a:gd name="connsiteX1-57" fmla="*/ 2520280 w 2520280"/>
+              <a:gd name="connsiteY1-58" fmla="*/ 1872208 h 1872208"/>
+              <a:gd name="connsiteX2-59" fmla="*/ 0 w 2520280"/>
+              <a:gd name="connsiteY2-60" fmla="*/ 1872208 h 1872208"/>
+              <a:gd name="connsiteX3-61" fmla="*/ 0 w 2520280"/>
+              <a:gd name="connsiteY3-62" fmla="*/ 0 h 1872208"/>
+              <a:gd name="connsiteX4-63" fmla="*/ 917 w 2520280"/>
+              <a:gd name="connsiteY4-64" fmla="*/ 6036 h 1872208"/>
+              <a:gd name="connsiteX5-65" fmla="*/ 0 w 2520280"/>
+              <a:gd name="connsiteY5-66" fmla="*/ 0 h 1872208"/>
+              <a:gd name="connsiteX0-67" fmla="*/ 0 w 2520280"/>
+              <a:gd name="connsiteY0-68" fmla="*/ 1890314 h 1890314"/>
+              <a:gd name="connsiteX1-69" fmla="*/ 2520280 w 2520280"/>
+              <a:gd name="connsiteY1-70" fmla="*/ 1890314 h 1890314"/>
+              <a:gd name="connsiteX2-71" fmla="*/ 0 w 2520280"/>
+              <a:gd name="connsiteY2-72" fmla="*/ 1890314 h 1890314"/>
+              <a:gd name="connsiteX3-73" fmla="*/ 0 w 2520280"/>
+              <a:gd name="connsiteY3-74" fmla="*/ 18106 h 1890314"/>
+              <a:gd name="connsiteX4-75" fmla="*/ 53304 w 2520280"/>
+              <a:gd name="connsiteY4-76" fmla="*/ 0 h 1890314"/>
+              <a:gd name="connsiteX5-77" fmla="*/ 0 w 2520280"/>
+              <a:gd name="connsiteY5-78" fmla="*/ 18106 h 1890314"/>
+              <a:gd name="connsiteX0-79" fmla="*/ 0 w 2520280"/>
+              <a:gd name="connsiteY0-80" fmla="*/ 1872208 h 1872208"/>
+              <a:gd name="connsiteX1-81" fmla="*/ 2520280 w 2520280"/>
+              <a:gd name="connsiteY1-82" fmla="*/ 1872208 h 1872208"/>
+              <a:gd name="connsiteX2-83" fmla="*/ 0 w 2520280"/>
+              <a:gd name="connsiteY2-84" fmla="*/ 1872208 h 1872208"/>
+              <a:gd name="connsiteX3-85" fmla="*/ 0 w 2520280"/>
+              <a:gd name="connsiteY3-86" fmla="*/ 0 h 1872208"/>
+              <a:gd name="connsiteX4-87" fmla="*/ 916 w 2520280"/>
+              <a:gd name="connsiteY4-88" fmla="*/ 0 h 1872208"/>
+              <a:gd name="connsiteX5-89" fmla="*/ 0 w 2520280"/>
+              <a:gd name="connsiteY5-90" fmla="*/ 0 h 1872208"/>
+            </a:gdLst>
+            <a:ahLst/>
+            <a:cxnLst>
+              <a:cxn ang="0">
+                <a:pos x="connsiteX0-1" y="connsiteY0-2"/>
+              </a:cxn>
+              <a:cxn ang="0">
+                <a:pos x="connsiteX1-3" y="connsiteY1-4"/>
+              </a:cxn>
+              <a:cxn ang="0">
+                <a:pos x="connsiteX2-5" y="connsiteY2-6"/>
+              </a:cxn>
+              <a:cxn ang="0">
+                <a:pos x="connsiteX3-7" y="connsiteY3-8"/>
+              </a:cxn>
+              <a:cxn ang="0">
+                <a:pos x="connsiteX4-9" y="connsiteY4-10"/>
+              </a:cxn>
+              <a:cxn ang="0">
+                <a:pos x="connsiteX5-11" y="connsiteY5-12"/>
+              </a:cxn>
+            </a:cxnLst>
+            <a:rect l="l" t="t" r="r" b="b"/>
+            <a:pathLst>
+              <a:path w="2520280" h="1872208">
+                <a:moveTo>
+                  <a:pt x="0" y="1872208"/>
+                </a:moveTo>
+                <a:lnTo>
+                  <a:pt x="2520280" y="1872208"/>
+                </a:lnTo>
+                <a:lnTo>
+                  <a:pt x="0" y="1872208"/>
+                </a:lnTo>
+                <a:close/>
+                <a:moveTo>
+                  <a:pt x="0" y="0"/>
+                </a:moveTo>
+                <a:lnTo>
+                  <a:pt x="916" y="0"/>
+                </a:lnTo>
+                <a:lnTo>
+                  <a:pt x="0" y="0"/>
+                </a:lnTo>
+                <a:close/>
+              </a:path>
+            </a:pathLst>
+          </a:custGeom>
+          <a:noFill/>
+          <a:ln w="3175" cap="sq">
+            <a:noFill/>
+            <a:bevel/>
+          </a:ln>
+        </p:spPr>
+        <p:style>
+          <a:lnRef idx="2">
+            <a:schemeClr val="accent1">
+              <a:shade val="50000"/>
+            </a:schemeClr>
+          </a:lnRef>
+          <a:fillRef idx="1">
+            <a:schemeClr val="accent1"/>
+          </a:fillRef>
+          <a:effectRef idx="0">
+            <a:schemeClr val="accent1"/>
+          </a:effectRef>
+          <a:fontRef idx="minor">
+            <a:schemeClr val="lt1"/>
+          </a:fontRef>
+        </p:style>
+        <p:txBody>
+          <a:bodyPr rot="0" spcFirstLastPara="0" vertOverflow="overflow" horzOverflow="overflow" vert="horz" wrap="square" lIns="0" tIns="0" rIns="0" bIns="0" numCol="1" spcCol="0" rtlCol="0" fromWordArt="0" anchor="ctr" anchorCtr="0" forceAA="0" compatLnSpc="1">
+            <a:spAutoFit/>
+          </a:bodyPr>
+          <a:lstStyle/>
+          <a:p>
+            <a:pPr defTabSz="852086" fontAlgn="base">
+              <a:spcBef>
+                <a:spcPct val="0"/>
+              </a:spcBef>
+              <a:spcAft>
+                <a:spcPct val="0"/>
+              </a:spcAft>
+            </a:pPr>
+            <a:r>
+              <a:rPr lang="zh-CN" altLang="en-US" sz="3200" dirty="0" smtClean="0">
+                <a:solidFill>
+                  <a:schemeClr val="tx1">
+                    <a:lumMod val="95000"/>
+                    <a:lumOff val="5000"/>
+                  </a:schemeClr>
+                </a:solidFill>
+                <a:latin typeface="微软雅黑" panose="020B0503020204020204" pitchFamily="34" charset="-122"/>
+                <a:ea typeface="微软雅黑" panose="020B0503020204020204" pitchFamily="34" charset="-122"/>
+                <a:sym typeface="Arial" panose="020B0604020202020204" pitchFamily="34" charset="0"/>
+              </a:rPr>
+              <a:t>绘图设计</a:t>
+            </a:r>
+            <a:endParaRPr lang="zh-CN" altLang="en-US" sz="3200" dirty="0">
+              <a:solidFill>
+                <a:schemeClr val="tx1">
+                  <a:lumMod val="95000"/>
+                  <a:lumOff val="5000"/>
+                </a:schemeClr>
+              </a:solidFill>
+              <a:latin typeface="微软雅黑" panose="020B0503020204020204" pitchFamily="34" charset="-122"/>
+              <a:ea typeface="微软雅黑" panose="020B0503020204020204" pitchFamily="34" charset="-122"/>
+              <a:sym typeface="Arial" panose="020B0604020202020204" pitchFamily="34" charset="0"/>
+            </a:endParaRPr>
+          </a:p>
+        </p:txBody>
+      </p:sp>
+      <p:cxnSp>
+        <p:nvCxnSpPr>
+          <p:cNvPr id="9" name="直接连接符 8">
+            <a:extLst>
+              <a:ext uri="{FF2B5EF4-FFF2-40B4-BE49-F238E27FC236}">
+                <a16:creationId xmlns:a16="http://schemas.microsoft.com/office/drawing/2014/main" id="{17F0C592-CD4A-43EC-B0A9-3B9DF01627A3}"/>
+              </a:ext>
+            </a:extLst>
+          </p:cNvPr>
+          <p:cNvCxnSpPr/>
+          <p:nvPr/>
+        </p:nvCxnSpPr>
+        <p:spPr>
+          <a:xfrm>
+            <a:off x="0" y="837274"/>
+            <a:ext cx="12266579" cy="0"/>
+          </a:xfrm>
+          <a:prstGeom prst="line">
+            <a:avLst/>
+          </a:prstGeom>
+          <a:ln w="19050">
+            <a:solidFill>
+              <a:schemeClr val="bg1">
+                <a:lumMod val="85000"/>
+              </a:schemeClr>
+            </a:solidFill>
+          </a:ln>
+        </p:spPr>
+        <p:style>
+          <a:lnRef idx="1">
+            <a:schemeClr val="accent1"/>
+          </a:lnRef>
+          <a:fillRef idx="0">
+            <a:schemeClr val="accent1"/>
+          </a:fillRef>
+          <a:effectRef idx="0">
+            <a:schemeClr val="accent1"/>
+          </a:effectRef>
+          <a:fontRef idx="minor">
+            <a:schemeClr val="tx1"/>
+          </a:fontRef>
+        </p:style>
+      </p:cxnSp>
+      <p:pic>
+        <p:nvPicPr>
+          <p:cNvPr id="20" name="图片 19"/>
+          <p:cNvPicPr>
+            <a:picLocks noChangeAspect="1"/>
+          </p:cNvPicPr>
+          <p:nvPr/>
+        </p:nvPicPr>
+        <p:blipFill>
+          <a:blip r:embed="rId4">
+            <a:extLst>
+              <a:ext uri="{28A0092B-C50C-407E-A947-70E740481C1C}">
+                <a14:useLocalDpi xmlns:a14="http://schemas.microsoft.com/office/drawing/2010/main" val="0"/>
+              </a:ext>
+            </a:extLst>
+          </a:blip>
+          <a:stretch>
+            <a:fillRect/>
+          </a:stretch>
+        </p:blipFill>
+        <p:spPr>
+          <a:xfrm>
+            <a:off x="9707907" y="9298"/>
+            <a:ext cx="2484093" cy="1397302"/>
+          </a:xfrm>
+          <a:prstGeom prst="rect">
+            <a:avLst/>
+          </a:prstGeom>
+        </p:spPr>
+      </p:pic>
+      <p:pic>
+        <p:nvPicPr>
+          <p:cNvPr id="24" name="图片 23"/>
+          <p:cNvPicPr>
+            <a:picLocks noChangeAspect="1"/>
+          </p:cNvPicPr>
+          <p:nvPr/>
+        </p:nvPicPr>
+        <p:blipFill>
+          <a:blip r:embed="rId5"/>
+          <a:stretch>
+            <a:fillRect/>
+          </a:stretch>
+        </p:blipFill>
+        <p:spPr>
+          <a:xfrm>
+            <a:off x="597537" y="1665251"/>
+            <a:ext cx="6003392" cy="1838333"/>
+          </a:xfrm>
+          <a:prstGeom prst="rect">
+            <a:avLst/>
+          </a:prstGeom>
+        </p:spPr>
+      </p:pic>
+      <p:sp>
+        <p:nvSpPr>
+          <p:cNvPr id="25" name="文本框 24"/>
+          <p:cNvSpPr txBox="1"/>
+          <p:nvPr/>
+        </p:nvSpPr>
+        <p:spPr>
+          <a:xfrm>
+            <a:off x="6916365" y="1437604"/>
+            <a:ext cx="4319081" cy="4401205"/>
+          </a:xfrm>
+          <a:prstGeom prst="rect">
+            <a:avLst/>
+          </a:prstGeom>
+          <a:noFill/>
+        </p:spPr>
+        <p:txBody>
+          <a:bodyPr wrap="square" rtlCol="0">
+            <a:spAutoFit/>
+          </a:bodyPr>
+          <a:lstStyle/>
+          <a:p>
+            <a:pPr marL="285750" indent="-285750">
+              <a:buFont typeface="Wingdings" panose="05000000000000000000" pitchFamily="2" charset="2"/>
+              <a:buChar char="l"/>
+            </a:pPr>
+            <a:r>
+              <a:rPr lang="en-US" altLang="zh-CN" sz="2000" dirty="0" smtClean="0">
+                <a:latin typeface="微软雅黑" panose="020B0503020204020204" pitchFamily="34" charset="-122"/>
+                <a:ea typeface="微软雅黑" panose="020B0503020204020204" pitchFamily="34" charset="-122"/>
+              </a:rPr>
+              <a:t>Qt</a:t>
+            </a:r>
+            <a:r>
+              <a:rPr lang="zh-CN" altLang="en-US" sz="2000" dirty="0" smtClean="0">
+                <a:latin typeface="微软雅黑" panose="020B0503020204020204" pitchFamily="34" charset="-122"/>
+                <a:ea typeface="微软雅黑" panose="020B0503020204020204" pitchFamily="34" charset="-122"/>
+              </a:rPr>
+              <a:t>绘图系统中绘图都是统一在</a:t>
+            </a:r>
+            <a:r>
+              <a:rPr lang="en-US" altLang="zh-CN" sz="2000" dirty="0" err="1" smtClean="0">
+                <a:latin typeface="微软雅黑" panose="020B0503020204020204" pitchFamily="34" charset="-122"/>
+                <a:ea typeface="微软雅黑" panose="020B0503020204020204" pitchFamily="34" charset="-122"/>
+              </a:rPr>
+              <a:t>paintEvent</a:t>
+            </a:r>
+            <a:r>
+              <a:rPr lang="zh-CN" altLang="en-US" sz="2000" dirty="0" smtClean="0">
+                <a:latin typeface="微软雅黑" panose="020B0503020204020204" pitchFamily="34" charset="-122"/>
+                <a:ea typeface="微软雅黑" panose="020B0503020204020204" pitchFamily="34" charset="-122"/>
+              </a:rPr>
+              <a:t>中进行，此函数是</a:t>
+            </a:r>
+            <a:r>
+              <a:rPr lang="en-US" altLang="zh-CN" sz="2000" dirty="0" smtClean="0">
+                <a:latin typeface="微软雅黑" panose="020B0503020204020204" pitchFamily="34" charset="-122"/>
+                <a:ea typeface="微软雅黑" panose="020B0503020204020204" pitchFamily="34" charset="-122"/>
+              </a:rPr>
+              <a:t>Qt</a:t>
+            </a:r>
+            <a:r>
+              <a:rPr lang="zh-CN" altLang="en-US" sz="2000" dirty="0" smtClean="0">
+                <a:latin typeface="微软雅黑" panose="020B0503020204020204" pitchFamily="34" charset="-122"/>
+                <a:ea typeface="微软雅黑" panose="020B0503020204020204" pitchFamily="34" charset="-122"/>
+              </a:rPr>
+              <a:t>系统中的一个虚函数，用户可对其进行定义来实现自定义绘图。</a:t>
+            </a:r>
+            <a:endParaRPr lang="en-US" altLang="zh-CN" sz="2000" dirty="0" smtClean="0">
+              <a:latin typeface="微软雅黑" panose="020B0503020204020204" pitchFamily="34" charset="-122"/>
+              <a:ea typeface="微软雅黑" panose="020B0503020204020204" pitchFamily="34" charset="-122"/>
+            </a:endParaRPr>
+          </a:p>
+          <a:p>
+            <a:endParaRPr lang="en-US" altLang="zh-CN" sz="2000" dirty="0" smtClean="0">
+              <a:latin typeface="微软雅黑" panose="020B0503020204020204" pitchFamily="34" charset="-122"/>
+              <a:ea typeface="微软雅黑" panose="020B0503020204020204" pitchFamily="34" charset="-122"/>
+            </a:endParaRPr>
+          </a:p>
+          <a:p>
+            <a:pPr marL="285750" indent="-285750">
+              <a:buFont typeface="Wingdings" panose="05000000000000000000" pitchFamily="2" charset="2"/>
+              <a:buChar char="l"/>
+            </a:pPr>
+            <a:r>
+              <a:rPr lang="zh-CN" altLang="en-US" sz="2000" dirty="0" smtClean="0">
+                <a:latin typeface="微软雅黑" panose="020B0503020204020204" pitchFamily="34" charset="-122"/>
+                <a:ea typeface="微软雅黑" panose="020B0503020204020204" pitchFamily="34" charset="-122"/>
+              </a:rPr>
+              <a:t>本实验采用了两个</a:t>
+            </a:r>
+            <a:r>
+              <a:rPr lang="en-US" altLang="zh-CN" sz="2000" dirty="0" err="1" smtClean="0">
+                <a:latin typeface="微软雅黑" panose="020B0503020204020204" pitchFamily="34" charset="-122"/>
+                <a:ea typeface="微软雅黑" panose="020B0503020204020204" pitchFamily="34" charset="-122"/>
+              </a:rPr>
+              <a:t>pixmap</a:t>
+            </a:r>
+            <a:r>
+              <a:rPr lang="zh-CN" altLang="en-US" sz="2000" dirty="0" smtClean="0">
+                <a:latin typeface="微软雅黑" panose="020B0503020204020204" pitchFamily="34" charset="-122"/>
+                <a:ea typeface="微软雅黑" panose="020B0503020204020204" pitchFamily="34" charset="-122"/>
+              </a:rPr>
+              <a:t>作为绘图缓冲区，一个存储普通形状绘图，一个存储图像。程序中改变</a:t>
+            </a:r>
+            <a:r>
+              <a:rPr lang="en-US" altLang="zh-CN" sz="2000" dirty="0" err="1" smtClean="0">
+                <a:latin typeface="微软雅黑" panose="020B0503020204020204" pitchFamily="34" charset="-122"/>
+                <a:ea typeface="微软雅黑" panose="020B0503020204020204" pitchFamily="34" charset="-122"/>
+              </a:rPr>
+              <a:t>pixmap</a:t>
+            </a:r>
+            <a:r>
+              <a:rPr lang="zh-CN" altLang="en-US" sz="2000" dirty="0" smtClean="0">
+                <a:latin typeface="微软雅黑" panose="020B0503020204020204" pitchFamily="34" charset="-122"/>
+                <a:ea typeface="微软雅黑" panose="020B0503020204020204" pitchFamily="34" charset="-122"/>
+              </a:rPr>
+              <a:t>内容，并在</a:t>
+            </a:r>
+            <a:r>
+              <a:rPr lang="en-US" altLang="zh-CN" sz="2000" dirty="0" err="1" smtClean="0">
+                <a:latin typeface="微软雅黑" panose="020B0503020204020204" pitchFamily="34" charset="-122"/>
+                <a:ea typeface="微软雅黑" panose="020B0503020204020204" pitchFamily="34" charset="-122"/>
+              </a:rPr>
+              <a:t>paintEvent</a:t>
+            </a:r>
+            <a:r>
+              <a:rPr lang="zh-CN" altLang="en-US" sz="2000" dirty="0" smtClean="0">
+                <a:latin typeface="微软雅黑" panose="020B0503020204020204" pitchFamily="34" charset="-122"/>
+                <a:ea typeface="微软雅黑" panose="020B0503020204020204" pitchFamily="34" charset="-122"/>
+              </a:rPr>
+              <a:t>中统一进行绘制。</a:t>
+            </a:r>
+            <a:endParaRPr lang="en-US" altLang="zh-CN" sz="2000" dirty="0" smtClean="0">
+              <a:latin typeface="微软雅黑" panose="020B0503020204020204" pitchFamily="34" charset="-122"/>
+              <a:ea typeface="微软雅黑" panose="020B0503020204020204" pitchFamily="34" charset="-122"/>
+            </a:endParaRPr>
+          </a:p>
+          <a:p>
+            <a:endParaRPr lang="en-US" altLang="zh-CN" sz="2000" dirty="0" smtClean="0">
+              <a:latin typeface="微软雅黑" panose="020B0503020204020204" pitchFamily="34" charset="-122"/>
+              <a:ea typeface="微软雅黑" panose="020B0503020204020204" pitchFamily="34" charset="-122"/>
+            </a:endParaRPr>
+          </a:p>
+          <a:p>
+            <a:pPr marL="285750" indent="-285750">
+              <a:buFont typeface="Wingdings" panose="05000000000000000000" pitchFamily="2" charset="2"/>
+              <a:buChar char="l"/>
+            </a:pPr>
+            <a:r>
+              <a:rPr lang="zh-CN" altLang="en-US" sz="2000" dirty="0" smtClean="0">
+                <a:latin typeface="微软雅黑" panose="020B0503020204020204" pitchFamily="34" charset="-122"/>
+                <a:ea typeface="微软雅黑" panose="020B0503020204020204" pitchFamily="34" charset="-122"/>
+              </a:rPr>
+              <a:t>要实现形状绘图可叠加在图像上方，需将形状绘图</a:t>
+            </a:r>
+            <a:r>
+              <a:rPr lang="en-US" altLang="zh-CN" sz="2000" dirty="0" err="1" smtClean="0">
+                <a:latin typeface="微软雅黑" panose="020B0503020204020204" pitchFamily="34" charset="-122"/>
+                <a:ea typeface="微软雅黑" panose="020B0503020204020204" pitchFamily="34" charset="-122"/>
+              </a:rPr>
+              <a:t>pixmap</a:t>
+            </a:r>
+            <a:r>
+              <a:rPr lang="zh-CN" altLang="en-US" sz="2000" dirty="0" smtClean="0">
+                <a:latin typeface="微软雅黑" panose="020B0503020204020204" pitchFamily="34" charset="-122"/>
+                <a:ea typeface="微软雅黑" panose="020B0503020204020204" pitchFamily="34" charset="-122"/>
+              </a:rPr>
+              <a:t>填充内容设为透明，先绘制图片，再绘制形状。</a:t>
+            </a:r>
+            <a:endParaRPr lang="zh-CN" altLang="en-US" sz="2000" dirty="0">
+              <a:latin typeface="微软雅黑" panose="020B0503020204020204" pitchFamily="34" charset="-122"/>
+              <a:ea typeface="微软雅黑" panose="020B0503020204020204" pitchFamily="34" charset="-122"/>
+            </a:endParaRPr>
+          </a:p>
+        </p:txBody>
+      </p:sp>
+      <p:sp>
+        <p:nvSpPr>
+          <p:cNvPr id="26" name="左大括号 25"/>
+          <p:cNvSpPr/>
+          <p:nvPr/>
+        </p:nvSpPr>
+        <p:spPr>
+          <a:xfrm rot="16200000">
+            <a:off x="1135594" y="3168681"/>
+            <a:ext cx="184835" cy="1396137"/>
+          </a:xfrm>
+          <a:prstGeom prst="leftBrace">
+            <a:avLst/>
+          </a:prstGeom>
+          <a:ln w="22225"/>
+        </p:spPr>
+        <p:style>
+          <a:lnRef idx="1">
+            <a:schemeClr val="accent1"/>
+          </a:lnRef>
+          <a:fillRef idx="0">
+            <a:schemeClr val="accent1"/>
+          </a:fillRef>
+          <a:effectRef idx="0">
+            <a:schemeClr val="accent1"/>
+          </a:effectRef>
+          <a:fontRef idx="minor">
+            <a:schemeClr val="tx1"/>
+          </a:fontRef>
+        </p:style>
+        <p:txBody>
+          <a:bodyPr rtlCol="0" anchor="ctr"/>
+          <a:lstStyle/>
+          <a:p>
+            <a:pPr algn="ctr"/>
+            <a:endParaRPr lang="zh-CN" altLang="en-US"/>
+          </a:p>
+        </p:txBody>
+      </p:sp>
+      <p:sp>
+        <p:nvSpPr>
+          <p:cNvPr id="28" name="文本框 27"/>
+          <p:cNvSpPr txBox="1"/>
+          <p:nvPr/>
+        </p:nvSpPr>
+        <p:spPr>
+          <a:xfrm>
+            <a:off x="412712" y="4331560"/>
+            <a:ext cx="1999748" cy="646331"/>
+          </a:xfrm>
+          <a:prstGeom prst="rect">
+            <a:avLst/>
+          </a:prstGeom>
+          <a:noFill/>
+        </p:spPr>
+        <p:txBody>
+          <a:bodyPr wrap="square" rtlCol="0">
+            <a:spAutoFit/>
+          </a:bodyPr>
+          <a:lstStyle/>
+          <a:p>
+            <a:r>
+              <a:rPr lang="zh-CN" altLang="en-US" dirty="0" smtClean="0">
+                <a:latin typeface="微软雅黑" panose="020B0503020204020204" pitchFamily="34" charset="-122"/>
+                <a:ea typeface="微软雅黑" panose="020B0503020204020204" pitchFamily="34" charset="-122"/>
+              </a:rPr>
+              <a:t>信号与槽系统（</a:t>
+            </a:r>
+            <a:r>
+              <a:rPr lang="en-US" altLang="zh-CN" dirty="0" err="1" smtClean="0">
+                <a:latin typeface="微软雅黑" panose="020B0503020204020204" pitchFamily="34" charset="-122"/>
+                <a:ea typeface="微软雅黑" panose="020B0503020204020204" pitchFamily="34" charset="-122"/>
+              </a:rPr>
+              <a:t>CenterFrame</a:t>
+            </a:r>
+            <a:r>
+              <a:rPr lang="zh-CN" altLang="en-US" dirty="0" smtClean="0">
+                <a:latin typeface="微软雅黑" panose="020B0503020204020204" pitchFamily="34" charset="-122"/>
+                <a:ea typeface="微软雅黑" panose="020B0503020204020204" pitchFamily="34" charset="-122"/>
+              </a:rPr>
+              <a:t>）</a:t>
+            </a:r>
+            <a:endParaRPr lang="zh-CN" altLang="en-US" dirty="0">
+              <a:latin typeface="微软雅黑" panose="020B0503020204020204" pitchFamily="34" charset="-122"/>
+              <a:ea typeface="微软雅黑" panose="020B0503020204020204" pitchFamily="34" charset="-122"/>
+            </a:endParaRPr>
+          </a:p>
+        </p:txBody>
+      </p:sp>
+      <p:sp>
+        <p:nvSpPr>
+          <p:cNvPr id="29" name="文本框 28"/>
+          <p:cNvSpPr txBox="1"/>
+          <p:nvPr/>
+        </p:nvSpPr>
+        <p:spPr>
+          <a:xfrm>
+            <a:off x="3745149" y="4331560"/>
+            <a:ext cx="3803515" cy="646331"/>
+          </a:xfrm>
+          <a:prstGeom prst="rect">
+            <a:avLst/>
+          </a:prstGeom>
+          <a:noFill/>
+        </p:spPr>
+        <p:txBody>
+          <a:bodyPr wrap="square" rtlCol="0">
+            <a:spAutoFit/>
+          </a:bodyPr>
+          <a:lstStyle/>
+          <a:p>
+            <a:r>
+              <a:rPr lang="zh-CN" altLang="en-US" dirty="0" smtClean="0">
+                <a:latin typeface="微软雅黑" panose="020B0503020204020204" pitchFamily="34" charset="-122"/>
+                <a:ea typeface="微软雅黑" panose="020B0503020204020204" pitchFamily="34" charset="-122"/>
+              </a:rPr>
+              <a:t>绘图系统</a:t>
+            </a:r>
+            <a:endParaRPr lang="en-US" altLang="zh-CN" dirty="0" smtClean="0">
+              <a:latin typeface="微软雅黑" panose="020B0503020204020204" pitchFamily="34" charset="-122"/>
+              <a:ea typeface="微软雅黑" panose="020B0503020204020204" pitchFamily="34" charset="-122"/>
+            </a:endParaRPr>
+          </a:p>
+          <a:p>
+            <a:r>
+              <a:rPr lang="en-US" altLang="zh-CN" dirty="0" smtClean="0"/>
+              <a:t>(</a:t>
+            </a:r>
+            <a:r>
+              <a:rPr lang="en-US" altLang="zh-CN" dirty="0" err="1" smtClean="0"/>
+              <a:t>DrawWidget</a:t>
+            </a:r>
+            <a:r>
+              <a:rPr lang="en-US" altLang="zh-CN" dirty="0" smtClean="0"/>
+              <a:t>)</a:t>
+            </a:r>
+            <a:endParaRPr lang="zh-CN" altLang="en-US" dirty="0"/>
+          </a:p>
+        </p:txBody>
+      </p:sp>
+      <p:sp>
+        <p:nvSpPr>
+          <p:cNvPr id="30" name="左大括号 29"/>
+          <p:cNvSpPr/>
+          <p:nvPr/>
+        </p:nvSpPr>
+        <p:spPr>
+          <a:xfrm rot="16200000">
+            <a:off x="4254724" y="1622189"/>
+            <a:ext cx="194062" cy="4498348"/>
+          </a:xfrm>
+          <a:prstGeom prst="leftBrace">
+            <a:avLst/>
+          </a:prstGeom>
+          <a:ln w="22225"/>
+        </p:spPr>
+        <p:style>
+          <a:lnRef idx="1">
+            <a:schemeClr val="accent1"/>
+          </a:lnRef>
+          <a:fillRef idx="0">
+            <a:schemeClr val="accent1"/>
+          </a:fillRef>
+          <a:effectRef idx="0">
+            <a:schemeClr val="accent1"/>
+          </a:effectRef>
+          <a:fontRef idx="minor">
+            <a:schemeClr val="tx1"/>
+          </a:fontRef>
+        </p:style>
+        <p:txBody>
+          <a:bodyPr rtlCol="0" anchor="ctr"/>
+          <a:lstStyle/>
+          <a:p>
+            <a:pPr algn="ctr"/>
+            <a:endParaRPr lang="zh-CN" altLang="en-US"/>
+          </a:p>
+        </p:txBody>
+      </p:sp>
+    </p:spTree>
+    <p:extLst>
+      <p:ext uri="{BB962C8B-B14F-4D97-AF65-F5344CB8AC3E}">
+        <p14:creationId xmlns:p14="http://schemas.microsoft.com/office/powerpoint/2010/main" val="2840619113"/>
+      </p:ext>
+    </p:extLst>
+  </p:cSld>
+  <p:clrMapOvr>
+    <a:masterClrMapping/>
+  </p:clrMapOvr>
+  <mc:AlternateContent xmlns:mc="http://schemas.openxmlformats.org/markup-compatibility/2006" xmlns:p14="http://schemas.microsoft.com/office/powerpoint/2010/main">
+    <mc:Choice Requires="p14">
+      <p:transition spd="slow" p14:dur="1600" advClick="0" advTm="2000">
+        <p14:gallery dir="l"/>
+      </p:transition>
+    </mc:Choice>
+    <mc:Fallback xmlns="">
+      <p:transition spd="slow" advClick="0" advTm="2000">
+        <p:fade/>
+      </p:transition>
+    </mc:Fallback>
+  </mc:AlternateContent>
+  <p:timing>
+    <p:tnLst>
+      <p:par>
+        <p:cTn id="1" dur="indefinite" restart="never" nodeType="tmRoot"/>
+      </p:par>
+    </p:tnLst>
+  </p:timing>
+</p:sld>
+</file>
+
+<file path=ppt/slides/slide7.xml><?xml version="1.0" encoding="utf-8"?>
+<p:sld xmlns:a="http://schemas.openxmlformats.org/drawingml/2006/main" xmlns:r="http://schemas.openxmlformats.org/officeDocument/2006/relationships" xmlns:p="http://schemas.openxmlformats.org/presentationml/2006/main" showMasterSp="0">
+  <p:cSld>
+    <p:spTree>
+      <p:nvGrpSpPr>
+        <p:cNvPr id="1" name=""/>
+        <p:cNvGrpSpPr/>
+        <p:nvPr/>
+      </p:nvGrpSpPr>
+      <p:grpSpPr>
+        <a:xfrm>
+          <a:off x="0" y="0"/>
+          <a:ext cx="0" cy="0"/>
+          <a:chOff x="0" y="0"/>
+          <a:chExt cx="0" cy="0"/>
+        </a:xfrm>
+      </p:grpSpPr>
+      <p:grpSp>
+        <p:nvGrpSpPr>
+          <p:cNvPr id="2" name="组合 1">
+            <a:extLst>
+              <a:ext uri="{FF2B5EF4-FFF2-40B4-BE49-F238E27FC236}">
+                <a16:creationId xmlns:a16="http://schemas.microsoft.com/office/drawing/2014/main" id="{CD9D861D-14AD-4E72-9C94-B5DEBD90F086}"/>
+              </a:ext>
+            </a:extLst>
+          </p:cNvPr>
+          <p:cNvGrpSpPr/>
+          <p:nvPr/>
+        </p:nvGrpSpPr>
+        <p:grpSpPr>
+          <a:xfrm>
+            <a:off x="216132" y="230896"/>
+            <a:ext cx="627622" cy="477053"/>
+            <a:chOff x="1634347" y="2691119"/>
+            <a:chExt cx="854931" cy="649830"/>
+          </a:xfrm>
+        </p:grpSpPr>
+        <p:sp>
+          <p:nvSpPr>
+            <p:cNvPr id="3" name="文本框 2">
+              <a:extLst>
+                <a:ext uri="{FF2B5EF4-FFF2-40B4-BE49-F238E27FC236}">
+                  <a16:creationId xmlns:a16="http://schemas.microsoft.com/office/drawing/2014/main" id="{54955C1C-887E-41A0-904F-D16E3E735A83}"/>
+                </a:ext>
+              </a:extLst>
+            </p:cNvPr>
+            <p:cNvSpPr txBox="1"/>
+            <p:nvPr/>
+          </p:nvSpPr>
+          <p:spPr>
+            <a:xfrm>
+              <a:off x="1634347" y="2691119"/>
+              <a:ext cx="854931" cy="628869"/>
+            </a:xfrm>
+            <a:prstGeom prst="rect">
+              <a:avLst/>
+            </a:prstGeom>
+            <a:noFill/>
+          </p:spPr>
+          <p:txBody>
+            <a:bodyPr wrap="square" rtlCol="0">
+              <a:spAutoFit/>
+              <a:scene3d>
+                <a:camera prst="orthographicFront"/>
+                <a:lightRig rig="threePt" dir="t"/>
+              </a:scene3d>
+              <a:sp3d contourW="12700"/>
+            </a:bodyPr>
+            <a:lstStyle/>
+            <a:p>
+              <a:r>
+                <a:rPr lang="en-US" altLang="zh-CN" sz="2400" b="1" dirty="0" smtClean="0">
+                  <a:solidFill>
+                    <a:schemeClr val="tx1">
+                      <a:lumMod val="95000"/>
+                      <a:lumOff val="5000"/>
+                    </a:schemeClr>
+                  </a:solidFill>
+                  <a:latin typeface="Century Gothic" panose="020B0502020202020204" pitchFamily="34" charset="0"/>
+                  <a:ea typeface="迷你简综艺" panose="03000509000000000000" pitchFamily="65" charset="-122"/>
+                </a:rPr>
+                <a:t>05</a:t>
+              </a:r>
+              <a:endParaRPr lang="zh-CN" altLang="en-US" sz="2400" b="1" dirty="0">
+                <a:solidFill>
+                  <a:schemeClr val="tx1">
+                    <a:lumMod val="95000"/>
+                    <a:lumOff val="5000"/>
+                  </a:schemeClr>
+                </a:solidFill>
+                <a:latin typeface="Century Gothic" panose="020B0502020202020204" pitchFamily="34" charset="0"/>
+                <a:ea typeface="迷你简综艺" panose="03000509000000000000" pitchFamily="65" charset="-122"/>
+              </a:endParaRPr>
+            </a:p>
+          </p:txBody>
+        </p:sp>
+        <p:cxnSp>
+          <p:nvCxnSpPr>
+            <p:cNvPr id="4" name="直接连接符 3">
+              <a:extLst>
+                <a:ext uri="{FF2B5EF4-FFF2-40B4-BE49-F238E27FC236}">
+                  <a16:creationId xmlns:a16="http://schemas.microsoft.com/office/drawing/2014/main" id="{4A40D8A2-C871-43A3-85F9-AFDBF9D04AB6}"/>
+                </a:ext>
+              </a:extLst>
+            </p:cNvPr>
+            <p:cNvCxnSpPr/>
+            <p:nvPr/>
+          </p:nvCxnSpPr>
+          <p:spPr>
+            <a:xfrm>
+              <a:off x="2324101" y="2738437"/>
+              <a:ext cx="0" cy="602512"/>
+            </a:xfrm>
+            <a:prstGeom prst="line">
+              <a:avLst/>
+            </a:prstGeom>
+            <a:ln w="12700">
+              <a:solidFill>
+                <a:schemeClr val="bg1">
+                  <a:lumMod val="65000"/>
+                </a:schemeClr>
+              </a:solidFill>
+            </a:ln>
+          </p:spPr>
+          <p:style>
+            <a:lnRef idx="1">
+              <a:schemeClr val="accent1"/>
+            </a:lnRef>
+            <a:fillRef idx="0">
+              <a:schemeClr val="accent1"/>
+            </a:fillRef>
+            <a:effectRef idx="0">
+              <a:schemeClr val="accent1"/>
+            </a:effectRef>
+            <a:fontRef idx="minor">
+              <a:schemeClr val="tx1"/>
+            </a:fontRef>
+          </p:style>
+        </p:cxnSp>
+      </p:grpSp>
+      <p:sp>
+        <p:nvSpPr>
+          <p:cNvPr id="5" name="MH_Entry_2">
+            <a:extLst>
+              <a:ext uri="{FF2B5EF4-FFF2-40B4-BE49-F238E27FC236}">
+                <a16:creationId xmlns:a16="http://schemas.microsoft.com/office/drawing/2014/main" id="{24FC7193-8B9E-4350-97D4-95160D49D230}"/>
+              </a:ext>
+            </a:extLst>
+          </p:cNvPr>
+          <p:cNvSpPr/>
+          <p:nvPr>
+            <p:custDataLst>
+              <p:tags r:id="rId1"/>
+            </p:custDataLst>
+          </p:nvPr>
+        </p:nvSpPr>
+        <p:spPr>
+          <a:xfrm>
+            <a:off x="1015628" y="215506"/>
+            <a:ext cx="2583605" cy="492443"/>
+          </a:xfrm>
+          <a:custGeom>
+            <a:avLst/>
+            <a:gdLst>
+              <a:gd name="connsiteX0" fmla="*/ 0 w 2520280"/>
+              <a:gd name="connsiteY0" fmla="*/ 1584176 h 1872208"/>
+              <a:gd name="connsiteX1" fmla="*/ 2520280 w 2520280"/>
+              <a:gd name="connsiteY1" fmla="*/ 1584176 h 1872208"/>
+              <a:gd name="connsiteX2" fmla="*/ 2520280 w 2520280"/>
+              <a:gd name="connsiteY2" fmla="*/ 1872208 h 1872208"/>
+              <a:gd name="connsiteX3" fmla="*/ 0 w 2520280"/>
+              <a:gd name="connsiteY3" fmla="*/ 1872208 h 1872208"/>
+              <a:gd name="connsiteX4" fmla="*/ 0 w 2520280"/>
+              <a:gd name="connsiteY4" fmla="*/ 1584176 h 1872208"/>
+              <a:gd name="connsiteX5" fmla="*/ 0 w 2520280"/>
+              <a:gd name="connsiteY5" fmla="*/ 0 h 1872208"/>
+              <a:gd name="connsiteX6" fmla="*/ 2520280 w 2520280"/>
+              <a:gd name="connsiteY6" fmla="*/ 0 h 1872208"/>
+              <a:gd name="connsiteX7" fmla="*/ 2520280 w 2520280"/>
+              <a:gd name="connsiteY7" fmla="*/ 288032 h 1872208"/>
+              <a:gd name="connsiteX8" fmla="*/ 0 w 2520280"/>
+              <a:gd name="connsiteY8" fmla="*/ 0 h 1872208"/>
+              <a:gd name="connsiteX0-1" fmla="*/ 0 w 2520280"/>
+              <a:gd name="connsiteY0-2" fmla="*/ 1584176 h 1872208"/>
+              <a:gd name="connsiteX1-3" fmla="*/ 2520280 w 2520280"/>
+              <a:gd name="connsiteY1-4" fmla="*/ 1584176 h 1872208"/>
+              <a:gd name="connsiteX2-5" fmla="*/ 2520280 w 2520280"/>
+              <a:gd name="connsiteY2-6" fmla="*/ 1872208 h 1872208"/>
+              <a:gd name="connsiteX3-7" fmla="*/ 0 w 2520280"/>
+              <a:gd name="connsiteY3-8" fmla="*/ 1872208 h 1872208"/>
+              <a:gd name="connsiteX4-9" fmla="*/ 0 w 2520280"/>
+              <a:gd name="connsiteY4-10" fmla="*/ 1584176 h 1872208"/>
+              <a:gd name="connsiteX5-11" fmla="*/ 0 w 2520280"/>
+              <a:gd name="connsiteY5-12" fmla="*/ 0 h 1872208"/>
+              <a:gd name="connsiteX6-13" fmla="*/ 2520280 w 2520280"/>
+              <a:gd name="connsiteY6-14" fmla="*/ 0 h 1872208"/>
+              <a:gd name="connsiteX7-15" fmla="*/ 0 w 2520280"/>
+              <a:gd name="connsiteY7-16" fmla="*/ 0 h 1872208"/>
+              <a:gd name="connsiteX0-17" fmla="*/ 0 w 2520280"/>
+              <a:gd name="connsiteY0-18" fmla="*/ 1872208 h 1872208"/>
+              <a:gd name="connsiteX1-19" fmla="*/ 2520280 w 2520280"/>
+              <a:gd name="connsiteY1-20" fmla="*/ 1584176 h 1872208"/>
+              <a:gd name="connsiteX2-21" fmla="*/ 2520280 w 2520280"/>
+              <a:gd name="connsiteY2-22" fmla="*/ 1872208 h 1872208"/>
+              <a:gd name="connsiteX3-23" fmla="*/ 0 w 2520280"/>
+              <a:gd name="connsiteY3-24" fmla="*/ 1872208 h 1872208"/>
+              <a:gd name="connsiteX4-25" fmla="*/ 0 w 2520280"/>
+              <a:gd name="connsiteY4-26" fmla="*/ 0 h 1872208"/>
+              <a:gd name="connsiteX5-27" fmla="*/ 2520280 w 2520280"/>
+              <a:gd name="connsiteY5-28" fmla="*/ 0 h 1872208"/>
+              <a:gd name="connsiteX6-29" fmla="*/ 0 w 2520280"/>
+              <a:gd name="connsiteY6-30" fmla="*/ 0 h 1872208"/>
+              <a:gd name="connsiteX0-31" fmla="*/ 0 w 2520280"/>
+              <a:gd name="connsiteY0-32" fmla="*/ 1872208 h 1872208"/>
+              <a:gd name="connsiteX1-33" fmla="*/ 2520280 w 2520280"/>
+              <a:gd name="connsiteY1-34" fmla="*/ 1872208 h 1872208"/>
+              <a:gd name="connsiteX2-35" fmla="*/ 0 w 2520280"/>
+              <a:gd name="connsiteY2-36" fmla="*/ 1872208 h 1872208"/>
+              <a:gd name="connsiteX3-37" fmla="*/ 0 w 2520280"/>
+              <a:gd name="connsiteY3-38" fmla="*/ 0 h 1872208"/>
+              <a:gd name="connsiteX4-39" fmla="*/ 2520280 w 2520280"/>
+              <a:gd name="connsiteY4-40" fmla="*/ 0 h 1872208"/>
+              <a:gd name="connsiteX5-41" fmla="*/ 0 w 2520280"/>
+              <a:gd name="connsiteY5-42" fmla="*/ 0 h 1872208"/>
+              <a:gd name="connsiteX0-43" fmla="*/ 0 w 2520280"/>
+              <a:gd name="connsiteY0-44" fmla="*/ 1872208 h 1872208"/>
+              <a:gd name="connsiteX1-45" fmla="*/ 2520280 w 2520280"/>
+              <a:gd name="connsiteY1-46" fmla="*/ 1872208 h 1872208"/>
+              <a:gd name="connsiteX2-47" fmla="*/ 0 w 2520280"/>
+              <a:gd name="connsiteY2-48" fmla="*/ 1872208 h 1872208"/>
+              <a:gd name="connsiteX3-49" fmla="*/ 0 w 2520280"/>
+              <a:gd name="connsiteY3-50" fmla="*/ 0 h 1872208"/>
+              <a:gd name="connsiteX4-51" fmla="*/ 34255 w 2520280"/>
+              <a:gd name="connsiteY4-52" fmla="*/ 0 h 1872208"/>
+              <a:gd name="connsiteX5-53" fmla="*/ 0 w 2520280"/>
+              <a:gd name="connsiteY5-54" fmla="*/ 0 h 1872208"/>
+              <a:gd name="connsiteX0-55" fmla="*/ 0 w 2520280"/>
+              <a:gd name="connsiteY0-56" fmla="*/ 1872208 h 1872208"/>
+              <a:gd name="connsiteX1-57" fmla="*/ 2520280 w 2520280"/>
+              <a:gd name="connsiteY1-58" fmla="*/ 1872208 h 1872208"/>
+              <a:gd name="connsiteX2-59" fmla="*/ 0 w 2520280"/>
+              <a:gd name="connsiteY2-60" fmla="*/ 1872208 h 1872208"/>
+              <a:gd name="connsiteX3-61" fmla="*/ 0 w 2520280"/>
+              <a:gd name="connsiteY3-62" fmla="*/ 0 h 1872208"/>
+              <a:gd name="connsiteX4-63" fmla="*/ 917 w 2520280"/>
+              <a:gd name="connsiteY4-64" fmla="*/ 6036 h 1872208"/>
+              <a:gd name="connsiteX5-65" fmla="*/ 0 w 2520280"/>
+              <a:gd name="connsiteY5-66" fmla="*/ 0 h 1872208"/>
+              <a:gd name="connsiteX0-67" fmla="*/ 0 w 2520280"/>
+              <a:gd name="connsiteY0-68" fmla="*/ 1890314 h 1890314"/>
+              <a:gd name="connsiteX1-69" fmla="*/ 2520280 w 2520280"/>
+              <a:gd name="connsiteY1-70" fmla="*/ 1890314 h 1890314"/>
+              <a:gd name="connsiteX2-71" fmla="*/ 0 w 2520280"/>
+              <a:gd name="connsiteY2-72" fmla="*/ 1890314 h 1890314"/>
+              <a:gd name="connsiteX3-73" fmla="*/ 0 w 2520280"/>
+              <a:gd name="connsiteY3-74" fmla="*/ 18106 h 1890314"/>
+              <a:gd name="connsiteX4-75" fmla="*/ 53304 w 2520280"/>
+              <a:gd name="connsiteY4-76" fmla="*/ 0 h 1890314"/>
+              <a:gd name="connsiteX5-77" fmla="*/ 0 w 2520280"/>
+              <a:gd name="connsiteY5-78" fmla="*/ 18106 h 1890314"/>
+              <a:gd name="connsiteX0-79" fmla="*/ 0 w 2520280"/>
+              <a:gd name="connsiteY0-80" fmla="*/ 1872208 h 1872208"/>
+              <a:gd name="connsiteX1-81" fmla="*/ 2520280 w 2520280"/>
+              <a:gd name="connsiteY1-82" fmla="*/ 1872208 h 1872208"/>
+              <a:gd name="connsiteX2-83" fmla="*/ 0 w 2520280"/>
+              <a:gd name="connsiteY2-84" fmla="*/ 1872208 h 1872208"/>
+              <a:gd name="connsiteX3-85" fmla="*/ 0 w 2520280"/>
+              <a:gd name="connsiteY3-86" fmla="*/ 0 h 1872208"/>
+              <a:gd name="connsiteX4-87" fmla="*/ 916 w 2520280"/>
+              <a:gd name="connsiteY4-88" fmla="*/ 0 h 1872208"/>
+              <a:gd name="connsiteX5-89" fmla="*/ 0 w 2520280"/>
+              <a:gd name="connsiteY5-90" fmla="*/ 0 h 1872208"/>
+            </a:gdLst>
+            <a:ahLst/>
+            <a:cxnLst>
+              <a:cxn ang="0">
+                <a:pos x="connsiteX0-1" y="connsiteY0-2"/>
+              </a:cxn>
+              <a:cxn ang="0">
+                <a:pos x="connsiteX1-3" y="connsiteY1-4"/>
+              </a:cxn>
+              <a:cxn ang="0">
+                <a:pos x="connsiteX2-5" y="connsiteY2-6"/>
+              </a:cxn>
+              <a:cxn ang="0">
+                <a:pos x="connsiteX3-7" y="connsiteY3-8"/>
+              </a:cxn>
+              <a:cxn ang="0">
+                <a:pos x="connsiteX4-9" y="connsiteY4-10"/>
+              </a:cxn>
+              <a:cxn ang="0">
+                <a:pos x="connsiteX5-11" y="connsiteY5-12"/>
+              </a:cxn>
+            </a:cxnLst>
+            <a:rect l="l" t="t" r="r" b="b"/>
+            <a:pathLst>
+              <a:path w="2520280" h="1872208">
+                <a:moveTo>
+                  <a:pt x="0" y="1872208"/>
+                </a:moveTo>
+                <a:lnTo>
+                  <a:pt x="2520280" y="1872208"/>
+                </a:lnTo>
+                <a:lnTo>
+                  <a:pt x="0" y="1872208"/>
+                </a:lnTo>
+                <a:close/>
+                <a:moveTo>
+                  <a:pt x="0" y="0"/>
+                </a:moveTo>
+                <a:lnTo>
+                  <a:pt x="916" y="0"/>
+                </a:lnTo>
+                <a:lnTo>
+                  <a:pt x="0" y="0"/>
+                </a:lnTo>
+                <a:close/>
+              </a:path>
+            </a:pathLst>
+          </a:custGeom>
+          <a:noFill/>
+          <a:ln w="3175" cap="sq">
+            <a:noFill/>
+            <a:bevel/>
+          </a:ln>
+        </p:spPr>
+        <p:style>
+          <a:lnRef idx="2">
+            <a:schemeClr val="accent1">
+              <a:shade val="50000"/>
+            </a:schemeClr>
+          </a:lnRef>
+          <a:fillRef idx="1">
+            <a:schemeClr val="accent1"/>
+          </a:fillRef>
+          <a:effectRef idx="0">
+            <a:schemeClr val="accent1"/>
+          </a:effectRef>
+          <a:fontRef idx="minor">
+            <a:schemeClr val="lt1"/>
+          </a:fontRef>
+        </p:style>
+        <p:txBody>
+          <a:bodyPr rot="0" spcFirstLastPara="0" vertOverflow="overflow" horzOverflow="overflow" vert="horz" wrap="square" lIns="0" tIns="0" rIns="0" bIns="0" numCol="1" spcCol="0" rtlCol="0" fromWordArt="0" anchor="ctr" anchorCtr="0" forceAA="0" compatLnSpc="1">
+            <a:spAutoFit/>
+          </a:bodyPr>
+          <a:lstStyle/>
+          <a:p>
+            <a:pPr defTabSz="852086" fontAlgn="base">
+              <a:spcBef>
+                <a:spcPct val="0"/>
+              </a:spcBef>
+              <a:spcAft>
+                <a:spcPct val="0"/>
+              </a:spcAft>
+            </a:pPr>
+            <a:r>
+              <a:rPr lang="zh-CN" altLang="en-US" sz="3200" dirty="0" smtClean="0">
+                <a:solidFill>
+                  <a:schemeClr val="tx1">
+                    <a:lumMod val="95000"/>
+                    <a:lumOff val="5000"/>
+                  </a:schemeClr>
+                </a:solidFill>
+                <a:latin typeface="微软雅黑" panose="020B0503020204020204" pitchFamily="34" charset="-122"/>
+                <a:ea typeface="微软雅黑" panose="020B0503020204020204" pitchFamily="34" charset="-122"/>
+                <a:sym typeface="Arial" panose="020B0604020202020204" pitchFamily="34" charset="0"/>
+              </a:rPr>
+              <a:t>绘图设计</a:t>
+            </a:r>
+            <a:endParaRPr lang="zh-CN" altLang="en-US" sz="3200" dirty="0">
+              <a:solidFill>
+                <a:schemeClr val="tx1">
+                  <a:lumMod val="95000"/>
+                  <a:lumOff val="5000"/>
+                </a:schemeClr>
+              </a:solidFill>
+              <a:latin typeface="微软雅黑" panose="020B0503020204020204" pitchFamily="34" charset="-122"/>
+              <a:ea typeface="微软雅黑" panose="020B0503020204020204" pitchFamily="34" charset="-122"/>
+              <a:sym typeface="Arial" panose="020B0604020202020204" pitchFamily="34" charset="0"/>
+            </a:endParaRPr>
+          </a:p>
+        </p:txBody>
+      </p:sp>
+      <p:cxnSp>
+        <p:nvCxnSpPr>
+          <p:cNvPr id="9" name="直接连接符 8">
+            <a:extLst>
+              <a:ext uri="{FF2B5EF4-FFF2-40B4-BE49-F238E27FC236}">
+                <a16:creationId xmlns:a16="http://schemas.microsoft.com/office/drawing/2014/main" id="{17F0C592-CD4A-43EC-B0A9-3B9DF01627A3}"/>
+              </a:ext>
+            </a:extLst>
+          </p:cNvPr>
+          <p:cNvCxnSpPr/>
+          <p:nvPr/>
+        </p:nvCxnSpPr>
+        <p:spPr>
+          <a:xfrm>
+            <a:off x="0" y="837274"/>
+            <a:ext cx="12266579" cy="0"/>
+          </a:xfrm>
+          <a:prstGeom prst="line">
+            <a:avLst/>
+          </a:prstGeom>
+          <a:ln w="19050">
+            <a:solidFill>
+              <a:schemeClr val="bg1">
+                <a:lumMod val="85000"/>
+              </a:schemeClr>
+            </a:solidFill>
+          </a:ln>
+        </p:spPr>
+        <p:style>
+          <a:lnRef idx="1">
+            <a:schemeClr val="accent1"/>
+          </a:lnRef>
+          <a:fillRef idx="0">
+            <a:schemeClr val="accent1"/>
+          </a:fillRef>
+          <a:effectRef idx="0">
+            <a:schemeClr val="accent1"/>
+          </a:effectRef>
+          <a:fontRef idx="minor">
+            <a:schemeClr val="tx1"/>
+          </a:fontRef>
+        </p:style>
+      </p:cxnSp>
+      <p:pic>
+        <p:nvPicPr>
+          <p:cNvPr id="20" name="图片 19"/>
+          <p:cNvPicPr>
+            <a:picLocks noChangeAspect="1"/>
+          </p:cNvPicPr>
+          <p:nvPr/>
+        </p:nvPicPr>
+        <p:blipFill>
+          <a:blip r:embed="rId4">
+            <a:extLst>
+              <a:ext uri="{28A0092B-C50C-407E-A947-70E740481C1C}">
+                <a14:useLocalDpi xmlns:a14="http://schemas.microsoft.com/office/drawing/2010/main" val="0"/>
+              </a:ext>
+            </a:extLst>
+          </a:blip>
+          <a:stretch>
+            <a:fillRect/>
+          </a:stretch>
+        </p:blipFill>
+        <p:spPr>
+          <a:xfrm>
+            <a:off x="9707907" y="9298"/>
+            <a:ext cx="2484093" cy="1397302"/>
+          </a:xfrm>
+          <a:prstGeom prst="rect">
+            <a:avLst/>
+          </a:prstGeom>
+        </p:spPr>
+      </p:pic>
+      <p:sp>
+        <p:nvSpPr>
+          <p:cNvPr id="8" name="文本框 7"/>
+          <p:cNvSpPr txBox="1"/>
+          <p:nvPr/>
+        </p:nvSpPr>
+        <p:spPr>
+          <a:xfrm>
+            <a:off x="621005" y="1759469"/>
+            <a:ext cx="4073242" cy="1015663"/>
+          </a:xfrm>
+          <a:prstGeom prst="rect">
+            <a:avLst/>
+          </a:prstGeom>
+          <a:noFill/>
+        </p:spPr>
+        <p:txBody>
+          <a:bodyPr wrap="square" rtlCol="0">
+            <a:spAutoFit/>
+          </a:bodyPr>
+          <a:lstStyle/>
+          <a:p>
+            <a:pPr marL="342900" indent="-342900">
+              <a:buFont typeface="Wingdings" panose="05000000000000000000" pitchFamily="2" charset="2"/>
+              <a:buChar char="l"/>
+            </a:pPr>
+            <a:r>
+              <a:rPr lang="en-US" altLang="zh-CN" sz="2000" dirty="0" smtClean="0">
+                <a:latin typeface="微软雅黑" panose="020B0503020204020204" pitchFamily="34" charset="-122"/>
+                <a:ea typeface="微软雅黑" panose="020B0503020204020204" pitchFamily="34" charset="-122"/>
+              </a:rPr>
+              <a:t>Qt</a:t>
+            </a:r>
+            <a:r>
+              <a:rPr lang="zh-CN" altLang="en-US" sz="2000" dirty="0" smtClean="0">
+                <a:latin typeface="微软雅黑" panose="020B0503020204020204" pitchFamily="34" charset="-122"/>
+                <a:ea typeface="微软雅黑" panose="020B0503020204020204" pitchFamily="34" charset="-122"/>
+              </a:rPr>
+              <a:t>中绘制直线，椭圆，正方形，文字都很方便，其他形状属于多边形</a:t>
+            </a:r>
+            <a:endParaRPr lang="zh-CN" altLang="en-US" sz="2000" dirty="0">
+              <a:latin typeface="微软雅黑" panose="020B0503020204020204" pitchFamily="34" charset="-122"/>
+              <a:ea typeface="微软雅黑" panose="020B0503020204020204" pitchFamily="34" charset="-122"/>
+            </a:endParaRPr>
+          </a:p>
+        </p:txBody>
+      </p:sp>
+      <p:sp>
+        <p:nvSpPr>
+          <p:cNvPr id="13" name="文本框 12"/>
+          <p:cNvSpPr txBox="1"/>
+          <p:nvPr/>
+        </p:nvSpPr>
+        <p:spPr>
+          <a:xfrm>
+            <a:off x="731421" y="4001904"/>
+            <a:ext cx="4276219" cy="1422954"/>
+          </a:xfrm>
+          <a:prstGeom prst="rect">
+            <a:avLst/>
+          </a:prstGeom>
+          <a:noFill/>
+        </p:spPr>
+        <p:txBody>
+          <a:bodyPr wrap="square" rtlCol="0">
+            <a:spAutoFit/>
+          </a:bodyPr>
+          <a:lstStyle/>
+          <a:p>
+            <a:pPr marL="400050" indent="-400050">
+              <a:lnSpc>
+                <a:spcPct val="150000"/>
+              </a:lnSpc>
+              <a:buFont typeface="+mj-lt"/>
+              <a:buAutoNum type="romanUcPeriod"/>
+            </a:pPr>
+            <a:r>
+              <a:rPr lang="zh-CN" altLang="en-US" sz="2000" dirty="0" smtClean="0">
+                <a:latin typeface="微软雅黑" panose="020B0503020204020204" pitchFamily="34" charset="-122"/>
+                <a:ea typeface="微软雅黑" panose="020B0503020204020204" pitchFamily="34" charset="-122"/>
+              </a:rPr>
+              <a:t>多边形绘制是基于点的</a:t>
+            </a:r>
+            <a:endParaRPr lang="en-US" altLang="zh-CN" sz="2000" dirty="0" smtClean="0">
+              <a:latin typeface="微软雅黑" panose="020B0503020204020204" pitchFamily="34" charset="-122"/>
+              <a:ea typeface="微软雅黑" panose="020B0503020204020204" pitchFamily="34" charset="-122"/>
+            </a:endParaRPr>
+          </a:p>
+          <a:p>
+            <a:pPr marL="400050" indent="-400050">
+              <a:lnSpc>
+                <a:spcPct val="150000"/>
+              </a:lnSpc>
+              <a:buFont typeface="+mj-lt"/>
+              <a:buAutoNum type="romanUcPeriod"/>
+            </a:pPr>
+            <a:r>
+              <a:rPr lang="zh-CN" altLang="en-US" sz="2000" dirty="0" smtClean="0">
+                <a:latin typeface="微软雅黑" panose="020B0503020204020204" pitchFamily="34" charset="-122"/>
+                <a:ea typeface="微软雅黑" panose="020B0503020204020204" pitchFamily="34" charset="-122"/>
+              </a:rPr>
+              <a:t>首先定义一个容器存储各个节点</a:t>
+            </a:r>
+            <a:endParaRPr lang="en-US" altLang="zh-CN" sz="2000" dirty="0" smtClean="0">
+              <a:latin typeface="微软雅黑" panose="020B0503020204020204" pitchFamily="34" charset="-122"/>
+              <a:ea typeface="微软雅黑" panose="020B0503020204020204" pitchFamily="34" charset="-122"/>
+            </a:endParaRPr>
+          </a:p>
+          <a:p>
+            <a:pPr marL="400050" indent="-400050">
+              <a:lnSpc>
+                <a:spcPct val="150000"/>
+              </a:lnSpc>
+              <a:buFont typeface="+mj-lt"/>
+              <a:buAutoNum type="romanUcPeriod"/>
+            </a:pPr>
+            <a:r>
+              <a:rPr lang="zh-CN" altLang="en-US" sz="2000" dirty="0" smtClean="0">
+                <a:latin typeface="微软雅黑" panose="020B0503020204020204" pitchFamily="34" charset="-122"/>
+                <a:ea typeface="微软雅黑" panose="020B0503020204020204" pitchFamily="34" charset="-122"/>
+              </a:rPr>
+              <a:t>最后调用</a:t>
+            </a:r>
+            <a:r>
+              <a:rPr lang="en-US" altLang="zh-CN" sz="2000" dirty="0" err="1">
+                <a:latin typeface="微软雅黑" panose="020B0503020204020204" pitchFamily="34" charset="-122"/>
+                <a:ea typeface="微软雅黑" panose="020B0503020204020204" pitchFamily="34" charset="-122"/>
+              </a:rPr>
+              <a:t>drawPolygon</a:t>
+            </a:r>
+            <a:endParaRPr lang="zh-CN" altLang="en-US" sz="2000" dirty="0">
+              <a:latin typeface="微软雅黑" panose="020B0503020204020204" pitchFamily="34" charset="-122"/>
+              <a:ea typeface="微软雅黑" panose="020B0503020204020204" pitchFamily="34" charset="-122"/>
+            </a:endParaRPr>
+          </a:p>
+        </p:txBody>
+      </p:sp>
+      <p:sp>
+        <p:nvSpPr>
+          <p:cNvPr id="14" name="等腰三角形 13"/>
+          <p:cNvSpPr/>
+          <p:nvPr/>
+        </p:nvSpPr>
+        <p:spPr>
+          <a:xfrm>
+            <a:off x="5321029" y="1406599"/>
+            <a:ext cx="1819073" cy="1531230"/>
+          </a:xfrm>
+          <a:prstGeom prst="triangle">
+            <a:avLst/>
+          </a:prstGeom>
+          <a:solidFill>
+            <a:srgbClr val="3BD13E"/>
+          </a:solidFill>
+        </p:spPr>
+        <p:style>
+          <a:lnRef idx="2">
+            <a:schemeClr val="accent1">
+              <a:shade val="50000"/>
+            </a:schemeClr>
+          </a:lnRef>
+          <a:fillRef idx="1">
+            <a:schemeClr val="accent1"/>
+          </a:fillRef>
+          <a:effectRef idx="0">
+            <a:schemeClr val="accent1"/>
+          </a:effectRef>
+          <a:fontRef idx="minor">
+            <a:schemeClr val="lt1"/>
+          </a:fontRef>
+        </p:style>
+        <p:txBody>
+          <a:bodyPr rtlCol="0" anchor="ctr"/>
+          <a:lstStyle/>
+          <a:p>
+            <a:pPr algn="ctr"/>
+            <a:endParaRPr lang="zh-CN" altLang="en-US"/>
+          </a:p>
+        </p:txBody>
+      </p:sp>
+      <p:sp>
+        <p:nvSpPr>
+          <p:cNvPr id="17" name="菱形 16"/>
+          <p:cNvSpPr/>
+          <p:nvPr/>
+        </p:nvSpPr>
+        <p:spPr>
+          <a:xfrm>
+            <a:off x="5321030" y="3507153"/>
+            <a:ext cx="1819073" cy="2412459"/>
+          </a:xfrm>
+          <a:prstGeom prst="diamond">
+            <a:avLst/>
+          </a:prstGeom>
+          <a:solidFill>
+            <a:srgbClr val="3BD13E"/>
+          </a:solidFill>
+        </p:spPr>
+        <p:style>
+          <a:lnRef idx="2">
+            <a:schemeClr val="accent1">
+              <a:shade val="50000"/>
+            </a:schemeClr>
+          </a:lnRef>
+          <a:fillRef idx="1">
+            <a:schemeClr val="accent1"/>
+          </a:fillRef>
+          <a:effectRef idx="0">
+            <a:schemeClr val="accent1"/>
+          </a:effectRef>
+          <a:fontRef idx="minor">
+            <a:schemeClr val="lt1"/>
+          </a:fontRef>
+        </p:style>
+        <p:txBody>
+          <a:bodyPr rtlCol="0" anchor="ctr"/>
+          <a:lstStyle/>
+          <a:p>
+            <a:pPr algn="ctr"/>
+            <a:endParaRPr lang="zh-CN" altLang="en-US"/>
+          </a:p>
+        </p:txBody>
+      </p:sp>
+      <p:sp>
+        <p:nvSpPr>
+          <p:cNvPr id="18" name="文本框 17"/>
+          <p:cNvSpPr txBox="1"/>
+          <p:nvPr/>
+        </p:nvSpPr>
+        <p:spPr>
+          <a:xfrm>
+            <a:off x="7766884" y="1772911"/>
+            <a:ext cx="3628417" cy="1015663"/>
+          </a:xfrm>
+          <a:prstGeom prst="rect">
+            <a:avLst/>
+          </a:prstGeom>
+          <a:noFill/>
+        </p:spPr>
+        <p:txBody>
+          <a:bodyPr wrap="square" rtlCol="0">
+            <a:spAutoFit/>
+          </a:bodyPr>
+          <a:lstStyle/>
+          <a:p>
+            <a:pPr marL="285750" indent="-285750">
+              <a:buFont typeface="Wingdings" panose="05000000000000000000" pitchFamily="2" charset="2"/>
+              <a:buChar char="l"/>
+            </a:pPr>
+            <a:r>
+              <a:rPr lang="zh-CN" altLang="en-US" sz="2000" dirty="0" smtClean="0">
+                <a:latin typeface="微软雅黑" panose="020B0503020204020204" pitchFamily="34" charset="-122"/>
+                <a:ea typeface="微软雅黑" panose="020B0503020204020204" pitchFamily="34" charset="-122"/>
+              </a:rPr>
+              <a:t>等腰三角形的下边两个点的坐标很容易看出，上顶点的</a:t>
+            </a:r>
+            <a:r>
+              <a:rPr lang="en-US" altLang="zh-CN" sz="2000" dirty="0" smtClean="0">
+                <a:latin typeface="微软雅黑" panose="020B0503020204020204" pitchFamily="34" charset="-122"/>
+                <a:ea typeface="微软雅黑" panose="020B0503020204020204" pitchFamily="34" charset="-122"/>
+              </a:rPr>
+              <a:t>x</a:t>
+            </a:r>
+            <a:r>
+              <a:rPr lang="zh-CN" altLang="en-US" sz="2000" dirty="0" smtClean="0">
+                <a:latin typeface="微软雅黑" panose="020B0503020204020204" pitchFamily="34" charset="-122"/>
+                <a:ea typeface="微软雅黑" panose="020B0503020204020204" pitchFamily="34" charset="-122"/>
+              </a:rPr>
+              <a:t>坐标为下边长的</a:t>
+            </a:r>
+            <a:r>
+              <a:rPr lang="en-US" altLang="zh-CN" sz="2000" dirty="0" smtClean="0">
+                <a:latin typeface="微软雅黑" panose="020B0503020204020204" pitchFamily="34" charset="-122"/>
+                <a:ea typeface="微软雅黑" panose="020B0503020204020204" pitchFamily="34" charset="-122"/>
+              </a:rPr>
+              <a:t>1/2</a:t>
+            </a:r>
+            <a:endParaRPr lang="zh-CN" altLang="en-US" sz="2000" dirty="0">
+              <a:latin typeface="微软雅黑" panose="020B0503020204020204" pitchFamily="34" charset="-122"/>
+              <a:ea typeface="微软雅黑" panose="020B0503020204020204" pitchFamily="34" charset="-122"/>
+            </a:endParaRPr>
+          </a:p>
+        </p:txBody>
+      </p:sp>
+      <p:sp>
+        <p:nvSpPr>
+          <p:cNvPr id="25" name="文本框 24"/>
+          <p:cNvSpPr txBox="1"/>
+          <p:nvPr/>
+        </p:nvSpPr>
+        <p:spPr>
+          <a:xfrm>
+            <a:off x="7766883" y="4001904"/>
+            <a:ext cx="3628417" cy="1015663"/>
+          </a:xfrm>
+          <a:prstGeom prst="rect">
+            <a:avLst/>
+          </a:prstGeom>
+          <a:noFill/>
+        </p:spPr>
+        <p:txBody>
+          <a:bodyPr wrap="square" rtlCol="0">
+            <a:spAutoFit/>
+          </a:bodyPr>
+          <a:lstStyle/>
+          <a:p>
+            <a:pPr marL="285750" indent="-285750">
+              <a:buFont typeface="Wingdings" panose="05000000000000000000" pitchFamily="2" charset="2"/>
+              <a:buChar char="l"/>
+            </a:pPr>
+            <a:r>
+              <a:rPr lang="zh-CN" altLang="en-US" sz="2000" dirty="0" smtClean="0">
+                <a:latin typeface="微软雅黑" panose="020B0503020204020204" pitchFamily="34" charset="-122"/>
+                <a:ea typeface="微软雅黑" panose="020B0503020204020204" pitchFamily="34" charset="-122"/>
+              </a:rPr>
+              <a:t>等边菱形的各顶点坐标与宽度与高度都为</a:t>
+            </a:r>
+            <a:r>
+              <a:rPr lang="en-US" altLang="zh-CN" sz="2000" dirty="0" smtClean="0">
+                <a:latin typeface="微软雅黑" panose="020B0503020204020204" pitchFamily="34" charset="-122"/>
+                <a:ea typeface="微软雅黑" panose="020B0503020204020204" pitchFamily="34" charset="-122"/>
+              </a:rPr>
+              <a:t>1/2</a:t>
+            </a:r>
+            <a:r>
+              <a:rPr lang="zh-CN" altLang="en-US" sz="2000" dirty="0" smtClean="0">
+                <a:latin typeface="微软雅黑" panose="020B0503020204020204" pitchFamily="34" charset="-122"/>
+                <a:ea typeface="微软雅黑" panose="020B0503020204020204" pitchFamily="34" charset="-122"/>
+              </a:rPr>
+              <a:t>的关系，同样很容易得出各点坐标</a:t>
+            </a:r>
+            <a:endParaRPr lang="zh-CN" altLang="en-US" sz="2000" dirty="0">
+              <a:latin typeface="微软雅黑" panose="020B0503020204020204" pitchFamily="34" charset="-122"/>
+              <a:ea typeface="微软雅黑" panose="020B0503020204020204" pitchFamily="34" charset="-122"/>
+            </a:endParaRPr>
+          </a:p>
+        </p:txBody>
+      </p:sp>
+    </p:spTree>
+    <p:extLst>
+      <p:ext uri="{BB962C8B-B14F-4D97-AF65-F5344CB8AC3E}">
+        <p14:creationId xmlns:p14="http://schemas.microsoft.com/office/powerpoint/2010/main" val="1568441823"/>
+      </p:ext>
+    </p:extLst>
+  </p:cSld>
+  <p:clrMapOvr>
+    <a:masterClrMapping/>
+  </p:clrMapOvr>
+  <mc:AlternateContent xmlns:mc="http://schemas.openxmlformats.org/markup-compatibility/2006" xmlns:p14="http://schemas.microsoft.com/office/powerpoint/2010/main">
+    <mc:Choice Requires="p14">
+      <p:transition spd="slow" p14:dur="1600" advClick="0" advTm="2000">
+        <p14:gallery dir="l"/>
+      </p:transition>
+    </mc:Choice>
+    <mc:Fallback xmlns="">
+      <p:transition spd="slow" advClick="0" advTm="2000">
+        <p:fade/>
+      </p:transition>
+    </mc:Fallback>
+  </mc:AlternateContent>
+  <p:timing>
+    <p:tnLst>
+      <p:par>
+        <p:cTn id="1" dur="indefinite" restart="never" nodeType="tmRoot"/>
+      </p:par>
+    </p:tnLst>
+  </p:timing>
+</p:sld>
+</file>
+
+<file path=ppt/slides/slide8.xml><?xml version="1.0" encoding="utf-8"?>
+<p:sld xmlns:a="http://schemas.openxmlformats.org/drawingml/2006/main" xmlns:r="http://schemas.openxmlformats.org/officeDocument/2006/relationships" xmlns:p="http://schemas.openxmlformats.org/presentationml/2006/main" showMasterSp="0">
+  <p:cSld>
+    <p:spTree>
+      <p:nvGrpSpPr>
+        <p:cNvPr id="1" name=""/>
+        <p:cNvGrpSpPr/>
+        <p:nvPr/>
+      </p:nvGrpSpPr>
+      <p:grpSpPr>
+        <a:xfrm>
+          <a:off x="0" y="0"/>
+          <a:ext cx="0" cy="0"/>
+          <a:chOff x="0" y="0"/>
+          <a:chExt cx="0" cy="0"/>
+        </a:xfrm>
+      </p:grpSpPr>
+      <p:grpSp>
+        <p:nvGrpSpPr>
+          <p:cNvPr id="2" name="组合 1">
+            <a:extLst>
+              <a:ext uri="{FF2B5EF4-FFF2-40B4-BE49-F238E27FC236}">
+                <a16:creationId xmlns:a16="http://schemas.microsoft.com/office/drawing/2014/main" id="{CD9D861D-14AD-4E72-9C94-B5DEBD90F086}"/>
+              </a:ext>
+            </a:extLst>
+          </p:cNvPr>
+          <p:cNvGrpSpPr/>
+          <p:nvPr/>
+        </p:nvGrpSpPr>
+        <p:grpSpPr>
+          <a:xfrm>
+            <a:off x="216132" y="230896"/>
+            <a:ext cx="627622" cy="477053"/>
+            <a:chOff x="1634347" y="2691119"/>
+            <a:chExt cx="854931" cy="649830"/>
+          </a:xfrm>
+        </p:grpSpPr>
+        <p:sp>
+          <p:nvSpPr>
+            <p:cNvPr id="3" name="文本框 2">
+              <a:extLst>
+                <a:ext uri="{FF2B5EF4-FFF2-40B4-BE49-F238E27FC236}">
+                  <a16:creationId xmlns:a16="http://schemas.microsoft.com/office/drawing/2014/main" id="{54955C1C-887E-41A0-904F-D16E3E735A83}"/>
+                </a:ext>
+              </a:extLst>
+            </p:cNvPr>
+            <p:cNvSpPr txBox="1"/>
+            <p:nvPr/>
+          </p:nvSpPr>
+          <p:spPr>
+            <a:xfrm>
+              <a:off x="1634347" y="2691119"/>
+              <a:ext cx="854931" cy="628869"/>
+            </a:xfrm>
+            <a:prstGeom prst="rect">
+              <a:avLst/>
+            </a:prstGeom>
+            <a:noFill/>
+          </p:spPr>
+          <p:txBody>
+            <a:bodyPr wrap="square" rtlCol="0">
+              <a:spAutoFit/>
+              <a:scene3d>
+                <a:camera prst="orthographicFront"/>
+                <a:lightRig rig="threePt" dir="t"/>
+              </a:scene3d>
+              <a:sp3d contourW="12700"/>
+            </a:bodyPr>
+            <a:lstStyle/>
+            <a:p>
+              <a:r>
+                <a:rPr lang="en-US" altLang="zh-CN" sz="2400" b="1" dirty="0" smtClean="0">
+                  <a:solidFill>
+                    <a:schemeClr val="tx1">
+                      <a:lumMod val="95000"/>
+                      <a:lumOff val="5000"/>
+                    </a:schemeClr>
+                  </a:solidFill>
+                  <a:latin typeface="Century Gothic" panose="020B0502020202020204" pitchFamily="34" charset="0"/>
+                  <a:ea typeface="迷你简综艺" panose="03000509000000000000" pitchFamily="65" charset="-122"/>
+                </a:rPr>
+                <a:t>06</a:t>
+              </a:r>
+              <a:endParaRPr lang="zh-CN" altLang="en-US" sz="2400" b="1" dirty="0">
+                <a:solidFill>
+                  <a:schemeClr val="tx1">
+                    <a:lumMod val="95000"/>
+                    <a:lumOff val="5000"/>
+                  </a:schemeClr>
+                </a:solidFill>
+                <a:latin typeface="Century Gothic" panose="020B0502020202020204" pitchFamily="34" charset="0"/>
+                <a:ea typeface="迷你简综艺" panose="03000509000000000000" pitchFamily="65" charset="-122"/>
+              </a:endParaRPr>
+            </a:p>
+          </p:txBody>
+        </p:sp>
+        <p:cxnSp>
+          <p:nvCxnSpPr>
+            <p:cNvPr id="4" name="直接连接符 3">
+              <a:extLst>
+                <a:ext uri="{FF2B5EF4-FFF2-40B4-BE49-F238E27FC236}">
+                  <a16:creationId xmlns:a16="http://schemas.microsoft.com/office/drawing/2014/main" id="{4A40D8A2-C871-43A3-85F9-AFDBF9D04AB6}"/>
+                </a:ext>
+              </a:extLst>
+            </p:cNvPr>
+            <p:cNvCxnSpPr/>
+            <p:nvPr/>
+          </p:nvCxnSpPr>
+          <p:spPr>
+            <a:xfrm>
+              <a:off x="2324101" y="2738437"/>
+              <a:ext cx="0" cy="602512"/>
+            </a:xfrm>
+            <a:prstGeom prst="line">
+              <a:avLst/>
+            </a:prstGeom>
+            <a:ln w="12700">
+              <a:solidFill>
+                <a:schemeClr val="bg1">
+                  <a:lumMod val="65000"/>
+                </a:schemeClr>
+              </a:solidFill>
+            </a:ln>
+          </p:spPr>
+          <p:style>
+            <a:lnRef idx="1">
+              <a:schemeClr val="accent1"/>
+            </a:lnRef>
+            <a:fillRef idx="0">
+              <a:schemeClr val="accent1"/>
+            </a:fillRef>
+            <a:effectRef idx="0">
+              <a:schemeClr val="accent1"/>
+            </a:effectRef>
+            <a:fontRef idx="minor">
+              <a:schemeClr val="tx1"/>
+            </a:fontRef>
+          </p:style>
+        </p:cxnSp>
+      </p:grpSp>
+      <p:sp>
+        <p:nvSpPr>
+          <p:cNvPr id="5" name="MH_Entry_2">
+            <a:extLst>
+              <a:ext uri="{FF2B5EF4-FFF2-40B4-BE49-F238E27FC236}">
+                <a16:creationId xmlns:a16="http://schemas.microsoft.com/office/drawing/2014/main" id="{24FC7193-8B9E-4350-97D4-95160D49D230}"/>
+              </a:ext>
+            </a:extLst>
+          </p:cNvPr>
+          <p:cNvSpPr/>
+          <p:nvPr>
+            <p:custDataLst>
+              <p:tags r:id="rId1"/>
+            </p:custDataLst>
+          </p:nvPr>
+        </p:nvSpPr>
+        <p:spPr>
+          <a:xfrm>
+            <a:off x="1015628" y="215506"/>
+            <a:ext cx="2583605" cy="492443"/>
+          </a:xfrm>
+          <a:custGeom>
+            <a:avLst/>
+            <a:gdLst>
+              <a:gd name="connsiteX0" fmla="*/ 0 w 2520280"/>
+              <a:gd name="connsiteY0" fmla="*/ 1584176 h 1872208"/>
+              <a:gd name="connsiteX1" fmla="*/ 2520280 w 2520280"/>
+              <a:gd name="connsiteY1" fmla="*/ 1584176 h 1872208"/>
+              <a:gd name="connsiteX2" fmla="*/ 2520280 w 2520280"/>
+              <a:gd name="connsiteY2" fmla="*/ 1872208 h 1872208"/>
+              <a:gd name="connsiteX3" fmla="*/ 0 w 2520280"/>
+              <a:gd name="connsiteY3" fmla="*/ 1872208 h 1872208"/>
+              <a:gd name="connsiteX4" fmla="*/ 0 w 2520280"/>
+              <a:gd name="connsiteY4" fmla="*/ 1584176 h 1872208"/>
+              <a:gd name="connsiteX5" fmla="*/ 0 w 2520280"/>
+              <a:gd name="connsiteY5" fmla="*/ 0 h 1872208"/>
+              <a:gd name="connsiteX6" fmla="*/ 2520280 w 2520280"/>
+              <a:gd name="connsiteY6" fmla="*/ 0 h 1872208"/>
+              <a:gd name="connsiteX7" fmla="*/ 2520280 w 2520280"/>
+              <a:gd name="connsiteY7" fmla="*/ 288032 h 1872208"/>
+              <a:gd name="connsiteX8" fmla="*/ 0 w 2520280"/>
+              <a:gd name="connsiteY8" fmla="*/ 0 h 1872208"/>
+              <a:gd name="connsiteX0-1" fmla="*/ 0 w 2520280"/>
+              <a:gd name="connsiteY0-2" fmla="*/ 1584176 h 1872208"/>
+              <a:gd name="connsiteX1-3" fmla="*/ 2520280 w 2520280"/>
+              <a:gd name="connsiteY1-4" fmla="*/ 1584176 h 1872208"/>
+              <a:gd name="connsiteX2-5" fmla="*/ 2520280 w 2520280"/>
+              <a:gd name="connsiteY2-6" fmla="*/ 1872208 h 1872208"/>
+              <a:gd name="connsiteX3-7" fmla="*/ 0 w 2520280"/>
+              <a:gd name="connsiteY3-8" fmla="*/ 1872208 h 1872208"/>
+              <a:gd name="connsiteX4-9" fmla="*/ 0 w 2520280"/>
+              <a:gd name="connsiteY4-10" fmla="*/ 1584176 h 1872208"/>
+              <a:gd name="connsiteX5-11" fmla="*/ 0 w 2520280"/>
+              <a:gd name="connsiteY5-12" fmla="*/ 0 h 1872208"/>
+              <a:gd name="connsiteX6-13" fmla="*/ 2520280 w 2520280"/>
+              <a:gd name="connsiteY6-14" fmla="*/ 0 h 1872208"/>
+              <a:gd name="connsiteX7-15" fmla="*/ 0 w 2520280"/>
+              <a:gd name="connsiteY7-16" fmla="*/ 0 h 1872208"/>
+              <a:gd name="connsiteX0-17" fmla="*/ 0 w 2520280"/>
+              <a:gd name="connsiteY0-18" fmla="*/ 1872208 h 1872208"/>
+              <a:gd name="connsiteX1-19" fmla="*/ 2520280 w 2520280"/>
+              <a:gd name="connsiteY1-20" fmla="*/ 1584176 h 1872208"/>
+              <a:gd name="connsiteX2-21" fmla="*/ 2520280 w 2520280"/>
+              <a:gd name="connsiteY2-22" fmla="*/ 1872208 h 1872208"/>
+              <a:gd name="connsiteX3-23" fmla="*/ 0 w 2520280"/>
+              <a:gd name="connsiteY3-24" fmla="*/ 1872208 h 1872208"/>
+              <a:gd name="connsiteX4-25" fmla="*/ 0 w 2520280"/>
+              <a:gd name="connsiteY4-26" fmla="*/ 0 h 1872208"/>
+              <a:gd name="connsiteX5-27" fmla="*/ 2520280 w 2520280"/>
+              <a:gd name="connsiteY5-28" fmla="*/ 0 h 1872208"/>
+              <a:gd name="connsiteX6-29" fmla="*/ 0 w 2520280"/>
+              <a:gd name="connsiteY6-30" fmla="*/ 0 h 1872208"/>
+              <a:gd name="connsiteX0-31" fmla="*/ 0 w 2520280"/>
+              <a:gd name="connsiteY0-32" fmla="*/ 1872208 h 1872208"/>
+              <a:gd name="connsiteX1-33" fmla="*/ 2520280 w 2520280"/>
+              <a:gd name="connsiteY1-34" fmla="*/ 1872208 h 1872208"/>
+              <a:gd name="connsiteX2-35" fmla="*/ 0 w 2520280"/>
+              <a:gd name="connsiteY2-36" fmla="*/ 1872208 h 1872208"/>
+              <a:gd name="connsiteX3-37" fmla="*/ 0 w 2520280"/>
+              <a:gd name="connsiteY3-38" fmla="*/ 0 h 1872208"/>
+              <a:gd name="connsiteX4-39" fmla="*/ 2520280 w 2520280"/>
+              <a:gd name="connsiteY4-40" fmla="*/ 0 h 1872208"/>
+              <a:gd name="connsiteX5-41" fmla="*/ 0 w 2520280"/>
+              <a:gd name="connsiteY5-42" fmla="*/ 0 h 1872208"/>
+              <a:gd name="connsiteX0-43" fmla="*/ 0 w 2520280"/>
+              <a:gd name="connsiteY0-44" fmla="*/ 1872208 h 1872208"/>
+              <a:gd name="connsiteX1-45" fmla="*/ 2520280 w 2520280"/>
+              <a:gd name="connsiteY1-46" fmla="*/ 1872208 h 1872208"/>
+              <a:gd name="connsiteX2-47" fmla="*/ 0 w 2520280"/>
+              <a:gd name="connsiteY2-48" fmla="*/ 1872208 h 1872208"/>
+              <a:gd name="connsiteX3-49" fmla="*/ 0 w 2520280"/>
+              <a:gd name="connsiteY3-50" fmla="*/ 0 h 1872208"/>
+              <a:gd name="connsiteX4-51" fmla="*/ 34255 w 2520280"/>
+              <a:gd name="connsiteY4-52" fmla="*/ 0 h 1872208"/>
+              <a:gd name="connsiteX5-53" fmla="*/ 0 w 2520280"/>
+              <a:gd name="connsiteY5-54" fmla="*/ 0 h 1872208"/>
+              <a:gd name="connsiteX0-55" fmla="*/ 0 w 2520280"/>
+              <a:gd name="connsiteY0-56" fmla="*/ 1872208 h 1872208"/>
+              <a:gd name="connsiteX1-57" fmla="*/ 2520280 w 2520280"/>
+              <a:gd name="connsiteY1-58" fmla="*/ 1872208 h 1872208"/>
+              <a:gd name="connsiteX2-59" fmla="*/ 0 w 2520280"/>
+              <a:gd name="connsiteY2-60" fmla="*/ 1872208 h 1872208"/>
+              <a:gd name="connsiteX3-61" fmla="*/ 0 w 2520280"/>
+              <a:gd name="connsiteY3-62" fmla="*/ 0 h 1872208"/>
+              <a:gd name="connsiteX4-63" fmla="*/ 917 w 2520280"/>
+              <a:gd name="connsiteY4-64" fmla="*/ 6036 h 1872208"/>
+              <a:gd name="connsiteX5-65" fmla="*/ 0 w 2520280"/>
+              <a:gd name="connsiteY5-66" fmla="*/ 0 h 1872208"/>
+              <a:gd name="connsiteX0-67" fmla="*/ 0 w 2520280"/>
+              <a:gd name="connsiteY0-68" fmla="*/ 1890314 h 1890314"/>
+              <a:gd name="connsiteX1-69" fmla="*/ 2520280 w 2520280"/>
+              <a:gd name="connsiteY1-70" fmla="*/ 1890314 h 1890314"/>
+              <a:gd name="connsiteX2-71" fmla="*/ 0 w 2520280"/>
+              <a:gd name="connsiteY2-72" fmla="*/ 1890314 h 1890314"/>
+              <a:gd name="connsiteX3-73" fmla="*/ 0 w 2520280"/>
+              <a:gd name="connsiteY3-74" fmla="*/ 18106 h 1890314"/>
+              <a:gd name="connsiteX4-75" fmla="*/ 53304 w 2520280"/>
+              <a:gd name="connsiteY4-76" fmla="*/ 0 h 1890314"/>
+              <a:gd name="connsiteX5-77" fmla="*/ 0 w 2520280"/>
+              <a:gd name="connsiteY5-78" fmla="*/ 18106 h 1890314"/>
+              <a:gd name="connsiteX0-79" fmla="*/ 0 w 2520280"/>
+              <a:gd name="connsiteY0-80" fmla="*/ 1872208 h 1872208"/>
+              <a:gd name="connsiteX1-81" fmla="*/ 2520280 w 2520280"/>
+              <a:gd name="connsiteY1-82" fmla="*/ 1872208 h 1872208"/>
+              <a:gd name="connsiteX2-83" fmla="*/ 0 w 2520280"/>
+              <a:gd name="connsiteY2-84" fmla="*/ 1872208 h 1872208"/>
+              <a:gd name="connsiteX3-85" fmla="*/ 0 w 2520280"/>
+              <a:gd name="connsiteY3-86" fmla="*/ 0 h 1872208"/>
+              <a:gd name="connsiteX4-87" fmla="*/ 916 w 2520280"/>
+              <a:gd name="connsiteY4-88" fmla="*/ 0 h 1872208"/>
+              <a:gd name="connsiteX5-89" fmla="*/ 0 w 2520280"/>
+              <a:gd name="connsiteY5-90" fmla="*/ 0 h 1872208"/>
+            </a:gdLst>
+            <a:ahLst/>
+            <a:cxnLst>
+              <a:cxn ang="0">
+                <a:pos x="connsiteX0-1" y="connsiteY0-2"/>
+              </a:cxn>
+              <a:cxn ang="0">
+                <a:pos x="connsiteX1-3" y="connsiteY1-4"/>
+              </a:cxn>
+              <a:cxn ang="0">
+                <a:pos x="connsiteX2-5" y="connsiteY2-6"/>
+              </a:cxn>
+              <a:cxn ang="0">
+                <a:pos x="connsiteX3-7" y="connsiteY3-8"/>
+              </a:cxn>
+              <a:cxn ang="0">
+                <a:pos x="connsiteX4-9" y="connsiteY4-10"/>
+              </a:cxn>
+              <a:cxn ang="0">
+                <a:pos x="connsiteX5-11" y="connsiteY5-12"/>
+              </a:cxn>
+            </a:cxnLst>
+            <a:rect l="l" t="t" r="r" b="b"/>
+            <a:pathLst>
+              <a:path w="2520280" h="1872208">
+                <a:moveTo>
+                  <a:pt x="0" y="1872208"/>
+                </a:moveTo>
+                <a:lnTo>
+                  <a:pt x="2520280" y="1872208"/>
+                </a:lnTo>
+                <a:lnTo>
+                  <a:pt x="0" y="1872208"/>
+                </a:lnTo>
+                <a:close/>
+                <a:moveTo>
+                  <a:pt x="0" y="0"/>
+                </a:moveTo>
+                <a:lnTo>
+                  <a:pt x="916" y="0"/>
+                </a:lnTo>
+                <a:lnTo>
+                  <a:pt x="0" y="0"/>
+                </a:lnTo>
+                <a:close/>
+              </a:path>
+            </a:pathLst>
+          </a:custGeom>
+          <a:noFill/>
+          <a:ln w="3175" cap="sq">
+            <a:noFill/>
+            <a:bevel/>
+          </a:ln>
+        </p:spPr>
+        <p:style>
+          <a:lnRef idx="2">
+            <a:schemeClr val="accent1">
+              <a:shade val="50000"/>
+            </a:schemeClr>
+          </a:lnRef>
+          <a:fillRef idx="1">
+            <a:schemeClr val="accent1"/>
+          </a:fillRef>
+          <a:effectRef idx="0">
+            <a:schemeClr val="accent1"/>
+          </a:effectRef>
+          <a:fontRef idx="minor">
+            <a:schemeClr val="lt1"/>
+          </a:fontRef>
+        </p:style>
+        <p:txBody>
+          <a:bodyPr rot="0" spcFirstLastPara="0" vertOverflow="overflow" horzOverflow="overflow" vert="horz" wrap="square" lIns="0" tIns="0" rIns="0" bIns="0" numCol="1" spcCol="0" rtlCol="0" fromWordArt="0" anchor="ctr" anchorCtr="0" forceAA="0" compatLnSpc="1">
+            <a:spAutoFit/>
+          </a:bodyPr>
+          <a:lstStyle/>
+          <a:p>
+            <a:pPr defTabSz="852086" fontAlgn="base">
+              <a:spcBef>
+                <a:spcPct val="0"/>
+              </a:spcBef>
+              <a:spcAft>
+                <a:spcPct val="0"/>
+              </a:spcAft>
+            </a:pPr>
+            <a:r>
+              <a:rPr lang="zh-CN" altLang="en-US" sz="3200" dirty="0" smtClean="0">
+                <a:solidFill>
+                  <a:schemeClr val="tx1">
+                    <a:lumMod val="95000"/>
+                    <a:lumOff val="5000"/>
+                  </a:schemeClr>
+                </a:solidFill>
+                <a:latin typeface="微软雅黑" panose="020B0503020204020204" pitchFamily="34" charset="-122"/>
+                <a:ea typeface="微软雅黑" panose="020B0503020204020204" pitchFamily="34" charset="-122"/>
+                <a:sym typeface="Arial" panose="020B0604020202020204" pitchFamily="34" charset="0"/>
+              </a:rPr>
+              <a:t>扩展设计</a:t>
+            </a:r>
+            <a:endParaRPr lang="zh-CN" altLang="en-US" sz="3200" dirty="0">
+              <a:solidFill>
+                <a:schemeClr val="tx1">
+                  <a:lumMod val="95000"/>
+                  <a:lumOff val="5000"/>
+                </a:schemeClr>
+              </a:solidFill>
+              <a:latin typeface="微软雅黑" panose="020B0503020204020204" pitchFamily="34" charset="-122"/>
+              <a:ea typeface="微软雅黑" panose="020B0503020204020204" pitchFamily="34" charset="-122"/>
+              <a:sym typeface="Arial" panose="020B0604020202020204" pitchFamily="34" charset="0"/>
+            </a:endParaRPr>
+          </a:p>
+        </p:txBody>
+      </p:sp>
+      <p:cxnSp>
+        <p:nvCxnSpPr>
+          <p:cNvPr id="9" name="直接连接符 8">
+            <a:extLst>
+              <a:ext uri="{FF2B5EF4-FFF2-40B4-BE49-F238E27FC236}">
+                <a16:creationId xmlns:a16="http://schemas.microsoft.com/office/drawing/2014/main" id="{17F0C592-CD4A-43EC-B0A9-3B9DF01627A3}"/>
+              </a:ext>
+            </a:extLst>
+          </p:cNvPr>
+          <p:cNvCxnSpPr/>
+          <p:nvPr/>
+        </p:nvCxnSpPr>
+        <p:spPr>
+          <a:xfrm>
+            <a:off x="0" y="837274"/>
+            <a:ext cx="12266579" cy="0"/>
+          </a:xfrm>
+          <a:prstGeom prst="line">
+            <a:avLst/>
+          </a:prstGeom>
+          <a:ln w="19050">
+            <a:solidFill>
+              <a:schemeClr val="bg1">
+                <a:lumMod val="85000"/>
+              </a:schemeClr>
+            </a:solidFill>
+          </a:ln>
+        </p:spPr>
+        <p:style>
+          <a:lnRef idx="1">
+            <a:schemeClr val="accent1"/>
+          </a:lnRef>
+          <a:fillRef idx="0">
+            <a:schemeClr val="accent1"/>
+          </a:fillRef>
+          <a:effectRef idx="0">
+            <a:schemeClr val="accent1"/>
+          </a:effectRef>
+          <a:fontRef idx="minor">
+            <a:schemeClr val="tx1"/>
+          </a:fontRef>
+        </p:style>
+      </p:cxnSp>
+      <p:pic>
+        <p:nvPicPr>
+          <p:cNvPr id="20" name="图片 19"/>
+          <p:cNvPicPr>
+            <a:picLocks noChangeAspect="1"/>
+          </p:cNvPicPr>
+          <p:nvPr/>
+        </p:nvPicPr>
+        <p:blipFill>
+          <a:blip r:embed="rId4">
+            <a:extLst>
+              <a:ext uri="{28A0092B-C50C-407E-A947-70E740481C1C}">
+                <a14:useLocalDpi xmlns:a14="http://schemas.microsoft.com/office/drawing/2010/main" val="0"/>
+              </a:ext>
+            </a:extLst>
+          </a:blip>
+          <a:stretch>
+            <a:fillRect/>
+          </a:stretch>
+        </p:blipFill>
+        <p:spPr>
+          <a:xfrm>
+            <a:off x="9707907" y="9298"/>
+            <a:ext cx="2484093" cy="1397302"/>
+          </a:xfrm>
+          <a:prstGeom prst="rect">
+            <a:avLst/>
+          </a:prstGeom>
+        </p:spPr>
+      </p:pic>
+      <p:sp>
+        <p:nvSpPr>
+          <p:cNvPr id="8" name="文本框 7"/>
+          <p:cNvSpPr txBox="1"/>
+          <p:nvPr/>
+        </p:nvSpPr>
+        <p:spPr>
+          <a:xfrm>
+            <a:off x="529943" y="1288866"/>
+            <a:ext cx="4406630" cy="400110"/>
+          </a:xfrm>
+          <a:prstGeom prst="rect">
+            <a:avLst/>
+          </a:prstGeom>
+          <a:noFill/>
+        </p:spPr>
+        <p:txBody>
+          <a:bodyPr wrap="square" rtlCol="0">
+            <a:spAutoFit/>
+          </a:bodyPr>
+          <a:lstStyle/>
+          <a:p>
+            <a:r>
+              <a:rPr lang="zh-CN" altLang="en-US" sz="2000" dirty="0" smtClean="0">
+                <a:latin typeface="微软雅黑" panose="020B0503020204020204" pitchFamily="34" charset="-122"/>
+                <a:ea typeface="微软雅黑" panose="020B0503020204020204" pitchFamily="34" charset="-122"/>
+              </a:rPr>
+              <a:t>用户自定义图片：</a:t>
+            </a:r>
+            <a:endParaRPr lang="zh-CN" altLang="en-US" sz="2000" dirty="0">
+              <a:latin typeface="微软雅黑" panose="020B0503020204020204" pitchFamily="34" charset="-122"/>
+              <a:ea typeface="微软雅黑" panose="020B0503020204020204" pitchFamily="34" charset="-122"/>
+            </a:endParaRPr>
+          </a:p>
+        </p:txBody>
+      </p:sp>
+      <p:pic>
+        <p:nvPicPr>
+          <p:cNvPr id="13" name="图片 12"/>
+          <p:cNvPicPr>
+            <a:picLocks noChangeAspect="1"/>
+          </p:cNvPicPr>
+          <p:nvPr/>
+        </p:nvPicPr>
+        <p:blipFill>
+          <a:blip r:embed="rId5">
+            <a:extLst>
+              <a:ext uri="{28A0092B-C50C-407E-A947-70E740481C1C}">
+                <a14:useLocalDpi xmlns:a14="http://schemas.microsoft.com/office/drawing/2010/main" val="0"/>
+              </a:ext>
+            </a:extLst>
+          </a:blip>
+          <a:stretch>
+            <a:fillRect/>
+          </a:stretch>
+        </p:blipFill>
+        <p:spPr>
+          <a:xfrm>
+            <a:off x="529943" y="2081404"/>
+            <a:ext cx="5524288" cy="3335142"/>
+          </a:xfrm>
+          <a:prstGeom prst="rect">
+            <a:avLst/>
+          </a:prstGeom>
+        </p:spPr>
+      </p:pic>
+      <p:sp>
+        <p:nvSpPr>
+          <p:cNvPr id="14" name="文本框 13"/>
+          <p:cNvSpPr txBox="1"/>
+          <p:nvPr/>
+        </p:nvSpPr>
+        <p:spPr>
+          <a:xfrm>
+            <a:off x="6692630" y="2548647"/>
+            <a:ext cx="4542817" cy="2400657"/>
+          </a:xfrm>
+          <a:prstGeom prst="rect">
+            <a:avLst/>
+          </a:prstGeom>
+          <a:noFill/>
+        </p:spPr>
+        <p:txBody>
+          <a:bodyPr wrap="square" rtlCol="0">
+            <a:spAutoFit/>
+          </a:bodyPr>
+          <a:lstStyle/>
+          <a:p>
+            <a:pPr marL="285750" indent="-285750">
+              <a:lnSpc>
+                <a:spcPct val="150000"/>
+              </a:lnSpc>
+              <a:buFont typeface="Wingdings" panose="05000000000000000000" pitchFamily="2" charset="2"/>
+              <a:buChar char="l"/>
+            </a:pPr>
+            <a:r>
+              <a:rPr lang="zh-CN" altLang="en-US" sz="2000" dirty="0" smtClean="0">
+                <a:latin typeface="微软雅黑" panose="020B0503020204020204" pitchFamily="34" charset="-122"/>
+                <a:ea typeface="微软雅黑" panose="020B0503020204020204" pitchFamily="34" charset="-122"/>
+              </a:rPr>
+              <a:t>在上框条加一个文件选择按钮</a:t>
+            </a:r>
+            <a:endParaRPr lang="en-US" altLang="zh-CN" sz="2000" dirty="0" smtClean="0">
+              <a:latin typeface="微软雅黑" panose="020B0503020204020204" pitchFamily="34" charset="-122"/>
+              <a:ea typeface="微软雅黑" panose="020B0503020204020204" pitchFamily="34" charset="-122"/>
+            </a:endParaRPr>
+          </a:p>
+          <a:p>
+            <a:pPr marL="285750" indent="-285750">
+              <a:lnSpc>
+                <a:spcPct val="150000"/>
+              </a:lnSpc>
+              <a:buFont typeface="Wingdings" panose="05000000000000000000" pitchFamily="2" charset="2"/>
+              <a:buChar char="l"/>
+            </a:pPr>
+            <a:r>
+              <a:rPr lang="zh-CN" altLang="en-US" sz="2000" dirty="0" smtClean="0">
+                <a:latin typeface="微软雅黑" panose="020B0503020204020204" pitchFamily="34" charset="-122"/>
+                <a:ea typeface="微软雅黑" panose="020B0503020204020204" pitchFamily="34" charset="-122"/>
+              </a:rPr>
+              <a:t>使用</a:t>
+            </a:r>
+            <a:r>
+              <a:rPr lang="en-US" altLang="zh-CN" sz="2000" dirty="0" smtClean="0">
+                <a:latin typeface="微软雅黑" panose="020B0503020204020204" pitchFamily="34" charset="-122"/>
+                <a:ea typeface="微软雅黑" panose="020B0503020204020204" pitchFamily="34" charset="-122"/>
+              </a:rPr>
+              <a:t>Qt</a:t>
+            </a:r>
+            <a:r>
+              <a:rPr lang="zh-CN" altLang="en-US" sz="2000" dirty="0" smtClean="0">
+                <a:latin typeface="微软雅黑" panose="020B0503020204020204" pitchFamily="34" charset="-122"/>
+                <a:ea typeface="微软雅黑" panose="020B0503020204020204" pitchFamily="34" charset="-122"/>
+              </a:rPr>
+              <a:t>提供的</a:t>
+            </a:r>
+            <a:r>
+              <a:rPr lang="en-US" altLang="zh-CN" sz="2000" dirty="0" err="1" smtClean="0">
+                <a:latin typeface="微软雅黑" panose="020B0503020204020204" pitchFamily="34" charset="-122"/>
+                <a:ea typeface="微软雅黑" panose="020B0503020204020204" pitchFamily="34" charset="-122"/>
+              </a:rPr>
+              <a:t>getOpenFileName</a:t>
+            </a:r>
+            <a:r>
+              <a:rPr lang="zh-CN" altLang="en-US" sz="2000" dirty="0" smtClean="0">
+                <a:latin typeface="微软雅黑" panose="020B0503020204020204" pitchFamily="34" charset="-122"/>
+                <a:ea typeface="微软雅黑" panose="020B0503020204020204" pitchFamily="34" charset="-122"/>
+              </a:rPr>
+              <a:t>函数获取文件目录</a:t>
+            </a:r>
+            <a:endParaRPr lang="en-US" altLang="zh-CN" sz="2000" dirty="0" smtClean="0">
+              <a:latin typeface="微软雅黑" panose="020B0503020204020204" pitchFamily="34" charset="-122"/>
+              <a:ea typeface="微软雅黑" panose="020B0503020204020204" pitchFamily="34" charset="-122"/>
+            </a:endParaRPr>
+          </a:p>
+          <a:p>
+            <a:pPr marL="285750" indent="-285750">
+              <a:lnSpc>
+                <a:spcPct val="150000"/>
+              </a:lnSpc>
+              <a:buFont typeface="Wingdings" panose="05000000000000000000" pitchFamily="2" charset="2"/>
+              <a:buChar char="l"/>
+            </a:pPr>
+            <a:r>
+              <a:rPr lang="zh-CN" altLang="en-US" sz="2000" dirty="0" smtClean="0">
+                <a:latin typeface="微软雅黑" panose="020B0503020204020204" pitchFamily="34" charset="-122"/>
+                <a:ea typeface="微软雅黑" panose="020B0503020204020204" pitchFamily="34" charset="-122"/>
+              </a:rPr>
+              <a:t>在</a:t>
+            </a:r>
+            <a:r>
+              <a:rPr lang="en-US" altLang="zh-CN" sz="2000" dirty="0" err="1" smtClean="0">
+                <a:latin typeface="微软雅黑" panose="020B0503020204020204" pitchFamily="34" charset="-122"/>
+                <a:ea typeface="微软雅黑" panose="020B0503020204020204" pitchFamily="34" charset="-122"/>
+              </a:rPr>
+              <a:t>CenterFrame</a:t>
+            </a:r>
+            <a:r>
+              <a:rPr lang="zh-CN" altLang="en-US" sz="2000" dirty="0" smtClean="0">
+                <a:latin typeface="微软雅黑" panose="020B0503020204020204" pitchFamily="34" charset="-122"/>
+                <a:ea typeface="微软雅黑" panose="020B0503020204020204" pitchFamily="34" charset="-122"/>
+              </a:rPr>
+              <a:t>类中加入私有</a:t>
+            </a:r>
+            <a:r>
+              <a:rPr lang="en-US" altLang="zh-CN" sz="2000" dirty="0" smtClean="0">
+                <a:latin typeface="微软雅黑" panose="020B0503020204020204" pitchFamily="34" charset="-122"/>
+                <a:ea typeface="微软雅黑" panose="020B0503020204020204" pitchFamily="34" charset="-122"/>
+              </a:rPr>
+              <a:t>filename</a:t>
+            </a:r>
+            <a:r>
+              <a:rPr lang="zh-CN" altLang="en-US" sz="2000" dirty="0" smtClean="0">
+                <a:latin typeface="微软雅黑" panose="020B0503020204020204" pitchFamily="34" charset="-122"/>
+                <a:ea typeface="微软雅黑" panose="020B0503020204020204" pitchFamily="34" charset="-122"/>
+              </a:rPr>
+              <a:t>字符串以记录文件目录</a:t>
+            </a:r>
+            <a:endParaRPr lang="zh-CN" altLang="en-US" sz="2000" dirty="0">
+              <a:latin typeface="微软雅黑" panose="020B0503020204020204" pitchFamily="34" charset="-122"/>
+              <a:ea typeface="微软雅黑" panose="020B0503020204020204" pitchFamily="34" charset="-122"/>
+            </a:endParaRPr>
+          </a:p>
+        </p:txBody>
+      </p:sp>
+      <p:sp>
+        <p:nvSpPr>
+          <p:cNvPr id="17" name="文本框 16"/>
+          <p:cNvSpPr txBox="1"/>
+          <p:nvPr/>
+        </p:nvSpPr>
+        <p:spPr>
+          <a:xfrm>
+            <a:off x="6478621" y="2128891"/>
+            <a:ext cx="3560324" cy="400110"/>
+          </a:xfrm>
+          <a:prstGeom prst="rect">
+            <a:avLst/>
+          </a:prstGeom>
+          <a:noFill/>
+        </p:spPr>
+        <p:txBody>
+          <a:bodyPr wrap="square" rtlCol="0">
+            <a:spAutoFit/>
+          </a:bodyPr>
+          <a:lstStyle/>
+          <a:p>
+            <a:r>
+              <a:rPr lang="zh-CN" altLang="en-US" sz="2000" dirty="0" smtClean="0">
+                <a:latin typeface="微软雅黑" panose="020B0503020204020204" pitchFamily="34" charset="-122"/>
+                <a:ea typeface="微软雅黑" panose="020B0503020204020204" pitchFamily="34" charset="-122"/>
+              </a:rPr>
+              <a:t>实现过程</a:t>
+            </a:r>
+            <a:endParaRPr lang="zh-CN" altLang="en-US" sz="2000" dirty="0">
+              <a:latin typeface="微软雅黑" panose="020B0503020204020204" pitchFamily="34" charset="-122"/>
+              <a:ea typeface="微软雅黑" panose="020B0503020204020204" pitchFamily="34" charset="-122"/>
+            </a:endParaRPr>
+          </a:p>
+        </p:txBody>
+      </p:sp>
+    </p:spTree>
+    <p:extLst>
+      <p:ext uri="{BB962C8B-B14F-4D97-AF65-F5344CB8AC3E}">
+        <p14:creationId xmlns:p14="http://schemas.microsoft.com/office/powerpoint/2010/main" val="2682890836"/>
+      </p:ext>
+    </p:extLst>
+  </p:cSld>
+  <p:clrMapOvr>
+    <a:masterClrMapping/>
+  </p:clrMapOvr>
+  <mc:AlternateContent xmlns:mc="http://schemas.openxmlformats.org/markup-compatibility/2006" xmlns:p14="http://schemas.microsoft.com/office/powerpoint/2010/main">
+    <mc:Choice Requires="p14">
+      <p:transition spd="slow" p14:dur="1600" advClick="0" advTm="2000">
+        <p14:gallery dir="l"/>
+      </p:transition>
+    </mc:Choice>
+    <mc:Fallback xmlns="">
+      <p:transition spd="slow" advClick="0" advTm="2000">
+        <p:fade/>
+      </p:transition>
+    </mc:Fallback>
+  </mc:AlternateContent>
+  <p:timing>
+    <p:tnLst>
+      <p:par>
+        <p:cTn id="1" dur="indefinite" restart="never" nodeType="tmRoot"/>
+      </p:par>
+    </p:tnLst>
+  </p:timing>
+</p:sld>
+</file>
+
+<file path=ppt/slides/slide9.xml><?xml version="1.0" encoding="utf-8"?>
+<p:sld xmlns:a="http://schemas.openxmlformats.org/drawingml/2006/main" xmlns:r="http://schemas.openxmlformats.org/officeDocument/2006/relationships" xmlns:p="http://schemas.openxmlformats.org/presentationml/2006/main" showMasterSp="0">
+  <p:cSld>
+    <p:spTree>
+      <p:nvGrpSpPr>
+        <p:cNvPr id="1" name=""/>
+        <p:cNvGrpSpPr/>
+        <p:nvPr/>
+      </p:nvGrpSpPr>
+      <p:grpSpPr>
+        <a:xfrm>
+          <a:off x="0" y="0"/>
+          <a:ext cx="0" cy="0"/>
+          <a:chOff x="0" y="0"/>
+          <a:chExt cx="0" cy="0"/>
+        </a:xfrm>
+      </p:grpSpPr>
+      <p:grpSp>
+        <p:nvGrpSpPr>
+          <p:cNvPr id="2" name="组合 1">
+            <a:extLst>
+              <a:ext uri="{FF2B5EF4-FFF2-40B4-BE49-F238E27FC236}">
+                <a16:creationId xmlns:a16="http://schemas.microsoft.com/office/drawing/2014/main" id="{CD9D861D-14AD-4E72-9C94-B5DEBD90F086}"/>
+              </a:ext>
+            </a:extLst>
+          </p:cNvPr>
+          <p:cNvGrpSpPr/>
+          <p:nvPr/>
+        </p:nvGrpSpPr>
+        <p:grpSpPr>
+          <a:xfrm>
+            <a:off x="216132" y="230896"/>
+            <a:ext cx="627622" cy="477053"/>
+            <a:chOff x="1634347" y="2691119"/>
+            <a:chExt cx="854931" cy="649830"/>
+          </a:xfrm>
+        </p:grpSpPr>
+        <p:sp>
+          <p:nvSpPr>
+            <p:cNvPr id="3" name="文本框 2">
+              <a:extLst>
+                <a:ext uri="{FF2B5EF4-FFF2-40B4-BE49-F238E27FC236}">
+                  <a16:creationId xmlns:a16="http://schemas.microsoft.com/office/drawing/2014/main" id="{54955C1C-887E-41A0-904F-D16E3E735A83}"/>
+                </a:ext>
+              </a:extLst>
+            </p:cNvPr>
+            <p:cNvSpPr txBox="1"/>
+            <p:nvPr/>
+          </p:nvSpPr>
+          <p:spPr>
+            <a:xfrm>
+              <a:off x="1634347" y="2691119"/>
+              <a:ext cx="854931" cy="628869"/>
+            </a:xfrm>
+            <a:prstGeom prst="rect">
+              <a:avLst/>
+            </a:prstGeom>
+            <a:noFill/>
+          </p:spPr>
+          <p:txBody>
+            <a:bodyPr wrap="square" rtlCol="0">
+              <a:spAutoFit/>
+              <a:scene3d>
+                <a:camera prst="orthographicFront"/>
+                <a:lightRig rig="threePt" dir="t"/>
+              </a:scene3d>
+              <a:sp3d contourW="12700"/>
+            </a:bodyPr>
+            <a:lstStyle/>
+            <a:p>
+              <a:r>
+                <a:rPr lang="en-US" altLang="zh-CN" sz="2400" b="1" dirty="0" smtClean="0">
+                  <a:solidFill>
+                    <a:schemeClr val="tx1">
+                      <a:lumMod val="95000"/>
+                      <a:lumOff val="5000"/>
+                    </a:schemeClr>
+                  </a:solidFill>
+                  <a:latin typeface="Century Gothic" panose="020B0502020202020204" pitchFamily="34" charset="0"/>
+                  <a:ea typeface="迷你简综艺" panose="03000509000000000000" pitchFamily="65" charset="-122"/>
+                </a:rPr>
+                <a:t>07</a:t>
+              </a:r>
+              <a:endParaRPr lang="zh-CN" altLang="en-US" sz="2400" b="1" dirty="0">
+                <a:solidFill>
+                  <a:schemeClr val="tx1">
+                    <a:lumMod val="95000"/>
+                    <a:lumOff val="5000"/>
+                  </a:schemeClr>
+                </a:solidFill>
+                <a:latin typeface="Century Gothic" panose="020B0502020202020204" pitchFamily="34" charset="0"/>
+                <a:ea typeface="迷你简综艺" panose="03000509000000000000" pitchFamily="65" charset="-122"/>
+              </a:endParaRPr>
+            </a:p>
+          </p:txBody>
+        </p:sp>
+        <p:cxnSp>
+          <p:nvCxnSpPr>
+            <p:cNvPr id="4" name="直接连接符 3">
+              <a:extLst>
+                <a:ext uri="{FF2B5EF4-FFF2-40B4-BE49-F238E27FC236}">
+                  <a16:creationId xmlns:a16="http://schemas.microsoft.com/office/drawing/2014/main" id="{4A40D8A2-C871-43A3-85F9-AFDBF9D04AB6}"/>
+                </a:ext>
+              </a:extLst>
+            </p:cNvPr>
+            <p:cNvCxnSpPr/>
+            <p:nvPr/>
+          </p:nvCxnSpPr>
+          <p:spPr>
+            <a:xfrm>
+              <a:off x="2324101" y="2738437"/>
+              <a:ext cx="0" cy="602512"/>
+            </a:xfrm>
+            <a:prstGeom prst="line">
+              <a:avLst/>
+            </a:prstGeom>
+            <a:ln w="12700">
+              <a:solidFill>
+                <a:schemeClr val="bg1">
+                  <a:lumMod val="65000"/>
+                </a:schemeClr>
+              </a:solidFill>
+            </a:ln>
+          </p:spPr>
+          <p:style>
+            <a:lnRef idx="1">
+              <a:schemeClr val="accent1"/>
+            </a:lnRef>
+            <a:fillRef idx="0">
+              <a:schemeClr val="accent1"/>
+            </a:fillRef>
+            <a:effectRef idx="0">
+              <a:schemeClr val="accent1"/>
+            </a:effectRef>
+            <a:fontRef idx="minor">
+              <a:schemeClr val="tx1"/>
+            </a:fontRef>
+          </p:style>
+        </p:cxnSp>
+      </p:grpSp>
+      <p:sp>
+        <p:nvSpPr>
+          <p:cNvPr id="5" name="MH_Entry_2">
+            <a:extLst>
+              <a:ext uri="{FF2B5EF4-FFF2-40B4-BE49-F238E27FC236}">
+                <a16:creationId xmlns:a16="http://schemas.microsoft.com/office/drawing/2014/main" id="{24FC7193-8B9E-4350-97D4-95160D49D230}"/>
+              </a:ext>
+            </a:extLst>
+          </p:cNvPr>
+          <p:cNvSpPr/>
+          <p:nvPr>
+            <p:custDataLst>
+              <p:tags r:id="rId1"/>
+            </p:custDataLst>
+          </p:nvPr>
+        </p:nvSpPr>
+        <p:spPr>
+          <a:xfrm>
+            <a:off x="1015628" y="215506"/>
+            <a:ext cx="2583605" cy="492443"/>
+          </a:xfrm>
+          <a:custGeom>
+            <a:avLst/>
+            <a:gdLst>
+              <a:gd name="connsiteX0" fmla="*/ 0 w 2520280"/>
+              <a:gd name="connsiteY0" fmla="*/ 1584176 h 1872208"/>
+              <a:gd name="connsiteX1" fmla="*/ 2520280 w 2520280"/>
+              <a:gd name="connsiteY1" fmla="*/ 1584176 h 1872208"/>
+              <a:gd name="connsiteX2" fmla="*/ 2520280 w 2520280"/>
+              <a:gd name="connsiteY2" fmla="*/ 1872208 h 1872208"/>
+              <a:gd name="connsiteX3" fmla="*/ 0 w 2520280"/>
+              <a:gd name="connsiteY3" fmla="*/ 1872208 h 1872208"/>
+              <a:gd name="connsiteX4" fmla="*/ 0 w 2520280"/>
+              <a:gd name="connsiteY4" fmla="*/ 1584176 h 1872208"/>
+              <a:gd name="connsiteX5" fmla="*/ 0 w 2520280"/>
+              <a:gd name="connsiteY5" fmla="*/ 0 h 1872208"/>
+              <a:gd name="connsiteX6" fmla="*/ 2520280 w 2520280"/>
+              <a:gd name="connsiteY6" fmla="*/ 0 h 1872208"/>
+              <a:gd name="connsiteX7" fmla="*/ 2520280 w 2520280"/>
+              <a:gd name="connsiteY7" fmla="*/ 288032 h 1872208"/>
+              <a:gd name="connsiteX8" fmla="*/ 0 w 2520280"/>
+              <a:gd name="connsiteY8" fmla="*/ 0 h 1872208"/>
+              <a:gd name="connsiteX0-1" fmla="*/ 0 w 2520280"/>
+              <a:gd name="connsiteY0-2" fmla="*/ 1584176 h 1872208"/>
+              <a:gd name="connsiteX1-3" fmla="*/ 2520280 w 2520280"/>
+              <a:gd name="connsiteY1-4" fmla="*/ 1584176 h 1872208"/>
+              <a:gd name="connsiteX2-5" fmla="*/ 2520280 w 2520280"/>
+              <a:gd name="connsiteY2-6" fmla="*/ 1872208 h 1872208"/>
+              <a:gd name="connsiteX3-7" fmla="*/ 0 w 2520280"/>
+              <a:gd name="connsiteY3-8" fmla="*/ 1872208 h 1872208"/>
+              <a:gd name="connsiteX4-9" fmla="*/ 0 w 2520280"/>
+              <a:gd name="connsiteY4-10" fmla="*/ 1584176 h 1872208"/>
+              <a:gd name="connsiteX5-11" fmla="*/ 0 w 2520280"/>
+              <a:gd name="connsiteY5-12" fmla="*/ 0 h 1872208"/>
+              <a:gd name="connsiteX6-13" fmla="*/ 2520280 w 2520280"/>
+              <a:gd name="connsiteY6-14" fmla="*/ 0 h 1872208"/>
+              <a:gd name="connsiteX7-15" fmla="*/ 0 w 2520280"/>
+              <a:gd name="connsiteY7-16" fmla="*/ 0 h 1872208"/>
+              <a:gd name="connsiteX0-17" fmla="*/ 0 w 2520280"/>
+              <a:gd name="connsiteY0-18" fmla="*/ 1872208 h 1872208"/>
+              <a:gd name="connsiteX1-19" fmla="*/ 2520280 w 2520280"/>
+              <a:gd name="connsiteY1-20" fmla="*/ 1584176 h 1872208"/>
+              <a:gd name="connsiteX2-21" fmla="*/ 2520280 w 2520280"/>
+              <a:gd name="connsiteY2-22" fmla="*/ 1872208 h 1872208"/>
+              <a:gd name="connsiteX3-23" fmla="*/ 0 w 2520280"/>
+              <a:gd name="connsiteY3-24" fmla="*/ 1872208 h 1872208"/>
+              <a:gd name="connsiteX4-25" fmla="*/ 0 w 2520280"/>
+              <a:gd name="connsiteY4-26" fmla="*/ 0 h 1872208"/>
+              <a:gd name="connsiteX5-27" fmla="*/ 2520280 w 2520280"/>
+              <a:gd name="connsiteY5-28" fmla="*/ 0 h 1872208"/>
+              <a:gd name="connsiteX6-29" fmla="*/ 0 w 2520280"/>
+              <a:gd name="connsiteY6-30" fmla="*/ 0 h 1872208"/>
+              <a:gd name="connsiteX0-31" fmla="*/ 0 w 2520280"/>
+              <a:gd name="connsiteY0-32" fmla="*/ 1872208 h 1872208"/>
+              <a:gd name="connsiteX1-33" fmla="*/ 2520280 w 2520280"/>
+              <a:gd name="connsiteY1-34" fmla="*/ 1872208 h 1872208"/>
+              <a:gd name="connsiteX2-35" fmla="*/ 0 w 2520280"/>
+              <a:gd name="connsiteY2-36" fmla="*/ 1872208 h 1872208"/>
+              <a:gd name="connsiteX3-37" fmla="*/ 0 w 2520280"/>
+              <a:gd name="connsiteY3-38" fmla="*/ 0 h 1872208"/>
+              <a:gd name="connsiteX4-39" fmla="*/ 2520280 w 2520280"/>
+              <a:gd name="connsiteY4-40" fmla="*/ 0 h 1872208"/>
+              <a:gd name="connsiteX5-41" fmla="*/ 0 w 2520280"/>
+              <a:gd name="connsiteY5-42" fmla="*/ 0 h 1872208"/>
+              <a:gd name="connsiteX0-43" fmla="*/ 0 w 2520280"/>
+              <a:gd name="connsiteY0-44" fmla="*/ 1872208 h 1872208"/>
+              <a:gd name="connsiteX1-45" fmla="*/ 2520280 w 2520280"/>
+              <a:gd name="connsiteY1-46" fmla="*/ 1872208 h 1872208"/>
+              <a:gd name="connsiteX2-47" fmla="*/ 0 w 2520280"/>
+              <a:gd name="connsiteY2-48" fmla="*/ 1872208 h 1872208"/>
+              <a:gd name="connsiteX3-49" fmla="*/ 0 w 2520280"/>
+              <a:gd name="connsiteY3-50" fmla="*/ 0 h 1872208"/>
+              <a:gd name="connsiteX4-51" fmla="*/ 34255 w 2520280"/>
+              <a:gd name="connsiteY4-52" fmla="*/ 0 h 1872208"/>
+              <a:gd name="connsiteX5-53" fmla="*/ 0 w 2520280"/>
+              <a:gd name="connsiteY5-54" fmla="*/ 0 h 1872208"/>
+              <a:gd name="connsiteX0-55" fmla="*/ 0 w 2520280"/>
+              <a:gd name="connsiteY0-56" fmla="*/ 1872208 h 1872208"/>
+              <a:gd name="connsiteX1-57" fmla="*/ 2520280 w 2520280"/>
+              <a:gd name="connsiteY1-58" fmla="*/ 1872208 h 1872208"/>
+              <a:gd name="connsiteX2-59" fmla="*/ 0 w 2520280"/>
+              <a:gd name="connsiteY2-60" fmla="*/ 1872208 h 1872208"/>
+              <a:gd name="connsiteX3-61" fmla="*/ 0 w 2520280"/>
+              <a:gd name="connsiteY3-62" fmla="*/ 0 h 1872208"/>
+              <a:gd name="connsiteX4-63" fmla="*/ 917 w 2520280"/>
+              <a:gd name="connsiteY4-64" fmla="*/ 6036 h 1872208"/>
+              <a:gd name="connsiteX5-65" fmla="*/ 0 w 2520280"/>
+              <a:gd name="connsiteY5-66" fmla="*/ 0 h 1872208"/>
+              <a:gd name="connsiteX0-67" fmla="*/ 0 w 2520280"/>
+              <a:gd name="connsiteY0-68" fmla="*/ 1890314 h 1890314"/>
+              <a:gd name="connsiteX1-69" fmla="*/ 2520280 w 2520280"/>
+              <a:gd name="connsiteY1-70" fmla="*/ 1890314 h 1890314"/>
+              <a:gd name="connsiteX2-71" fmla="*/ 0 w 2520280"/>
+              <a:gd name="connsiteY2-72" fmla="*/ 1890314 h 1890314"/>
+              <a:gd name="connsiteX3-73" fmla="*/ 0 w 2520280"/>
+              <a:gd name="connsiteY3-74" fmla="*/ 18106 h 1890314"/>
+              <a:gd name="connsiteX4-75" fmla="*/ 53304 w 2520280"/>
+              <a:gd name="connsiteY4-76" fmla="*/ 0 h 1890314"/>
+              <a:gd name="connsiteX5-77" fmla="*/ 0 w 2520280"/>
+              <a:gd name="connsiteY5-78" fmla="*/ 18106 h 1890314"/>
+              <a:gd name="connsiteX0-79" fmla="*/ 0 w 2520280"/>
+              <a:gd name="connsiteY0-80" fmla="*/ 1872208 h 1872208"/>
+              <a:gd name="connsiteX1-81" fmla="*/ 2520280 w 2520280"/>
+              <a:gd name="connsiteY1-82" fmla="*/ 1872208 h 1872208"/>
+              <a:gd name="connsiteX2-83" fmla="*/ 0 w 2520280"/>
+              <a:gd name="connsiteY2-84" fmla="*/ 1872208 h 1872208"/>
+              <a:gd name="connsiteX3-85" fmla="*/ 0 w 2520280"/>
+              <a:gd name="connsiteY3-86" fmla="*/ 0 h 1872208"/>
+              <a:gd name="connsiteX4-87" fmla="*/ 916 w 2520280"/>
+              <a:gd name="connsiteY4-88" fmla="*/ 0 h 1872208"/>
+              <a:gd name="connsiteX5-89" fmla="*/ 0 w 2520280"/>
+              <a:gd name="connsiteY5-90" fmla="*/ 0 h 1872208"/>
+            </a:gdLst>
+            <a:ahLst/>
+            <a:cxnLst>
+              <a:cxn ang="0">
+                <a:pos x="connsiteX0-1" y="connsiteY0-2"/>
+              </a:cxn>
+              <a:cxn ang="0">
+                <a:pos x="connsiteX1-3" y="connsiteY1-4"/>
+              </a:cxn>
+              <a:cxn ang="0">
+                <a:pos x="connsiteX2-5" y="connsiteY2-6"/>
+              </a:cxn>
+              <a:cxn ang="0">
+                <a:pos x="connsiteX3-7" y="connsiteY3-8"/>
+              </a:cxn>
+              <a:cxn ang="0">
+                <a:pos x="connsiteX4-9" y="connsiteY4-10"/>
+              </a:cxn>
+              <a:cxn ang="0">
+                <a:pos x="connsiteX5-11" y="connsiteY5-12"/>
+              </a:cxn>
+            </a:cxnLst>
+            <a:rect l="l" t="t" r="r" b="b"/>
+            <a:pathLst>
+              <a:path w="2520280" h="1872208">
+                <a:moveTo>
+                  <a:pt x="0" y="1872208"/>
+                </a:moveTo>
+                <a:lnTo>
+                  <a:pt x="2520280" y="1872208"/>
+                </a:lnTo>
+                <a:lnTo>
+                  <a:pt x="0" y="1872208"/>
+                </a:lnTo>
+                <a:close/>
+                <a:moveTo>
+                  <a:pt x="0" y="0"/>
+                </a:moveTo>
+                <a:lnTo>
+                  <a:pt x="916" y="0"/>
+                </a:lnTo>
+                <a:lnTo>
+                  <a:pt x="0" y="0"/>
+                </a:lnTo>
+                <a:close/>
+              </a:path>
+            </a:pathLst>
+          </a:custGeom>
+          <a:noFill/>
+          <a:ln w="3175" cap="sq">
+            <a:noFill/>
+            <a:bevel/>
+          </a:ln>
+        </p:spPr>
+        <p:style>
+          <a:lnRef idx="2">
+            <a:schemeClr val="accent1">
+              <a:shade val="50000"/>
+            </a:schemeClr>
+          </a:lnRef>
+          <a:fillRef idx="1">
+            <a:schemeClr val="accent1"/>
+          </a:fillRef>
+          <a:effectRef idx="0">
+            <a:schemeClr val="accent1"/>
+          </a:effectRef>
+          <a:fontRef idx="minor">
+            <a:schemeClr val="lt1"/>
+          </a:fontRef>
+        </p:style>
+        <p:txBody>
+          <a:bodyPr rot="0" spcFirstLastPara="0" vertOverflow="overflow" horzOverflow="overflow" vert="horz" wrap="square" lIns="0" tIns="0" rIns="0" bIns="0" numCol="1" spcCol="0" rtlCol="0" fromWordArt="0" anchor="ctr" anchorCtr="0" forceAA="0" compatLnSpc="1">
+            <a:spAutoFit/>
+          </a:bodyPr>
+          <a:lstStyle/>
+          <a:p>
+            <a:pPr defTabSz="852086" fontAlgn="base">
+              <a:spcBef>
+                <a:spcPct val="0"/>
+              </a:spcBef>
+              <a:spcAft>
+                <a:spcPct val="0"/>
+              </a:spcAft>
+            </a:pPr>
+            <a:r>
+              <a:rPr lang="zh-CN" altLang="en-US" sz="3200" dirty="0" smtClean="0">
+                <a:solidFill>
+                  <a:schemeClr val="tx1">
+                    <a:lumMod val="95000"/>
+                    <a:lumOff val="5000"/>
+                  </a:schemeClr>
+                </a:solidFill>
+                <a:latin typeface="微软雅黑" panose="020B0503020204020204" pitchFamily="34" charset="-122"/>
+                <a:ea typeface="微软雅黑" panose="020B0503020204020204" pitchFamily="34" charset="-122"/>
+                <a:sym typeface="Arial" panose="020B0604020202020204" pitchFamily="34" charset="0"/>
+              </a:rPr>
+              <a:t>结束语</a:t>
+            </a:r>
+            <a:endParaRPr lang="zh-CN" altLang="en-US" sz="3200" dirty="0">
+              <a:solidFill>
+                <a:schemeClr val="tx1">
+                  <a:lumMod val="95000"/>
+                  <a:lumOff val="5000"/>
+                </a:schemeClr>
+              </a:solidFill>
+              <a:latin typeface="微软雅黑" panose="020B0503020204020204" pitchFamily="34" charset="-122"/>
+              <a:ea typeface="微软雅黑" panose="020B0503020204020204" pitchFamily="34" charset="-122"/>
+              <a:sym typeface="Arial" panose="020B0604020202020204" pitchFamily="34" charset="0"/>
+            </a:endParaRPr>
+          </a:p>
+        </p:txBody>
+      </p:sp>
+      <p:cxnSp>
+        <p:nvCxnSpPr>
+          <p:cNvPr id="9" name="直接连接符 8">
+            <a:extLst>
+              <a:ext uri="{FF2B5EF4-FFF2-40B4-BE49-F238E27FC236}">
+                <a16:creationId xmlns:a16="http://schemas.microsoft.com/office/drawing/2014/main" id="{17F0C592-CD4A-43EC-B0A9-3B9DF01627A3}"/>
+              </a:ext>
+            </a:extLst>
+          </p:cNvPr>
+          <p:cNvCxnSpPr/>
+          <p:nvPr/>
+        </p:nvCxnSpPr>
+        <p:spPr>
+          <a:xfrm>
+            <a:off x="0" y="837274"/>
+            <a:ext cx="12266579" cy="0"/>
+          </a:xfrm>
+          <a:prstGeom prst="line">
+            <a:avLst/>
+          </a:prstGeom>
+          <a:ln w="19050">
+            <a:solidFill>
+              <a:schemeClr val="bg1">
+                <a:lumMod val="85000"/>
+              </a:schemeClr>
+            </a:solidFill>
+          </a:ln>
+        </p:spPr>
+        <p:style>
+          <a:lnRef idx="1">
+            <a:schemeClr val="accent1"/>
+          </a:lnRef>
+          <a:fillRef idx="0">
+            <a:schemeClr val="accent1"/>
+          </a:fillRef>
+          <a:effectRef idx="0">
+            <a:schemeClr val="accent1"/>
+          </a:effectRef>
+          <a:fontRef idx="minor">
+            <a:schemeClr val="tx1"/>
+          </a:fontRef>
+        </p:style>
+      </p:cxnSp>
+      <p:pic>
+        <p:nvPicPr>
+          <p:cNvPr id="20" name="图片 19"/>
+          <p:cNvPicPr>
+            <a:picLocks noChangeAspect="1"/>
+          </p:cNvPicPr>
+          <p:nvPr/>
+        </p:nvPicPr>
+        <p:blipFill>
+          <a:blip r:embed="rId4">
+            <a:extLst>
+              <a:ext uri="{28A0092B-C50C-407E-A947-70E740481C1C}">
+                <a14:useLocalDpi xmlns:a14="http://schemas.microsoft.com/office/drawing/2010/main" val="0"/>
+              </a:ext>
+            </a:extLst>
+          </a:blip>
+          <a:stretch>
+            <a:fillRect/>
+          </a:stretch>
+        </p:blipFill>
+        <p:spPr>
+          <a:xfrm>
+            <a:off x="9707907" y="9298"/>
+            <a:ext cx="2484093" cy="1397302"/>
+          </a:xfrm>
+          <a:prstGeom prst="rect">
+            <a:avLst/>
+          </a:prstGeom>
+        </p:spPr>
+      </p:pic>
+      <p:sp>
+        <p:nvSpPr>
+          <p:cNvPr id="6" name="矩形 5"/>
+          <p:cNvSpPr/>
+          <p:nvPr/>
+        </p:nvSpPr>
+        <p:spPr>
+          <a:xfrm>
+            <a:off x="3981909" y="2646322"/>
+            <a:ext cx="3877986" cy="1200329"/>
+          </a:xfrm>
+          <a:prstGeom prst="rect">
+            <a:avLst/>
+          </a:prstGeom>
+          <a:noFill/>
+        </p:spPr>
+        <p:txBody>
+          <a:bodyPr wrap="none" lIns="91440" tIns="45720" rIns="91440" bIns="45720">
+            <a:spAutoFit/>
+          </a:bodyPr>
+          <a:lstStyle/>
+          <a:p>
+            <a:pPr algn="ctr"/>
+            <a:r>
+              <a:rPr lang="zh-CN" altLang="en-US" sz="7200" b="0" cap="none" spc="0" dirty="0" smtClean="0">
+                <a:ln w="0"/>
+                <a:solidFill>
+                  <a:schemeClr val="accent1"/>
+                </a:solidFill>
+                <a:effectLst>
+                  <a:outerShdw blurRad="38100" dist="25400" dir="5400000" algn="ctr" rotWithShape="0">
+                    <a:srgbClr val="6E747A">
+                      <a:alpha val="43000"/>
+                    </a:srgbClr>
+                  </a:outerShdw>
+                </a:effectLst>
+              </a:rPr>
+              <a:t>谢谢观看</a:t>
+            </a:r>
+            <a:endParaRPr lang="zh-CN" altLang="en-US" sz="7200" b="0" cap="none" spc="0" dirty="0">
+              <a:ln w="0"/>
+              <a:solidFill>
+                <a:schemeClr val="accent1"/>
+              </a:solidFill>
+              <a:effectLst>
+                <a:outerShdw blurRad="38100" dist="25400" dir="5400000" algn="ctr" rotWithShape="0">
+                  <a:srgbClr val="6E747A">
+                    <a:alpha val="43000"/>
+                  </a:srgbClr>
+                </a:outerShdw>
+              </a:effectLst>
+            </a:endParaRPr>
+          </a:p>
+        </p:txBody>
+      </p:sp>
+    </p:spTree>
+    <p:extLst>
+      <p:ext uri="{BB962C8B-B14F-4D97-AF65-F5344CB8AC3E}">
+        <p14:creationId xmlns:p14="http://schemas.microsoft.com/office/powerpoint/2010/main" val="3201024679"/>
+      </p:ext>
+    </p:extLst>
+  </p:cSld>
+  <p:clrMapOvr>
+    <a:masterClrMapping/>
+  </p:clrMapOvr>
+  <mc:AlternateContent xmlns:mc="http://schemas.openxmlformats.org/markup-compatibility/2006" xmlns:p14="http://schemas.microsoft.com/office/powerpoint/2010/main">
+    <mc:Choice Requires="p14">
+      <p:transition spd="slow" p14:dur="1600" advClick="0" advTm="2000">
+        <p14:gallery dir="l"/>
+      </p:transition>
+    </mc:Choice>
+    <mc:Fallback xmlns="">
+      <p:transition spd="slow" advClick="0" advTm="2000">
+        <p:fade/>
+      </p:transition>
+    </mc:Fallback>
+  </mc:AlternateContent>
+  <p:timing>
+    <p:tnLst>
+      <p:par>
+        <p:cTn id="1" dur="indefinite" restart="never" nodeType="tmRoot"/>
+      </p:par>
+    </p:tnLst>
+  </p:timing>
+</p:sld>
+</file>
+
+<file path=ppt/tags/tag1.xml><?xml version="1.0" encoding="utf-8"?>
+<p:tagLst xmlns:a="http://schemas.openxmlformats.org/drawingml/2006/main" xmlns:r="http://schemas.openxmlformats.org/officeDocument/2006/relationships" xmlns:p="http://schemas.openxmlformats.org/presentationml/2006/main">
+  <p:tag name="MH" val="20160830110146"/>
+  <p:tag name="MH_LIBRARY" val="CONTENTS"/>
+  <p:tag name="MH_TYPE" val="ENTRY"/>
+  <p:tag name="ID" val="553512"/>
+  <p:tag name="MH_ORDER" val="2"/>
+</p:tagLst>
+</file>
+
+<file path=ppt/tags/tag2.xml><?xml version="1.0" encoding="utf-8"?>
+<p:tagLst xmlns:a="http://schemas.openxmlformats.org/drawingml/2006/main" xmlns:r="http://schemas.openxmlformats.org/officeDocument/2006/relationships" xmlns:p="http://schemas.openxmlformats.org/presentationml/2006/main">
+  <p:tag name="MH" val="20160830110146"/>
+  <p:tag name="MH_LIBRARY" val="CONTENTS"/>
+  <p:tag name="MH_TYPE" val="ENTRY"/>
+  <p:tag name="ID" val="553512"/>
+  <p:tag name="MH_ORDER" val="2"/>
+</p:tagLst>
+</file>
+
+<file path=ppt/tags/tag3.xml><?xml version="1.0" encoding="utf-8"?>
+<p:tagLst xmlns:a="http://schemas.openxmlformats.org/drawingml/2006/main" xmlns:r="http://schemas.openxmlformats.org/officeDocument/2006/relationships" xmlns:p="http://schemas.openxmlformats.org/presentationml/2006/main">
+  <p:tag name="MH" val="20160830110146"/>
+  <p:tag name="MH_LIBRARY" val="CONTENTS"/>
+  <p:tag name="MH_TYPE" val="ENTRY"/>
+  <p:tag name="ID" val="553512"/>
+  <p:tag name="MH_ORDER" val="2"/>
+</p:tagLst>
+</file>
+
+<file path=ppt/tags/tag4.xml><?xml version="1.0" encoding="utf-8"?>
+<p:tagLst xmlns:a="http://schemas.openxmlformats.org/drawingml/2006/main" xmlns:r="http://schemas.openxmlformats.org/officeDocument/2006/relationships" xmlns:p="http://schemas.openxmlformats.org/presentationml/2006/main">
+  <p:tag name="MH" val="20160830110146"/>
+  <p:tag name="MH_LIBRARY" val="CONTENTS"/>
+  <p:tag name="MH_TYPE" val="ENTRY"/>
+  <p:tag name="ID" val="553512"/>
+  <p:tag name="MH_ORDER" val="2"/>
+</p:tagLst>
+</file>
+
+<file path=ppt/tags/tag5.xml><?xml version="1.0" encoding="utf-8"?>
+<p:tagLst xmlns:a="http://schemas.openxmlformats.org/drawingml/2006/main" xmlns:r="http://schemas.openxmlformats.org/officeDocument/2006/relationships" xmlns:p="http://schemas.openxmlformats.org/presentationml/2006/main">
+  <p:tag name="MH" val="20160830110146"/>
+  <p:tag name="MH_LIBRARY" val="CONTENTS"/>
+  <p:tag name="MH_TYPE" val="ENTRY"/>
+  <p:tag name="ID" val="553512"/>
+  <p:tag name="MH_ORDER" val="2"/>
+</p:tagLst>
+</file>
+
+<file path=ppt/tags/tag6.xml><?xml version="1.0" encoding="utf-8"?>
+<p:tagLst xmlns:a="http://schemas.openxmlformats.org/drawingml/2006/main" xmlns:r="http://schemas.openxmlformats.org/officeDocument/2006/relationships" xmlns:p="http://schemas.openxmlformats.org/presentationml/2006/main">
+  <p:tag name="MH" val="20160830110146"/>
+  <p:tag name="MH_LIBRARY" val="CONTENTS"/>
+  <p:tag name="MH_TYPE" val="ENTRY"/>
+  <p:tag name="ID" val="553512"/>
+  <p:tag name="MH_ORDER" val="2"/>
+</p:tagLst>
+</file>
+
+<file path=ppt/tags/tag7.xml><?xml version="1.0" encoding="utf-8"?>
+<p:tagLst xmlns:a="http://schemas.openxmlformats.org/drawingml/2006/main" xmlns:r="http://schemas.openxmlformats.org/officeDocument/2006/relationships" xmlns:p="http://schemas.openxmlformats.org/presentationml/2006/main">
+  <p:tag name="MH" val="20160830110146"/>
+  <p:tag name="MH_LIBRARY" val="CONTENTS"/>
+  <p:tag name="MH_TYPE" val="ENTRY"/>
+  <p:tag name="ID" val="553512"/>
+  <p:tag name="MH_ORDER" val="2"/>
+</p:tagLst>
+</file>
+
+<file path=ppt/tags/tag8.xml><?xml version="1.0" encoding="utf-8"?>
+<p:tagLst xmlns:a="http://schemas.openxmlformats.org/drawingml/2006/main" xmlns:r="http://schemas.openxmlformats.org/officeDocument/2006/relationships" xmlns:p="http://schemas.openxmlformats.org/presentationml/2006/main">
+  <p:tag name="MH" val="20160830110146"/>
+  <p:tag name="MH_LIBRARY" val="CONTENTS"/>
+  <p:tag name="MH_TYPE" val="ENTRY"/>
+  <p:tag name="ID" val="553512"/>
+  <p:tag name="MH_ORDER" val="2"/>
+</p:tagLst>
 </file>
 
 <file path=ppt/theme/theme1.xml><?xml version="1.0" encoding="utf-8"?>
@@ -6226,4 +13832,265 @@
     </a:ext>
   </a:extLst>
 </a:theme>
+</file>
+
+<file path=ppt/theme/theme2.xml><?xml version="1.0" encoding="utf-8"?>
+<a:theme xmlns:a="http://schemas.openxmlformats.org/drawingml/2006/main" name="Office 主题​​">
+  <a:themeElements>
+    <a:clrScheme name="Office">
+      <a:dk1>
+        <a:sysClr val="windowText" lastClr="000000"/>
+      </a:dk1>
+      <a:lt1>
+        <a:sysClr val="window" lastClr="FFFFFF"/>
+      </a:lt1>
+      <a:dk2>
+        <a:srgbClr val="44546A"/>
+      </a:dk2>
+      <a:lt2>
+        <a:srgbClr val="E7E6E6"/>
+      </a:lt2>
+      <a:accent1>
+        <a:srgbClr val="5B9BD5"/>
+      </a:accent1>
+      <a:accent2>
+        <a:srgbClr val="ED7D31"/>
+      </a:accent2>
+      <a:accent3>
+        <a:srgbClr val="A5A5A5"/>
+      </a:accent3>
+      <a:accent4>
+        <a:srgbClr val="FFC000"/>
+      </a:accent4>
+      <a:accent5>
+        <a:srgbClr val="4472C4"/>
+      </a:accent5>
+      <a:accent6>
+        <a:srgbClr val="70AD47"/>
+      </a:accent6>
+      <a:hlink>
+        <a:srgbClr val="0563C1"/>
+      </a:hlink>
+      <a:folHlink>
+        <a:srgbClr val="954F72"/>
+      </a:folHlink>
+    </a:clrScheme>
+    <a:fontScheme name="Office">
+      <a:majorFont>
+        <a:latin typeface="等线 Light" panose="020F0302020204030204"/>
+        <a:ea typeface=""/>
+        <a:cs typeface=""/>
+        <a:font script="Jpan" typeface="游ゴシック Light"/>
+        <a:font script="Hang" typeface="맑은 고딕"/>
+        <a:font script="Hans" typeface="等线 Light"/>
+        <a:font script="Hant" typeface="新細明體"/>
+        <a:font script="Arab" typeface="Times New Roman"/>
+        <a:font script="Hebr" typeface="Times New Roman"/>
+        <a:font script="Thai" typeface="Angsana New"/>
+        <a:font script="Ethi" typeface="Nyala"/>
+        <a:font script="Beng" typeface="Vrinda"/>
+        <a:font script="Gujr" typeface="Shruti"/>
+        <a:font script="Khmr" typeface="MoolBoran"/>
+        <a:font script="Knda" typeface="Tunga"/>
+        <a:font script="Guru" typeface="Raavi"/>
+        <a:font script="Cans" typeface="Euphemia"/>
+        <a:font script="Cher" typeface="Plantagenet Cherokee"/>
+        <a:font script="Yiii" typeface="Microsoft Yi Baiti"/>
+        <a:font script="Tibt" typeface="Microsoft Himalaya"/>
+        <a:font script="Thaa" typeface="MV Boli"/>
+        <a:font script="Deva" typeface="Mangal"/>
+        <a:font script="Telu" typeface="Gautami"/>
+        <a:font script="Taml" typeface="Latha"/>
+        <a:font script="Syrc" typeface="Estrangelo Edessa"/>
+        <a:font script="Orya" typeface="Kalinga"/>
+        <a:font script="Mlym" typeface="Kartika"/>
+        <a:font script="Laoo" typeface="DokChampa"/>
+        <a:font script="Sinh" typeface="Iskoola Pota"/>
+        <a:font script="Mong" typeface="Mongolian Baiti"/>
+        <a:font script="Viet" typeface="Times New Roman"/>
+        <a:font script="Uigh" typeface="Microsoft Uighur"/>
+        <a:font script="Geor" typeface="Sylfaen"/>
+      </a:majorFont>
+      <a:minorFont>
+        <a:latin typeface="等线" panose="020F0502020204030204"/>
+        <a:ea typeface=""/>
+        <a:cs typeface=""/>
+        <a:font script="Jpan" typeface="游ゴシック"/>
+        <a:font script="Hang" typeface="맑은 고딕"/>
+        <a:font script="Hans" typeface="等线"/>
+        <a:font script="Hant" typeface="新細明體"/>
+        <a:font script="Arab" typeface="Arial"/>
+        <a:font script="Hebr" typeface="Arial"/>
+        <a:font script="Thai" typeface="Cordia New"/>
+        <a:font script="Ethi" typeface="Nyala"/>
+        <a:font script="Beng" typeface="Vrinda"/>
+        <a:font script="Gujr" typeface="Shruti"/>
+        <a:font script="Khmr" typeface="DaunPenh"/>
+        <a:font script="Knda" typeface="Tunga"/>
+        <a:font script="Guru" typeface="Raavi"/>
+        <a:font script="Cans" typeface="Euphemia"/>
+        <a:font script="Cher" typeface="Plantagenet Cherokee"/>
+        <a:font script="Yiii" typeface="Microsoft Yi Baiti"/>
+        <a:font script="Tibt" typeface="Microsoft Himalaya"/>
+        <a:font script="Thaa" typeface="MV Boli"/>
+        <a:font script="Deva" typeface="Mangal"/>
+        <a:font script="Telu" typeface="Gautami"/>
+        <a:font script="Taml" typeface="Latha"/>
+        <a:font script="Syrc" typeface="Estrangelo Edessa"/>
+        <a:font script="Orya" typeface="Kalinga"/>
+        <a:font script="Mlym" typeface="Kartika"/>
+        <a:font script="Laoo" typeface="DokChampa"/>
+        <a:font script="Sinh" typeface="Iskoola Pota"/>
+        <a:font script="Mong" typeface="Mongolian Baiti"/>
+        <a:font script="Viet" typeface="Arial"/>
+        <a:font script="Uigh" typeface="Microsoft Uighur"/>
+        <a:font script="Geor" typeface="Sylfaen"/>
+      </a:minorFont>
+    </a:fontScheme>
+    <a:fmtScheme name="Office">
+      <a:fillStyleLst>
+        <a:solidFill>
+          <a:schemeClr val="phClr"/>
+        </a:solidFill>
+        <a:gradFill rotWithShape="1">
+          <a:gsLst>
+            <a:gs pos="0">
+              <a:schemeClr val="phClr">
+                <a:lumMod val="110000"/>
+                <a:satMod val="105000"/>
+                <a:tint val="67000"/>
+              </a:schemeClr>
+            </a:gs>
+            <a:gs pos="50000">
+              <a:schemeClr val="phClr">
+                <a:lumMod val="105000"/>
+                <a:satMod val="103000"/>
+                <a:tint val="73000"/>
+              </a:schemeClr>
+            </a:gs>
+            <a:gs pos="100000">
+              <a:schemeClr val="phClr">
+                <a:lumMod val="105000"/>
+                <a:satMod val="109000"/>
+                <a:tint val="81000"/>
+              </a:schemeClr>
+            </a:gs>
+          </a:gsLst>
+          <a:lin ang="5400000" scaled="0"/>
+        </a:gradFill>
+        <a:gradFill rotWithShape="1">
+          <a:gsLst>
+            <a:gs pos="0">
+              <a:schemeClr val="phClr">
+                <a:satMod val="103000"/>
+                <a:lumMod val="102000"/>
+                <a:tint val="94000"/>
+              </a:schemeClr>
+            </a:gs>
+            <a:gs pos="50000">
+              <a:schemeClr val="phClr">
+                <a:satMod val="110000"/>
+                <a:lumMod val="100000"/>
+                <a:shade val="100000"/>
+              </a:schemeClr>
+            </a:gs>
+            <a:gs pos="100000">
+              <a:schemeClr val="phClr">
+                <a:lumMod val="99000"/>
+                <a:satMod val="120000"/>
+                <a:shade val="78000"/>
+              </a:schemeClr>
+            </a:gs>
+          </a:gsLst>
+          <a:lin ang="5400000" scaled="0"/>
+        </a:gradFill>
+      </a:fillStyleLst>
+      <a:lnStyleLst>
+        <a:ln w="6350" cap="flat" cmpd="sng" algn="ctr">
+          <a:solidFill>
+            <a:schemeClr val="phClr"/>
+          </a:solidFill>
+          <a:prstDash val="solid"/>
+          <a:miter lim="800000"/>
+        </a:ln>
+        <a:ln w="12700" cap="flat" cmpd="sng" algn="ctr">
+          <a:solidFill>
+            <a:schemeClr val="phClr"/>
+          </a:solidFill>
+          <a:prstDash val="solid"/>
+          <a:miter lim="800000"/>
+        </a:ln>
+        <a:ln w="19050" cap="flat" cmpd="sng" algn="ctr">
+          <a:solidFill>
+            <a:schemeClr val="phClr"/>
+          </a:solidFill>
+          <a:prstDash val="solid"/>
+          <a:miter lim="800000"/>
+        </a:ln>
+      </a:lnStyleLst>
+      <a:effectStyleLst>
+        <a:effectStyle>
+          <a:effectLst/>
+        </a:effectStyle>
+        <a:effectStyle>
+          <a:effectLst/>
+        </a:effectStyle>
+        <a:effectStyle>
+          <a:effectLst>
+            <a:outerShdw blurRad="57150" dist="19050" dir="5400000" algn="ctr" rotWithShape="0">
+              <a:srgbClr val="000000">
+                <a:alpha val="63000"/>
+              </a:srgbClr>
+            </a:outerShdw>
+          </a:effectLst>
+        </a:effectStyle>
+      </a:effectStyleLst>
+      <a:bgFillStyleLst>
+        <a:solidFill>
+          <a:schemeClr val="phClr"/>
+        </a:solidFill>
+        <a:solidFill>
+          <a:schemeClr val="phClr">
+            <a:tint val="95000"/>
+            <a:satMod val="170000"/>
+          </a:schemeClr>
+        </a:solidFill>
+        <a:gradFill rotWithShape="1">
+          <a:gsLst>
+            <a:gs pos="0">
+              <a:schemeClr val="phClr">
+                <a:tint val="93000"/>
+                <a:satMod val="150000"/>
+                <a:shade val="98000"/>
+                <a:lumMod val="102000"/>
+              </a:schemeClr>
+            </a:gs>
+            <a:gs pos="50000">
+              <a:schemeClr val="phClr">
+                <a:tint val="98000"/>
+                <a:satMod val="130000"/>
+                <a:shade val="90000"/>
+                <a:lumMod val="103000"/>
+              </a:schemeClr>
+            </a:gs>
+            <a:gs pos="100000">
+              <a:schemeClr val="phClr">
+                <a:shade val="63000"/>
+                <a:satMod val="120000"/>
+              </a:schemeClr>
+            </a:gs>
+          </a:gsLst>
+          <a:lin ang="5400000" scaled="0"/>
+        </a:gradFill>
+      </a:bgFillStyleLst>
+    </a:fmtScheme>
+  </a:themeElements>
+  <a:objectDefaults/>
+  <a:extraClrSchemeLst/>
+  <a:extLst>
+    <a:ext uri="{05A4C25C-085E-4340-85A3-A5531E510DB2}">
+      <thm15:themeFamily xmlns:thm15="http://schemas.microsoft.com/office/thememl/2012/main" name="Office Theme" id="{62F939B6-93AF-4DB8-9C6B-D6C7DFDC589F}" vid="{4A3C46E8-61CC-4603-A589-7422A47A8E4A}"/>
+    </a:ext>
+  </a:extLst>
+</a:theme>
 </file>